--- a/docs/diagrams/SummaryByDateSequenceDiagram.pptx
+++ b/docs/diagrams/SummaryByDateSequenceDiagram.pptx
@@ -208,7 +208,7 @@
           <a:p>
             <a:fld id="{F5CC4B3F-88C1-4FFA-B1B6-F41C21DC6924}" type="datetimeFigureOut">
               <a:rPr lang="en-US" smtClean="0"/>
-              <a:t>10/31/2018</a:t>
+              <a:t>11/6/2018</a:t>
             </a:fld>
             <a:endParaRPr lang="en-US"/>
           </a:p>
@@ -743,7 +743,7 @@
           <a:p>
             <a:fld id="{78C97017-6FC3-485B-9764-EAC9E56C1D49}" type="datetimeFigureOut">
               <a:rPr lang="en-US" smtClean="0"/>
-              <a:t>10/31/2018</a:t>
+              <a:t>11/6/2018</a:t>
             </a:fld>
             <a:endParaRPr lang="en-US"/>
           </a:p>
@@ -911,7 +911,7 @@
           <a:p>
             <a:fld id="{78C97017-6FC3-485B-9764-EAC9E56C1D49}" type="datetimeFigureOut">
               <a:rPr lang="en-US" smtClean="0"/>
-              <a:t>10/31/2018</a:t>
+              <a:t>11/6/2018</a:t>
             </a:fld>
             <a:endParaRPr lang="en-US"/>
           </a:p>
@@ -1089,7 +1089,7 @@
           <a:p>
             <a:fld id="{78C97017-6FC3-485B-9764-EAC9E56C1D49}" type="datetimeFigureOut">
               <a:rPr lang="en-US" smtClean="0"/>
-              <a:t>10/31/2018</a:t>
+              <a:t>11/6/2018</a:t>
             </a:fld>
             <a:endParaRPr lang="en-US"/>
           </a:p>
@@ -1257,7 +1257,7 @@
           <a:p>
             <a:fld id="{78C97017-6FC3-485B-9764-EAC9E56C1D49}" type="datetimeFigureOut">
               <a:rPr lang="en-US" smtClean="0"/>
-              <a:t>10/31/2018</a:t>
+              <a:t>11/6/2018</a:t>
             </a:fld>
             <a:endParaRPr lang="en-US"/>
           </a:p>
@@ -1502,7 +1502,7 @@
           <a:p>
             <a:fld id="{78C97017-6FC3-485B-9764-EAC9E56C1D49}" type="datetimeFigureOut">
               <a:rPr lang="en-US" smtClean="0"/>
-              <a:t>10/31/2018</a:t>
+              <a:t>11/6/2018</a:t>
             </a:fld>
             <a:endParaRPr lang="en-US"/>
           </a:p>
@@ -1787,7 +1787,7 @@
           <a:p>
             <a:fld id="{78C97017-6FC3-485B-9764-EAC9E56C1D49}" type="datetimeFigureOut">
               <a:rPr lang="en-US" smtClean="0"/>
-              <a:t>10/31/2018</a:t>
+              <a:t>11/6/2018</a:t>
             </a:fld>
             <a:endParaRPr lang="en-US"/>
           </a:p>
@@ -2206,7 +2206,7 @@
           <a:p>
             <a:fld id="{78C97017-6FC3-485B-9764-EAC9E56C1D49}" type="datetimeFigureOut">
               <a:rPr lang="en-US" smtClean="0"/>
-              <a:t>10/31/2018</a:t>
+              <a:t>11/6/2018</a:t>
             </a:fld>
             <a:endParaRPr lang="en-US"/>
           </a:p>
@@ -2323,7 +2323,7 @@
           <a:p>
             <a:fld id="{78C97017-6FC3-485B-9764-EAC9E56C1D49}" type="datetimeFigureOut">
               <a:rPr lang="en-US" smtClean="0"/>
-              <a:t>10/31/2018</a:t>
+              <a:t>11/6/2018</a:t>
             </a:fld>
             <a:endParaRPr lang="en-US"/>
           </a:p>
@@ -2418,7 +2418,7 @@
           <a:p>
             <a:fld id="{78C97017-6FC3-485B-9764-EAC9E56C1D49}" type="datetimeFigureOut">
               <a:rPr lang="en-US" smtClean="0"/>
-              <a:t>10/31/2018</a:t>
+              <a:t>11/6/2018</a:t>
             </a:fld>
             <a:endParaRPr lang="en-US"/>
           </a:p>
@@ -2693,7 +2693,7 @@
           <a:p>
             <a:fld id="{78C97017-6FC3-485B-9764-EAC9E56C1D49}" type="datetimeFigureOut">
               <a:rPr lang="en-US" smtClean="0"/>
-              <a:t>10/31/2018</a:t>
+              <a:t>11/6/2018</a:t>
             </a:fld>
             <a:endParaRPr lang="en-US"/>
           </a:p>
@@ -2945,7 +2945,7 @@
           <a:p>
             <a:fld id="{78C97017-6FC3-485B-9764-EAC9E56C1D49}" type="datetimeFigureOut">
               <a:rPr lang="en-US" smtClean="0"/>
-              <a:t>10/31/2018</a:t>
+              <a:t>11/6/2018</a:t>
             </a:fld>
             <a:endParaRPr lang="en-US"/>
           </a:p>
@@ -3156,7 +3156,7 @@
           <a:p>
             <a:fld id="{78C97017-6FC3-485B-9764-EAC9E56C1D49}" type="datetimeFigureOut">
               <a:rPr lang="en-US" smtClean="0"/>
-              <a:t>10/31/2018</a:t>
+              <a:t>11/6/2018</a:t>
             </a:fld>
             <a:endParaRPr lang="en-US"/>
           </a:p>
@@ -3533,14 +3533,20 @@
       </p:grpSpPr>
       <p:sp>
         <p:nvSpPr>
-          <p:cNvPr id="56" name="Rectangle 65"/>
+          <p:cNvPr id="209" name="Rectangle 65">
+            <a:extLst>
+              <a:ext uri="{FF2B5EF4-FFF2-40B4-BE49-F238E27FC236}">
+                <a16:creationId xmlns:a16="http://schemas.microsoft.com/office/drawing/2014/main" id="{95060E44-8934-442E-9CAE-10F2F39A4242}"/>
+              </a:ext>
+            </a:extLst>
+          </p:cNvPr>
           <p:cNvSpPr/>
           <p:nvPr/>
         </p:nvSpPr>
         <p:spPr>
           <a:xfrm>
-            <a:off x="7204454" y="0"/>
-            <a:ext cx="7322950" cy="7564458"/>
+            <a:off x="10422766" y="-1562017"/>
+            <a:ext cx="4817234" cy="9870482"/>
           </a:xfrm>
           <a:prstGeom prst="roundRect">
             <a:avLst>
@@ -3594,10 +3600,10 @@
       </p:sp>
       <p:sp>
         <p:nvSpPr>
-          <p:cNvPr id="228" name="Rectangle 227">
+          <p:cNvPr id="204" name="Rectangle 65">
             <a:extLst>
               <a:ext uri="{FF2B5EF4-FFF2-40B4-BE49-F238E27FC236}">
-                <a16:creationId xmlns:a16="http://schemas.microsoft.com/office/drawing/2014/main" id="{A4F73A05-BFBF-46CC-A285-9E061B194C09}"/>
+                <a16:creationId xmlns:a16="http://schemas.microsoft.com/office/drawing/2014/main" id="{1F50FDCE-8C44-40DB-A8C0-ACDCF40BA189}"/>
               </a:ext>
             </a:extLst>
           </p:cNvPr>
@@ -3606,198 +3612,8 @@
         </p:nvSpPr>
         <p:spPr>
           <a:xfrm>
-            <a:off x="12560618" y="6398107"/>
-            <a:ext cx="168896" cy="383694"/>
-          </a:xfrm>
-          <a:prstGeom prst="rect">
-            <a:avLst/>
-          </a:prstGeom>
-          <a:solidFill>
-            <a:srgbClr val="7030A0"/>
-          </a:solidFill>
-          <a:ln>
-            <a:solidFill>
-              <a:srgbClr val="7030A0"/>
-            </a:solidFill>
-          </a:ln>
-          <a:effectLst/>
-        </p:spPr>
-        <p:style>
-          <a:lnRef idx="1">
-            <a:schemeClr val="accent3"/>
-          </a:lnRef>
-          <a:fillRef idx="2">
-            <a:schemeClr val="accent3"/>
-          </a:fillRef>
-          <a:effectRef idx="1">
-            <a:schemeClr val="accent3"/>
-          </a:effectRef>
-          <a:fontRef idx="minor">
-            <a:schemeClr val="dk1"/>
-          </a:fontRef>
-        </p:style>
-        <p:txBody>
-          <a:bodyPr rtlCol="0" anchor="ctr"/>
-          <a:lstStyle/>
-          <a:p>
-            <a:pPr algn="ctr"/>
-            <a:endParaRPr lang="en-SG" sz="1400"/>
-          </a:p>
-        </p:txBody>
-      </p:sp>
-      <p:cxnSp>
-        <p:nvCxnSpPr>
-          <p:cNvPr id="208" name="Straight Connector 207">
-            <a:extLst>
-              <a:ext uri="{FF2B5EF4-FFF2-40B4-BE49-F238E27FC236}">
-                <a16:creationId xmlns:a16="http://schemas.microsoft.com/office/drawing/2014/main" id="{01A4D410-5515-4298-A177-114240C09B41}"/>
-              </a:ext>
-            </a:extLst>
-          </p:cNvPr>
-          <p:cNvCxnSpPr>
-            <a:cxnSpLocks/>
-          </p:cNvCxnSpPr>
-          <p:nvPr/>
-        </p:nvCxnSpPr>
-        <p:spPr>
-          <a:xfrm>
-            <a:off x="11024748" y="4642812"/>
-            <a:ext cx="0" cy="2824788"/>
-          </a:xfrm>
-          <a:prstGeom prst="line">
-            <a:avLst/>
-          </a:prstGeom>
-          <a:ln w="19050">
-            <a:solidFill>
-              <a:srgbClr val="7030A0"/>
-            </a:solidFill>
-            <a:prstDash val="sysDash"/>
-          </a:ln>
-          <a:effectLst/>
-        </p:spPr>
-        <p:style>
-          <a:lnRef idx="1">
-            <a:schemeClr val="accent1"/>
-          </a:lnRef>
-          <a:fillRef idx="2">
-            <a:schemeClr val="accent1"/>
-          </a:fillRef>
-          <a:effectRef idx="1">
-            <a:schemeClr val="accent1"/>
-          </a:effectRef>
-          <a:fontRef idx="minor">
-            <a:schemeClr val="dk1"/>
-          </a:fontRef>
-        </p:style>
-      </p:cxnSp>
-      <p:sp>
-        <p:nvSpPr>
-          <p:cNvPr id="197" name="Rectangle 196">
-            <a:extLst>
-              <a:ext uri="{FF2B5EF4-FFF2-40B4-BE49-F238E27FC236}">
-                <a16:creationId xmlns:a16="http://schemas.microsoft.com/office/drawing/2014/main" id="{E143A901-E2E6-44CE-9BD9-04CAA810A569}"/>
-              </a:ext>
-            </a:extLst>
-          </p:cNvPr>
-          <p:cNvSpPr/>
-          <p:nvPr/>
-        </p:nvSpPr>
-        <p:spPr>
-          <a:xfrm>
-            <a:off x="10940300" y="4859360"/>
-            <a:ext cx="168896" cy="1160439"/>
-          </a:xfrm>
-          <a:prstGeom prst="rect">
-            <a:avLst/>
-          </a:prstGeom>
-          <a:solidFill>
-            <a:srgbClr val="7030A0"/>
-          </a:solidFill>
-          <a:ln>
-            <a:solidFill>
-              <a:srgbClr val="7030A0"/>
-            </a:solidFill>
-          </a:ln>
-          <a:effectLst/>
-        </p:spPr>
-        <p:style>
-          <a:lnRef idx="1">
-            <a:schemeClr val="accent3"/>
-          </a:lnRef>
-          <a:fillRef idx="2">
-            <a:schemeClr val="accent3"/>
-          </a:fillRef>
-          <a:effectRef idx="1">
-            <a:schemeClr val="accent3"/>
-          </a:effectRef>
-          <a:fontRef idx="minor">
-            <a:schemeClr val="dk1"/>
-          </a:fontRef>
-        </p:style>
-        <p:txBody>
-          <a:bodyPr rtlCol="0" anchor="ctr"/>
-          <a:lstStyle/>
-          <a:p>
-            <a:pPr algn="ctr"/>
-            <a:endParaRPr lang="en-SG" sz="1400"/>
-          </a:p>
-        </p:txBody>
-      </p:sp>
-      <p:cxnSp>
-        <p:nvCxnSpPr>
-          <p:cNvPr id="174" name="Straight Connector 173">
-            <a:extLst>
-              <a:ext uri="{FF2B5EF4-FFF2-40B4-BE49-F238E27FC236}">
-                <a16:creationId xmlns:a16="http://schemas.microsoft.com/office/drawing/2014/main" id="{08175CD8-BF86-457D-B6A2-62231EB8858E}"/>
-              </a:ext>
-            </a:extLst>
-          </p:cNvPr>
-          <p:cNvCxnSpPr>
-            <a:cxnSpLocks/>
-          </p:cNvCxnSpPr>
-          <p:nvPr/>
-        </p:nvCxnSpPr>
-        <p:spPr>
-          <a:xfrm>
-            <a:off x="9734197" y="2550613"/>
-            <a:ext cx="0" cy="4916986"/>
-          </a:xfrm>
-          <a:prstGeom prst="line">
-            <a:avLst/>
-          </a:prstGeom>
-          <a:ln w="19050">
-            <a:solidFill>
-              <a:srgbClr val="7030A0"/>
-            </a:solidFill>
-            <a:prstDash val="sysDash"/>
-          </a:ln>
-          <a:effectLst/>
-        </p:spPr>
-        <p:style>
-          <a:lnRef idx="1">
-            <a:schemeClr val="accent1"/>
-          </a:lnRef>
-          <a:fillRef idx="2">
-            <a:schemeClr val="accent1"/>
-          </a:fillRef>
-          <a:effectRef idx="1">
-            <a:schemeClr val="accent1"/>
-          </a:effectRef>
-          <a:fontRef idx="minor">
-            <a:schemeClr val="dk1"/>
-          </a:fontRef>
-        </p:style>
-      </p:cxnSp>
-      <p:sp>
-        <p:nvSpPr>
-          <p:cNvPr id="81" name="Rectangle 65"/>
-          <p:cNvSpPr/>
-          <p:nvPr/>
-        </p:nvSpPr>
-        <p:spPr>
-          <a:xfrm>
-            <a:off x="-1066181" y="0"/>
-            <a:ext cx="8255891" cy="7467599"/>
+            <a:off x="-2346448" y="-1562017"/>
+            <a:ext cx="12792491" cy="9870482"/>
           </a:xfrm>
           <a:prstGeom prst="roundRect">
             <a:avLst>
@@ -3849,3430 +3665,3844 @@
           </a:p>
         </p:txBody>
       </p:sp>
-      <p:sp>
-        <p:nvSpPr>
-          <p:cNvPr id="122" name="Rectangle 121">
+      <p:grpSp>
+        <p:nvGrpSpPr>
+          <p:cNvPr id="35" name="Group 34">
             <a:extLst>
               <a:ext uri="{FF2B5EF4-FFF2-40B4-BE49-F238E27FC236}">
-                <a16:creationId xmlns:a16="http://schemas.microsoft.com/office/drawing/2014/main" id="{B3EA494B-C1D7-4EC9-8A90-EBAA1EB276E9}"/>
+                <a16:creationId xmlns:a16="http://schemas.microsoft.com/office/drawing/2014/main" id="{CA4CA890-9AF6-4C82-B649-74E8EFA539B3}"/>
               </a:ext>
             </a:extLst>
           </p:cNvPr>
-          <p:cNvSpPr/>
+          <p:cNvGrpSpPr/>
           <p:nvPr/>
-        </p:nvSpPr>
-        <p:spPr>
+        </p:nvGrpSpPr>
+        <p:grpSpPr>
           <a:xfrm>
-            <a:off x="6077565" y="2491786"/>
-            <a:ext cx="161322" cy="556209"/>
+            <a:off x="-2209800" y="-1245165"/>
+            <a:ext cx="17006769" cy="9348330"/>
+            <a:chOff x="-2057400" y="-1245165"/>
+            <a:chExt cx="17006769" cy="9348330"/>
           </a:xfrm>
-          <a:prstGeom prst="rect">
-            <a:avLst/>
-          </a:prstGeom>
-          <a:solidFill>
-            <a:srgbClr val="0070C0"/>
-          </a:solidFill>
-          <a:ln>
-            <a:solidFill>
-              <a:srgbClr val="0070C0"/>
-            </a:solidFill>
-          </a:ln>
-          <a:effectLst/>
-        </p:spPr>
-        <p:style>
-          <a:lnRef idx="1">
-            <a:schemeClr val="accent3"/>
-          </a:lnRef>
-          <a:fillRef idx="2">
-            <a:schemeClr val="accent3"/>
-          </a:fillRef>
-          <a:effectRef idx="1">
-            <a:schemeClr val="accent3"/>
-          </a:effectRef>
-          <a:fontRef idx="minor">
-            <a:schemeClr val="dk1"/>
-          </a:fontRef>
-        </p:style>
-        <p:txBody>
-          <a:bodyPr rtlCol="0" anchor="ctr"/>
-          <a:lstStyle/>
-          <a:p>
-            <a:pPr algn="ctr"/>
-            <a:endParaRPr lang="en-SG" sz="1400"/>
-          </a:p>
-        </p:txBody>
-      </p:sp>
-      <p:cxnSp>
-        <p:nvCxnSpPr>
-          <p:cNvPr id="5" name="Straight Connector 4"/>
-          <p:cNvCxnSpPr>
-            <a:cxnSpLocks/>
-          </p:cNvCxnSpPr>
-          <p:nvPr/>
-        </p:nvCxnSpPr>
-        <p:spPr>
-          <a:xfrm>
-            <a:off x="838200" y="796538"/>
-            <a:ext cx="0" cy="6823462"/>
-          </a:xfrm>
-          <a:prstGeom prst="line">
-            <a:avLst/>
-          </a:prstGeom>
-          <a:ln w="19050">
-            <a:solidFill>
-              <a:srgbClr val="0070C0"/>
-            </a:solidFill>
-            <a:prstDash val="sysDash"/>
-          </a:ln>
-          <a:effectLst/>
-        </p:spPr>
-        <p:style>
-          <a:lnRef idx="1">
-            <a:schemeClr val="accent1"/>
-          </a:lnRef>
-          <a:fillRef idx="2">
-            <a:schemeClr val="accent1"/>
-          </a:fillRef>
-          <a:effectRef idx="1">
-            <a:schemeClr val="accent1"/>
-          </a:effectRef>
-          <a:fontRef idx="minor">
-            <a:schemeClr val="dk1"/>
-          </a:fontRef>
-        </p:style>
-      </p:cxnSp>
-      <p:sp>
-        <p:nvSpPr>
-          <p:cNvPr id="6" name="Rectangle 5"/>
-          <p:cNvSpPr/>
-          <p:nvPr/>
-        </p:nvSpPr>
-        <p:spPr>
-          <a:xfrm>
-            <a:off x="754763" y="624045"/>
-            <a:ext cx="152400" cy="6614956"/>
-          </a:xfrm>
-          <a:prstGeom prst="rect">
-            <a:avLst/>
-          </a:prstGeom>
-          <a:solidFill>
-            <a:srgbClr val="0070C0"/>
-          </a:solidFill>
-          <a:ln>
-            <a:solidFill>
-              <a:srgbClr val="0070C0"/>
-            </a:solidFill>
-          </a:ln>
-          <a:effectLst/>
-        </p:spPr>
-        <p:style>
-          <a:lnRef idx="1">
-            <a:schemeClr val="accent3"/>
-          </a:lnRef>
-          <a:fillRef idx="2">
-            <a:schemeClr val="accent3"/>
-          </a:fillRef>
-          <a:effectRef idx="1">
-            <a:schemeClr val="accent3"/>
-          </a:effectRef>
-          <a:fontRef idx="minor">
-            <a:schemeClr val="dk1"/>
-          </a:fontRef>
-        </p:style>
-        <p:txBody>
-          <a:bodyPr rtlCol="0" anchor="ctr"/>
-          <a:lstStyle/>
-          <a:p>
-            <a:pPr algn="ctr"/>
-            <a:endParaRPr lang="en-SG" sz="1400"/>
-          </a:p>
-        </p:txBody>
-      </p:sp>
-      <p:sp>
-        <p:nvSpPr>
-          <p:cNvPr id="16" name="Rectangle 62"/>
-          <p:cNvSpPr/>
-          <p:nvPr/>
-        </p:nvSpPr>
-        <p:spPr>
-          <a:xfrm>
-            <a:off x="2272034" y="364265"/>
-            <a:ext cx="1379320" cy="438584"/>
-          </a:xfrm>
-          <a:prstGeom prst="rect">
-            <a:avLst/>
-          </a:prstGeom>
-          <a:solidFill>
-            <a:srgbClr val="0070C0"/>
-          </a:solidFill>
-          <a:ln w="19050">
-            <a:solidFill>
-              <a:srgbClr val="0070C0"/>
-            </a:solidFill>
-          </a:ln>
-          <a:effectLst/>
-        </p:spPr>
-        <p:style>
-          <a:lnRef idx="1">
-            <a:schemeClr val="accent2"/>
-          </a:lnRef>
-          <a:fillRef idx="2">
-            <a:schemeClr val="accent2"/>
-          </a:fillRef>
-          <a:effectRef idx="1">
-            <a:schemeClr val="accent2"/>
-          </a:effectRef>
-          <a:fontRef idx="minor">
-            <a:schemeClr val="dk1"/>
-          </a:fontRef>
-        </p:style>
-        <p:txBody>
-          <a:bodyPr rtlCol="0" anchor="ctr"/>
-          <a:lstStyle/>
-          <a:p>
-            <a:pPr algn="ctr"/>
-            <a:r>
-              <a:rPr lang="en-US" sz="1600" dirty="0">
+        </p:grpSpPr>
+        <p:grpSp>
+          <p:nvGrpSpPr>
+            <p:cNvPr id="32" name="Group 31">
+              <a:extLst>
+                <a:ext uri="{FF2B5EF4-FFF2-40B4-BE49-F238E27FC236}">
+                  <a16:creationId xmlns:a16="http://schemas.microsoft.com/office/drawing/2014/main" id="{BF73B729-AE77-41A6-AB05-9AEF5FFF2C93}"/>
+                </a:ext>
+              </a:extLst>
+            </p:cNvPr>
+            <p:cNvGrpSpPr/>
+            <p:nvPr/>
+          </p:nvGrpSpPr>
+          <p:grpSpPr>
+            <a:xfrm>
+              <a:off x="-2057400" y="-1245165"/>
+              <a:ext cx="17006769" cy="9348330"/>
+              <a:chOff x="-4205169" y="-2185530"/>
+              <a:chExt cx="17006769" cy="9348330"/>
+            </a:xfrm>
+          </p:grpSpPr>
+          <p:cxnSp>
+            <p:nvCxnSpPr>
+              <p:cNvPr id="168" name="Straight Connector 167">
+                <a:extLst>
+                  <a:ext uri="{FF2B5EF4-FFF2-40B4-BE49-F238E27FC236}">
+                    <a16:creationId xmlns:a16="http://schemas.microsoft.com/office/drawing/2014/main" id="{DDA5B3EC-A059-4213-B803-2F86381D1A16}"/>
+                  </a:ext>
+                </a:extLst>
+              </p:cNvPr>
+              <p:cNvCxnSpPr>
+                <a:cxnSpLocks/>
+              </p:cNvCxnSpPr>
+              <p:nvPr/>
+            </p:nvCxnSpPr>
+            <p:spPr>
+              <a:xfrm>
+                <a:off x="10760320" y="5308889"/>
+                <a:ext cx="1" cy="1232492"/>
+              </a:xfrm>
+              <a:prstGeom prst="line">
+                <a:avLst/>
+              </a:prstGeom>
+              <a:ln w="19050">
                 <a:solidFill>
-                  <a:schemeClr val="bg1"/>
+                  <a:srgbClr val="7030A0"/>
                 </a:solidFill>
-              </a:rPr>
-              <a:t>:Financial</a:t>
-            </a:r>
-          </a:p>
-          <a:p>
-            <a:pPr algn="ctr"/>
-            <a:r>
-              <a:rPr lang="en-US" sz="1600" dirty="0" err="1">
-                <a:solidFill>
-                  <a:schemeClr val="bg1"/>
-                </a:solidFill>
-              </a:rPr>
-              <a:t>PlannerParser</a:t>
-            </a:r>
-            <a:endParaRPr lang="en-SG" sz="1600" dirty="0">
-              <a:solidFill>
-                <a:schemeClr val="bg1"/>
-              </a:solidFill>
-            </a:endParaRPr>
-          </a:p>
-        </p:txBody>
-      </p:sp>
-      <p:cxnSp>
-        <p:nvCxnSpPr>
-          <p:cNvPr id="17" name="Straight Connector 16"/>
-          <p:cNvCxnSpPr>
-            <a:cxnSpLocks/>
-          </p:cNvCxnSpPr>
-          <p:nvPr/>
-        </p:nvCxnSpPr>
-        <p:spPr>
-          <a:xfrm flipH="1">
-            <a:off x="2905940" y="817577"/>
-            <a:ext cx="1" cy="6650022"/>
-          </a:xfrm>
-          <a:prstGeom prst="line">
-            <a:avLst/>
-          </a:prstGeom>
-          <a:ln w="19050">
-            <a:solidFill>
-              <a:srgbClr val="0070C0"/>
-            </a:solidFill>
-            <a:prstDash val="sysDash"/>
-          </a:ln>
-          <a:effectLst/>
-        </p:spPr>
-        <p:style>
-          <a:lnRef idx="1">
-            <a:schemeClr val="accent1"/>
-          </a:lnRef>
-          <a:fillRef idx="2">
-            <a:schemeClr val="accent1"/>
-          </a:fillRef>
-          <a:effectRef idx="1">
-            <a:schemeClr val="accent1"/>
-          </a:effectRef>
-          <a:fontRef idx="minor">
-            <a:schemeClr val="dk1"/>
-          </a:fontRef>
-        </p:style>
-      </p:cxnSp>
-      <p:sp>
-        <p:nvSpPr>
-          <p:cNvPr id="18" name="Rectangle 17"/>
-          <p:cNvSpPr/>
-          <p:nvPr/>
-        </p:nvSpPr>
-        <p:spPr>
-          <a:xfrm>
-            <a:off x="2824511" y="1228757"/>
-            <a:ext cx="179207" cy="2124044"/>
-          </a:xfrm>
-          <a:prstGeom prst="rect">
-            <a:avLst/>
-          </a:prstGeom>
-          <a:solidFill>
-            <a:srgbClr val="0070C0"/>
-          </a:solidFill>
-          <a:ln>
-            <a:solidFill>
-              <a:srgbClr val="0070C0"/>
-            </a:solidFill>
-          </a:ln>
-          <a:effectLst/>
-        </p:spPr>
-        <p:style>
-          <a:lnRef idx="1">
-            <a:schemeClr val="accent3"/>
-          </a:lnRef>
-          <a:fillRef idx="2">
-            <a:schemeClr val="accent3"/>
-          </a:fillRef>
-          <a:effectRef idx="1">
-            <a:schemeClr val="accent3"/>
-          </a:effectRef>
-          <a:fontRef idx="minor">
-            <a:schemeClr val="dk1"/>
-          </a:fontRef>
-        </p:style>
-        <p:txBody>
-          <a:bodyPr rtlCol="0" anchor="ctr"/>
-          <a:lstStyle/>
-          <a:p>
-            <a:pPr algn="ctr"/>
-            <a:endParaRPr lang="en-SG" sz="1400"/>
-          </a:p>
-        </p:txBody>
-      </p:sp>
-      <p:sp>
-        <p:nvSpPr>
-          <p:cNvPr id="21" name="Rectangle 20"/>
-          <p:cNvSpPr/>
-          <p:nvPr/>
-        </p:nvSpPr>
-        <p:spPr>
-          <a:xfrm>
-            <a:off x="4266489" y="1432118"/>
-            <a:ext cx="161322" cy="152400"/>
-          </a:xfrm>
-          <a:prstGeom prst="rect">
-            <a:avLst/>
-          </a:prstGeom>
-          <a:solidFill>
-            <a:srgbClr val="0070C0"/>
-          </a:solidFill>
-          <a:ln>
-            <a:solidFill>
-              <a:srgbClr val="0070C0"/>
-            </a:solidFill>
-          </a:ln>
-          <a:effectLst/>
-        </p:spPr>
-        <p:style>
-          <a:lnRef idx="1">
-            <a:schemeClr val="accent3"/>
-          </a:lnRef>
-          <a:fillRef idx="2">
-            <a:schemeClr val="accent3"/>
-          </a:fillRef>
-          <a:effectRef idx="1">
-            <a:schemeClr val="accent3"/>
-          </a:effectRef>
-          <a:fontRef idx="minor">
-            <a:schemeClr val="dk1"/>
-          </a:fontRef>
-        </p:style>
-        <p:txBody>
-          <a:bodyPr rtlCol="0" anchor="ctr"/>
-          <a:lstStyle/>
-          <a:p>
-            <a:pPr algn="ctr"/>
-            <a:endParaRPr lang="en-SG" sz="1400"/>
-          </a:p>
-        </p:txBody>
-      </p:sp>
-      <p:cxnSp>
-        <p:nvCxnSpPr>
-          <p:cNvPr id="23" name="Straight Arrow Connector 22"/>
-          <p:cNvCxnSpPr/>
-          <p:nvPr/>
-        </p:nvCxnSpPr>
-        <p:spPr>
-          <a:xfrm>
-            <a:off x="-365088" y="1120386"/>
-            <a:ext cx="1119851" cy="0"/>
-          </a:xfrm>
-          <a:prstGeom prst="straightConnector1">
-            <a:avLst/>
-          </a:prstGeom>
-          <a:ln w="19050">
-            <a:solidFill>
-              <a:srgbClr val="00B050"/>
-            </a:solidFill>
-            <a:tailEnd type="arrow"/>
-          </a:ln>
-        </p:spPr>
-        <p:style>
-          <a:lnRef idx="1">
-            <a:schemeClr val="accent1"/>
-          </a:lnRef>
-          <a:fillRef idx="0">
-            <a:schemeClr val="accent1"/>
-          </a:fillRef>
-          <a:effectRef idx="0">
-            <a:schemeClr val="accent1"/>
-          </a:effectRef>
-          <a:fontRef idx="minor">
-            <a:schemeClr val="tx1"/>
-          </a:fontRef>
-        </p:style>
-      </p:cxnSp>
-      <p:sp>
-        <p:nvSpPr>
-          <p:cNvPr id="26" name="TextBox 25"/>
-          <p:cNvSpPr txBox="1"/>
-          <p:nvPr/>
-        </p:nvSpPr>
-        <p:spPr>
-          <a:xfrm>
-            <a:off x="-774633" y="1170024"/>
-            <a:ext cx="1327963" cy="430887"/>
-          </a:xfrm>
-          <a:prstGeom prst="rect">
-            <a:avLst/>
-          </a:prstGeom>
-          <a:noFill/>
-        </p:spPr>
-        <p:txBody>
-          <a:bodyPr wrap="square" lIns="0" tIns="0" rIns="0" bIns="0" rtlCol="0">
-            <a:spAutoFit/>
-          </a:bodyPr>
-          <a:lstStyle/>
-          <a:p>
-            <a:pPr algn="ctr"/>
-            <a:r>
-              <a:rPr lang="en-US" sz="1400" dirty="0">
+                <a:prstDash val="sysDash"/>
+              </a:ln>
+              <a:effectLst/>
+            </p:spPr>
+            <p:style>
+              <a:lnRef idx="1">
+                <a:schemeClr val="accent1"/>
+              </a:lnRef>
+              <a:fillRef idx="2">
+                <a:schemeClr val="accent1"/>
+              </a:fillRef>
+              <a:effectRef idx="1">
+                <a:schemeClr val="accent1"/>
+              </a:effectRef>
+              <a:fontRef idx="minor">
+                <a:schemeClr val="dk1"/>
+              </a:fontRef>
+            </p:style>
+          </p:cxnSp>
+          <p:cxnSp>
+            <p:nvCxnSpPr>
+              <p:cNvPr id="151" name="Straight Connector 150">
+                <a:extLst>
+                  <a:ext uri="{FF2B5EF4-FFF2-40B4-BE49-F238E27FC236}">
+                    <a16:creationId xmlns:a16="http://schemas.microsoft.com/office/drawing/2014/main" id="{8A3FFE6B-9FB2-4A55-8596-2DE5787F0EDC}"/>
+                  </a:ext>
+                </a:extLst>
+              </p:cNvPr>
+              <p:cNvCxnSpPr>
+                <a:cxnSpLocks/>
+              </p:cNvCxnSpPr>
+              <p:nvPr/>
+            </p:nvCxnSpPr>
+            <p:spPr>
+              <a:xfrm>
+                <a:off x="7696200" y="2743200"/>
+                <a:ext cx="0" cy="534281"/>
+              </a:xfrm>
+              <a:prstGeom prst="line">
+                <a:avLst/>
+              </a:prstGeom>
+              <a:ln w="19050">
                 <a:solidFill>
                   <a:srgbClr val="0070C0"/>
                 </a:solidFill>
-              </a:rPr>
-              <a:t>Execute</a:t>
-            </a:r>
-          </a:p>
-          <a:p>
-            <a:pPr algn="r"/>
-            <a:r>
-              <a:rPr lang="en-US" sz="1400" dirty="0">
+                <a:prstDash val="sysDash"/>
+              </a:ln>
+              <a:effectLst/>
+            </p:spPr>
+            <p:style>
+              <a:lnRef idx="1">
+                <a:schemeClr val="accent1"/>
+              </a:lnRef>
+              <a:fillRef idx="2">
+                <a:schemeClr val="accent1"/>
+              </a:fillRef>
+              <a:effectRef idx="1">
+                <a:schemeClr val="accent1"/>
+              </a:effectRef>
+              <a:fontRef idx="minor">
+                <a:schemeClr val="dk1"/>
+              </a:fontRef>
+            </p:style>
+          </p:cxnSp>
+          <p:cxnSp>
+            <p:nvCxnSpPr>
+              <p:cNvPr id="149" name="Straight Connector 148">
+                <a:extLst>
+                  <a:ext uri="{FF2B5EF4-FFF2-40B4-BE49-F238E27FC236}">
+                    <a16:creationId xmlns:a16="http://schemas.microsoft.com/office/drawing/2014/main" id="{8F7372B6-023F-41D2-9413-320378951AF2}"/>
+                  </a:ext>
+                </a:extLst>
+              </p:cNvPr>
+              <p:cNvCxnSpPr>
+                <a:cxnSpLocks/>
+              </p:cNvCxnSpPr>
+              <p:nvPr/>
+            </p:nvCxnSpPr>
+            <p:spPr>
+              <a:xfrm>
+                <a:off x="5867400" y="1536861"/>
+                <a:ext cx="0" cy="665496"/>
+              </a:xfrm>
+              <a:prstGeom prst="line">
+                <a:avLst/>
+              </a:prstGeom>
+              <a:ln w="19050">
                 <a:solidFill>
                   <a:srgbClr val="0070C0"/>
                 </a:solidFill>
-              </a:rPr>
-              <a:t>(“summary date”)</a:t>
-            </a:r>
-          </a:p>
-        </p:txBody>
-      </p:sp>
-      <p:cxnSp>
-        <p:nvCxnSpPr>
-          <p:cNvPr id="28" name="Straight Arrow Connector 27"/>
-          <p:cNvCxnSpPr>
-            <a:cxnSpLocks/>
-          </p:cNvCxnSpPr>
-          <p:nvPr/>
-        </p:nvCxnSpPr>
-        <p:spPr>
-          <a:xfrm>
-            <a:off x="3004744" y="1271239"/>
-            <a:ext cx="773607" cy="0"/>
-          </a:xfrm>
-          <a:prstGeom prst="straightConnector1">
-            <a:avLst/>
-          </a:prstGeom>
-          <a:ln w="19050">
-            <a:solidFill>
-              <a:srgbClr val="0070C0"/>
-            </a:solidFill>
-            <a:tailEnd type="arrow"/>
-          </a:ln>
-        </p:spPr>
-        <p:style>
-          <a:lnRef idx="1">
-            <a:schemeClr val="accent1"/>
-          </a:lnRef>
-          <a:fillRef idx="0">
-            <a:schemeClr val="accent1"/>
-          </a:fillRef>
-          <a:effectRef idx="0">
-            <a:schemeClr val="accent1"/>
-          </a:effectRef>
-          <a:fontRef idx="minor">
-            <a:schemeClr val="tx1"/>
-          </a:fontRef>
-        </p:style>
-      </p:cxnSp>
-      <p:cxnSp>
-        <p:nvCxnSpPr>
-          <p:cNvPr id="34" name="Straight Arrow Connector 33"/>
-          <p:cNvCxnSpPr>
-            <a:cxnSpLocks/>
-          </p:cNvCxnSpPr>
-          <p:nvPr/>
-        </p:nvCxnSpPr>
-        <p:spPr>
-          <a:xfrm>
-            <a:off x="3003718" y="1584518"/>
-            <a:ext cx="1262771" cy="0"/>
-          </a:xfrm>
-          <a:prstGeom prst="straightConnector1">
-            <a:avLst/>
-          </a:prstGeom>
-          <a:ln w="19050">
-            <a:solidFill>
-              <a:srgbClr val="0070C0"/>
-            </a:solidFill>
-            <a:prstDash val="sysDash"/>
-            <a:headEnd type="arrow" w="med" len="med"/>
-            <a:tailEnd type="none" w="med" len="med"/>
-          </a:ln>
-        </p:spPr>
-        <p:style>
-          <a:lnRef idx="1">
-            <a:schemeClr val="accent1"/>
-          </a:lnRef>
-          <a:fillRef idx="0">
-            <a:schemeClr val="accent1"/>
-          </a:fillRef>
-          <a:effectRef idx="0">
-            <a:schemeClr val="accent1"/>
-          </a:effectRef>
-          <a:fontRef idx="minor">
-            <a:schemeClr val="tx1"/>
-          </a:fontRef>
-        </p:style>
-      </p:cxnSp>
-      <p:cxnSp>
-        <p:nvCxnSpPr>
-          <p:cNvPr id="37" name="Straight Arrow Connector 36"/>
-          <p:cNvCxnSpPr/>
-          <p:nvPr/>
-        </p:nvCxnSpPr>
-        <p:spPr>
-          <a:xfrm>
-            <a:off x="-461371" y="7239000"/>
-            <a:ext cx="1196051" cy="0"/>
-          </a:xfrm>
-          <a:prstGeom prst="straightConnector1">
-            <a:avLst/>
-          </a:prstGeom>
-          <a:ln w="19050">
-            <a:solidFill>
-              <a:schemeClr val="accent1"/>
-            </a:solidFill>
-            <a:prstDash val="sysDash"/>
-            <a:headEnd type="arrow" w="med" len="med"/>
-            <a:tailEnd type="none" w="med" len="med"/>
-          </a:ln>
-        </p:spPr>
-        <p:style>
-          <a:lnRef idx="1">
-            <a:schemeClr val="accent1"/>
-          </a:lnRef>
-          <a:fillRef idx="0">
-            <a:schemeClr val="accent1"/>
-          </a:fillRef>
-          <a:effectRef idx="0">
-            <a:schemeClr val="accent1"/>
-          </a:effectRef>
-          <a:fontRef idx="minor">
-            <a:schemeClr val="tx1"/>
-          </a:fontRef>
-        </p:style>
-      </p:cxnSp>
-      <p:sp>
-        <p:nvSpPr>
-          <p:cNvPr id="80" name="TextBox 79"/>
-          <p:cNvSpPr txBox="1"/>
-          <p:nvPr/>
-        </p:nvSpPr>
-        <p:spPr>
-          <a:xfrm>
-            <a:off x="46761" y="780454"/>
-            <a:ext cx="2111849" cy="430887"/>
-          </a:xfrm>
-          <a:prstGeom prst="rect">
-            <a:avLst/>
-          </a:prstGeom>
-          <a:noFill/>
-        </p:spPr>
-        <p:txBody>
-          <a:bodyPr wrap="square" lIns="0" tIns="0" rIns="0" bIns="0" rtlCol="0">
-            <a:spAutoFit/>
-          </a:bodyPr>
-          <a:lstStyle>
-            <a:defPPr>
-              <a:defRPr lang="en-US"/>
-            </a:defPPr>
-            <a:lvl1pPr algn="r">
-              <a:defRPr sz="1400">
+                <a:prstDash val="sysDash"/>
+              </a:ln>
+              <a:effectLst/>
+            </p:spPr>
+            <p:style>
+              <a:lnRef idx="1">
+                <a:schemeClr val="accent1"/>
+              </a:lnRef>
+              <a:fillRef idx="2">
+                <a:schemeClr val="accent1"/>
+              </a:fillRef>
+              <a:effectRef idx="1">
+                <a:schemeClr val="accent1"/>
+              </a:effectRef>
+              <a:fontRef idx="minor">
+                <a:schemeClr val="dk1"/>
+              </a:fontRef>
+            </p:style>
+          </p:cxnSp>
+          <p:cxnSp>
+            <p:nvCxnSpPr>
+              <p:cNvPr id="147" name="Straight Connector 146">
+                <a:extLst>
+                  <a:ext uri="{FF2B5EF4-FFF2-40B4-BE49-F238E27FC236}">
+                    <a16:creationId xmlns:a16="http://schemas.microsoft.com/office/drawing/2014/main" id="{2E5A45E1-ECE4-4D8A-846A-0D48F5CB2A3D}"/>
+                  </a:ext>
+                </a:extLst>
+              </p:cNvPr>
+              <p:cNvCxnSpPr>
+                <a:cxnSpLocks/>
+              </p:cNvCxnSpPr>
+              <p:nvPr/>
+            </p:nvCxnSpPr>
+            <p:spPr>
+              <a:xfrm>
+                <a:off x="4267200" y="223924"/>
+                <a:ext cx="0" cy="6634076"/>
+              </a:xfrm>
+              <a:prstGeom prst="line">
+                <a:avLst/>
+              </a:prstGeom>
+              <a:ln w="19050">
                 <a:solidFill>
                   <a:srgbClr val="0070C0"/>
                 </a:solidFill>
-              </a:defRPr>
-            </a:lvl1pPr>
-          </a:lstStyle>
-          <a:p>
-            <a:r>
-              <a:rPr lang="en-US" dirty="0" err="1"/>
-              <a:t>parseCommand</a:t>
-            </a:r>
-            <a:endParaRPr lang="en-US" dirty="0"/>
-          </a:p>
-          <a:p>
-            <a:r>
-              <a:rPr lang="en-US" dirty="0"/>
-              <a:t>(“summary”)</a:t>
-            </a:r>
-          </a:p>
-        </p:txBody>
-      </p:sp>
-      <p:sp>
-        <p:nvSpPr>
-          <p:cNvPr id="82" name="TextBox 81"/>
-          <p:cNvSpPr txBox="1"/>
-          <p:nvPr/>
-        </p:nvSpPr>
-        <p:spPr>
-          <a:xfrm>
-            <a:off x="6625756" y="3301896"/>
-            <a:ext cx="1469927" cy="430887"/>
-          </a:xfrm>
-          <a:prstGeom prst="rect">
-            <a:avLst/>
-          </a:prstGeom>
-          <a:noFill/>
-        </p:spPr>
-        <p:txBody>
-          <a:bodyPr wrap="square" lIns="0" tIns="0" rIns="0" bIns="0" rtlCol="0">
-            <a:spAutoFit/>
-          </a:bodyPr>
-          <a:lstStyle>
-            <a:defPPr>
-              <a:defRPr lang="en-US"/>
-            </a:defPPr>
-            <a:lvl1pPr algn="r">
-              <a:defRPr sz="1400">
+                <a:prstDash val="sysDash"/>
+              </a:ln>
+              <a:effectLst/>
+            </p:spPr>
+            <p:style>
+              <a:lnRef idx="1">
+                <a:schemeClr val="accent1"/>
+              </a:lnRef>
+              <a:fillRef idx="2">
+                <a:schemeClr val="accent1"/>
+              </a:fillRef>
+              <a:effectRef idx="1">
+                <a:schemeClr val="accent1"/>
+              </a:effectRef>
+              <a:fontRef idx="minor">
+                <a:schemeClr val="dk1"/>
+              </a:fontRef>
+            </p:style>
+          </p:cxnSp>
+          <p:cxnSp>
+            <p:nvCxnSpPr>
+              <p:cNvPr id="144" name="Straight Connector 143">
+                <a:extLst>
+                  <a:ext uri="{FF2B5EF4-FFF2-40B4-BE49-F238E27FC236}">
+                    <a16:creationId xmlns:a16="http://schemas.microsoft.com/office/drawing/2014/main" id="{B11C587E-2CBA-4BF9-AD25-05DD869E5A2E}"/>
+                  </a:ext>
+                </a:extLst>
+              </p:cNvPr>
+              <p:cNvCxnSpPr>
+                <a:cxnSpLocks/>
+              </p:cNvCxnSpPr>
+              <p:nvPr/>
+            </p:nvCxnSpPr>
+            <p:spPr>
+              <a:xfrm>
+                <a:off x="-529733" y="-1490874"/>
+                <a:ext cx="0" cy="5453274"/>
+              </a:xfrm>
+              <a:prstGeom prst="line">
+                <a:avLst/>
+              </a:prstGeom>
+              <a:ln w="19050">
                 <a:solidFill>
                   <a:srgbClr val="0070C0"/>
                 </a:solidFill>
-              </a:defRPr>
-            </a:lvl1pPr>
-          </a:lstStyle>
-          <a:p>
-            <a:r>
-              <a:rPr lang="en-US" dirty="0" err="1">
+                <a:prstDash val="sysDash"/>
+              </a:ln>
+              <a:effectLst/>
+            </p:spPr>
+            <p:style>
+              <a:lnRef idx="1">
+                <a:schemeClr val="accent1"/>
+              </a:lnRef>
+              <a:fillRef idx="2">
+                <a:schemeClr val="accent1"/>
+              </a:fillRef>
+              <a:effectRef idx="1">
+                <a:schemeClr val="accent1"/>
+              </a:effectRef>
+              <a:fontRef idx="minor">
+                <a:schemeClr val="dk1"/>
+              </a:fontRef>
+            </p:style>
+          </p:cxnSp>
+          <p:cxnSp>
+            <p:nvCxnSpPr>
+              <p:cNvPr id="145" name="Straight Connector 144">
+                <a:extLst>
+                  <a:ext uri="{FF2B5EF4-FFF2-40B4-BE49-F238E27FC236}">
+                    <a16:creationId xmlns:a16="http://schemas.microsoft.com/office/drawing/2014/main" id="{01CE30D2-19DB-4697-8217-AD60EF34BFC1}"/>
+                  </a:ext>
+                </a:extLst>
+              </p:cNvPr>
+              <p:cNvCxnSpPr>
+                <a:cxnSpLocks/>
+              </p:cNvCxnSpPr>
+              <p:nvPr/>
+            </p:nvCxnSpPr>
+            <p:spPr>
+              <a:xfrm>
+                <a:off x="1981200" y="-1407559"/>
+                <a:ext cx="0" cy="5178934"/>
+              </a:xfrm>
+              <a:prstGeom prst="line">
+                <a:avLst/>
+              </a:prstGeom>
+              <a:ln w="19050">
+                <a:solidFill>
+                  <a:srgbClr val="0070C0"/>
+                </a:solidFill>
+                <a:prstDash val="sysDash"/>
+              </a:ln>
+              <a:effectLst/>
+            </p:spPr>
+            <p:style>
+              <a:lnRef idx="1">
+                <a:schemeClr val="accent1"/>
+              </a:lnRef>
+              <a:fillRef idx="2">
+                <a:schemeClr val="accent1"/>
+              </a:fillRef>
+              <a:effectRef idx="1">
+                <a:schemeClr val="accent1"/>
+              </a:effectRef>
+              <a:fontRef idx="minor">
+                <a:schemeClr val="dk1"/>
+              </a:fontRef>
+            </p:style>
+          </p:cxnSp>
+          <p:sp>
+            <p:nvSpPr>
+              <p:cNvPr id="103" name="Rectangle 102">
+                <a:extLst>
+                  <a:ext uri="{FF2B5EF4-FFF2-40B4-BE49-F238E27FC236}">
+                    <a16:creationId xmlns:a16="http://schemas.microsoft.com/office/drawing/2014/main" id="{D8FD5BDD-0FDA-401D-96FD-8BFC4D936A12}"/>
+                  </a:ext>
+                </a:extLst>
+              </p:cNvPr>
+              <p:cNvSpPr/>
+              <p:nvPr/>
+            </p:nvSpPr>
+            <p:spPr>
+              <a:xfrm>
+                <a:off x="4191000" y="335367"/>
+                <a:ext cx="152400" cy="541527"/>
+              </a:xfrm>
+              <a:prstGeom prst="rect">
+                <a:avLst/>
+              </a:prstGeom>
+              <a:solidFill>
+                <a:srgbClr val="0070C0"/>
+              </a:solidFill>
+              <a:ln>
+                <a:solidFill>
+                  <a:srgbClr val="0070C0"/>
+                </a:solidFill>
+              </a:ln>
+              <a:effectLst/>
+            </p:spPr>
+            <p:style>
+              <a:lnRef idx="1">
+                <a:schemeClr val="accent3"/>
+              </a:lnRef>
+              <a:fillRef idx="2">
+                <a:schemeClr val="accent3"/>
+              </a:fillRef>
+              <a:effectRef idx="1">
+                <a:schemeClr val="accent3"/>
+              </a:effectRef>
+              <a:fontRef idx="minor">
+                <a:schemeClr val="dk1"/>
+              </a:fontRef>
+            </p:style>
+            <p:txBody>
+              <a:bodyPr rtlCol="0" anchor="ctr"/>
+              <a:lstStyle/>
+              <a:p>
+                <a:pPr algn="ctr"/>
+                <a:endParaRPr lang="en-SG" sz="1400"/>
+              </a:p>
+            </p:txBody>
+          </p:sp>
+          <p:sp>
+            <p:nvSpPr>
+              <p:cNvPr id="93" name="Rectangle 92">
+                <a:extLst>
+                  <a:ext uri="{FF2B5EF4-FFF2-40B4-BE49-F238E27FC236}">
+                    <a16:creationId xmlns:a16="http://schemas.microsoft.com/office/drawing/2014/main" id="{DF174F84-FFBB-440F-9B5F-149542656A7E}"/>
+                  </a:ext>
+                </a:extLst>
+              </p:cNvPr>
+              <p:cNvSpPr/>
+              <p:nvPr/>
+            </p:nvSpPr>
+            <p:spPr>
+              <a:xfrm>
+                <a:off x="1904109" y="-1541808"/>
+                <a:ext cx="159347" cy="5086513"/>
+              </a:xfrm>
+              <a:prstGeom prst="rect">
+                <a:avLst/>
+              </a:prstGeom>
+              <a:solidFill>
+                <a:srgbClr val="0070C0"/>
+              </a:solidFill>
+              <a:ln>
+                <a:solidFill>
+                  <a:srgbClr val="0070C0"/>
+                </a:solidFill>
+              </a:ln>
+              <a:effectLst/>
+            </p:spPr>
+            <p:style>
+              <a:lnRef idx="1">
+                <a:schemeClr val="accent3"/>
+              </a:lnRef>
+              <a:fillRef idx="2">
+                <a:schemeClr val="accent3"/>
+              </a:fillRef>
+              <a:effectRef idx="1">
+                <a:schemeClr val="accent3"/>
+              </a:effectRef>
+              <a:fontRef idx="minor">
+                <a:schemeClr val="dk1"/>
+              </a:fontRef>
+            </p:style>
+            <p:txBody>
+              <a:bodyPr rtlCol="0" anchor="ctr"/>
+              <a:lstStyle/>
+              <a:p>
+                <a:pPr algn="ctr"/>
+                <a:endParaRPr lang="en-SG" sz="1400"/>
+              </a:p>
+            </p:txBody>
+          </p:sp>
+          <p:sp>
+            <p:nvSpPr>
+              <p:cNvPr id="90" name="Rectangle 89">
+                <a:extLst>
+                  <a:ext uri="{FF2B5EF4-FFF2-40B4-BE49-F238E27FC236}">
+                    <a16:creationId xmlns:a16="http://schemas.microsoft.com/office/drawing/2014/main" id="{BEB7A197-125B-42AA-8EC8-11B06F3A4895}"/>
+                  </a:ext>
+                </a:extLst>
+              </p:cNvPr>
+              <p:cNvSpPr/>
+              <p:nvPr/>
+            </p:nvSpPr>
+            <p:spPr>
+              <a:xfrm>
+                <a:off x="-608417" y="-1547366"/>
+                <a:ext cx="152400" cy="5231146"/>
+              </a:xfrm>
+              <a:prstGeom prst="rect">
+                <a:avLst/>
+              </a:prstGeom>
+              <a:solidFill>
+                <a:srgbClr val="0070C0"/>
+              </a:solidFill>
+              <a:ln>
+                <a:solidFill>
+                  <a:srgbClr val="0070C0"/>
+                </a:solidFill>
+              </a:ln>
+              <a:effectLst/>
+            </p:spPr>
+            <p:style>
+              <a:lnRef idx="1">
+                <a:schemeClr val="accent3"/>
+              </a:lnRef>
+              <a:fillRef idx="2">
+                <a:schemeClr val="accent3"/>
+              </a:fillRef>
+              <a:effectRef idx="1">
+                <a:schemeClr val="accent3"/>
+              </a:effectRef>
+              <a:fontRef idx="minor">
+                <a:schemeClr val="dk1"/>
+              </a:fontRef>
+            </p:style>
+            <p:txBody>
+              <a:bodyPr rtlCol="0" anchor="ctr"/>
+              <a:lstStyle/>
+              <a:p>
+                <a:pPr algn="ctr"/>
+                <a:endParaRPr lang="en-SG" sz="1400"/>
+              </a:p>
+            </p:txBody>
+          </p:sp>
+          <p:sp>
+            <p:nvSpPr>
+              <p:cNvPr id="77" name="Rectangle 62">
+                <a:extLst>
+                  <a:ext uri="{FF2B5EF4-FFF2-40B4-BE49-F238E27FC236}">
+                    <a16:creationId xmlns:a16="http://schemas.microsoft.com/office/drawing/2014/main" id="{E8797B5B-480E-4E71-BD77-DE2A83D03F18}"/>
+                  </a:ext>
+                </a:extLst>
+              </p:cNvPr>
+              <p:cNvSpPr/>
+              <p:nvPr/>
+            </p:nvSpPr>
+            <p:spPr>
+              <a:xfrm>
+                <a:off x="-2904944" y="-2185530"/>
+                <a:ext cx="1455629" cy="346760"/>
+              </a:xfrm>
+              <a:prstGeom prst="rect">
+                <a:avLst/>
+              </a:prstGeom>
+              <a:solidFill>
+                <a:srgbClr val="0070C0"/>
+              </a:solidFill>
+              <a:ln w="19050">
+                <a:solidFill>
+                  <a:srgbClr val="0070C0"/>
+                </a:solidFill>
+              </a:ln>
+              <a:effectLst/>
+            </p:spPr>
+            <p:style>
+              <a:lnRef idx="1">
+                <a:schemeClr val="accent2"/>
+              </a:lnRef>
+              <a:fillRef idx="2">
+                <a:schemeClr val="accent2"/>
+              </a:fillRef>
+              <a:effectRef idx="1">
+                <a:schemeClr val="accent2"/>
+              </a:effectRef>
+              <a:fontRef idx="minor">
+                <a:schemeClr val="dk1"/>
+              </a:fontRef>
+            </p:style>
+            <p:txBody>
+              <a:bodyPr rtlCol="0" anchor="ctr"/>
+              <a:lstStyle/>
+              <a:p>
+                <a:pPr algn="ctr"/>
+                <a:r>
+                  <a:rPr lang="en-US" sz="1600" dirty="0">
+                    <a:solidFill>
+                      <a:schemeClr val="bg1"/>
+                    </a:solidFill>
+                  </a:rPr>
+                  <a:t>:</a:t>
+                </a:r>
+                <a:r>
+                  <a:rPr lang="en-US" sz="1600" dirty="0" err="1">
+                    <a:solidFill>
+                      <a:schemeClr val="bg1"/>
+                    </a:solidFill>
+                  </a:rPr>
+                  <a:t>LogicManager</a:t>
+                </a:r>
+                <a:endParaRPr lang="en-SG" sz="1600" dirty="0">
+                  <a:solidFill>
+                    <a:schemeClr val="bg1"/>
+                  </a:solidFill>
+                </a:endParaRPr>
+              </a:p>
+            </p:txBody>
+          </p:sp>
+          <p:sp>
+            <p:nvSpPr>
+              <p:cNvPr id="78" name="TextBox 77">
+                <a:extLst>
+                  <a:ext uri="{FF2B5EF4-FFF2-40B4-BE49-F238E27FC236}">
+                    <a16:creationId xmlns:a16="http://schemas.microsoft.com/office/drawing/2014/main" id="{C59C0BD2-C93C-41BC-B096-A1322BA01C97}"/>
+                  </a:ext>
+                </a:extLst>
+              </p:cNvPr>
+              <p:cNvSpPr txBox="1"/>
+              <p:nvPr/>
+            </p:nvSpPr>
+            <p:spPr>
+              <a:xfrm>
+                <a:off x="-3749989" y="-1738876"/>
+                <a:ext cx="1424846" cy="646331"/>
+              </a:xfrm>
+              <a:prstGeom prst="rect">
+                <a:avLst/>
+              </a:prstGeom>
+              <a:noFill/>
+            </p:spPr>
+            <p:txBody>
+              <a:bodyPr wrap="square" lIns="0" tIns="0" rIns="0" bIns="0" rtlCol="0">
+                <a:spAutoFit/>
+              </a:bodyPr>
+              <a:lstStyle/>
+              <a:p>
+                <a:pPr algn="r"/>
+                <a:r>
+                  <a:rPr lang="en-US" sz="1400" dirty="0">
+                    <a:solidFill>
+                      <a:srgbClr val="0070C0"/>
+                    </a:solidFill>
+                  </a:rPr>
+                  <a:t>execute(summary date d/1-1-2018 12-12-2018”)</a:t>
+                </a:r>
+              </a:p>
+            </p:txBody>
+          </p:sp>
+          <p:sp>
+            <p:nvSpPr>
+              <p:cNvPr id="79" name="Rectangle 78">
+                <a:extLst>
+                  <a:ext uri="{FF2B5EF4-FFF2-40B4-BE49-F238E27FC236}">
+                    <a16:creationId xmlns:a16="http://schemas.microsoft.com/office/drawing/2014/main" id="{48457E8A-1DC2-4A5E-A878-602D75D0B119}"/>
+                  </a:ext>
+                </a:extLst>
+              </p:cNvPr>
+              <p:cNvSpPr/>
+              <p:nvPr/>
+            </p:nvSpPr>
+            <p:spPr>
+              <a:xfrm>
+                <a:off x="-2249138" y="-1471166"/>
+                <a:ext cx="152397" cy="8329166"/>
+              </a:xfrm>
+              <a:prstGeom prst="rect">
+                <a:avLst/>
+              </a:prstGeom>
+              <a:solidFill>
+                <a:srgbClr val="0070C0"/>
+              </a:solidFill>
+              <a:ln>
+                <a:solidFill>
+                  <a:srgbClr val="0070C0"/>
+                </a:solidFill>
+              </a:ln>
+              <a:effectLst/>
+            </p:spPr>
+            <p:style>
+              <a:lnRef idx="1">
+                <a:schemeClr val="accent3"/>
+              </a:lnRef>
+              <a:fillRef idx="2">
+                <a:schemeClr val="accent3"/>
+              </a:fillRef>
+              <a:effectRef idx="1">
+                <a:schemeClr val="accent3"/>
+              </a:effectRef>
+              <a:fontRef idx="minor">
+                <a:schemeClr val="dk1"/>
+              </a:fontRef>
+            </p:style>
+            <p:txBody>
+              <a:bodyPr rtlCol="0" anchor="ctr"/>
+              <a:lstStyle/>
+              <a:p>
+                <a:pPr algn="ctr"/>
+                <a:endParaRPr lang="en-SG" sz="1400"/>
+              </a:p>
+            </p:txBody>
+          </p:sp>
+          <p:cxnSp>
+            <p:nvCxnSpPr>
+              <p:cNvPr id="85" name="Straight Arrow Connector 84">
+                <a:extLst>
+                  <a:ext uri="{FF2B5EF4-FFF2-40B4-BE49-F238E27FC236}">
+                    <a16:creationId xmlns:a16="http://schemas.microsoft.com/office/drawing/2014/main" id="{D0D7DDAF-0BA8-4D01-BF9E-96D1869889EA}"/>
+                  </a:ext>
+                </a:extLst>
+              </p:cNvPr>
+              <p:cNvCxnSpPr>
+                <a:cxnSpLocks/>
+              </p:cNvCxnSpPr>
+              <p:nvPr/>
+            </p:nvCxnSpPr>
+            <p:spPr>
+              <a:xfrm>
+                <a:off x="-2096738" y="-1166365"/>
+                <a:ext cx="1488321" cy="0"/>
+              </a:xfrm>
+              <a:prstGeom prst="straightConnector1">
+                <a:avLst/>
+              </a:prstGeom>
+              <a:ln w="19050">
+                <a:solidFill>
+                  <a:srgbClr val="0070C0"/>
+                </a:solidFill>
+                <a:tailEnd type="arrow"/>
+              </a:ln>
+            </p:spPr>
+            <p:style>
+              <a:lnRef idx="1">
+                <a:schemeClr val="accent1"/>
+              </a:lnRef>
+              <a:fillRef idx="0">
+                <a:schemeClr val="accent1"/>
+              </a:fillRef>
+              <a:effectRef idx="0">
+                <a:schemeClr val="accent1"/>
+              </a:effectRef>
+              <a:fontRef idx="minor">
+                <a:schemeClr val="tx1"/>
+              </a:fontRef>
+            </p:style>
+          </p:cxnSp>
+          <p:cxnSp>
+            <p:nvCxnSpPr>
+              <p:cNvPr id="86" name="Straight Arrow Connector 85">
+                <a:extLst>
+                  <a:ext uri="{FF2B5EF4-FFF2-40B4-BE49-F238E27FC236}">
+                    <a16:creationId xmlns:a16="http://schemas.microsoft.com/office/drawing/2014/main" id="{48771A46-AAF0-47CD-B745-E44BCC50C4C3}"/>
+                  </a:ext>
+                </a:extLst>
+              </p:cNvPr>
+              <p:cNvCxnSpPr>
+                <a:cxnSpLocks/>
+              </p:cNvCxnSpPr>
+              <p:nvPr/>
+            </p:nvCxnSpPr>
+            <p:spPr>
+              <a:xfrm>
+                <a:off x="2056510" y="876894"/>
+                <a:ext cx="2090977" cy="0"/>
+              </a:xfrm>
+              <a:prstGeom prst="straightConnector1">
+                <a:avLst/>
+              </a:prstGeom>
+              <a:ln w="19050">
+                <a:solidFill>
+                  <a:srgbClr val="0070C0"/>
+                </a:solidFill>
+                <a:prstDash val="sysDash"/>
+                <a:headEnd type="arrow" w="med" len="med"/>
+                <a:tailEnd type="none" w="med" len="med"/>
+              </a:ln>
+            </p:spPr>
+            <p:style>
+              <a:lnRef idx="1">
+                <a:schemeClr val="accent1"/>
+              </a:lnRef>
+              <a:fillRef idx="0">
+                <a:schemeClr val="accent1"/>
+              </a:fillRef>
+              <a:effectRef idx="0">
+                <a:schemeClr val="accent1"/>
+              </a:effectRef>
+              <a:fontRef idx="minor">
+                <a:schemeClr val="tx1"/>
+              </a:fontRef>
+            </p:style>
+          </p:cxnSp>
+          <p:cxnSp>
+            <p:nvCxnSpPr>
+              <p:cNvPr id="88" name="Straight Connector 87">
+                <a:extLst>
+                  <a:ext uri="{FF2B5EF4-FFF2-40B4-BE49-F238E27FC236}">
+                    <a16:creationId xmlns:a16="http://schemas.microsoft.com/office/drawing/2014/main" id="{76057F6E-EE15-4A79-83E5-544E76A4FC47}"/>
+                  </a:ext>
+                </a:extLst>
+              </p:cNvPr>
+              <p:cNvCxnSpPr>
+                <a:cxnSpLocks/>
+              </p:cNvCxnSpPr>
+              <p:nvPr/>
+            </p:nvCxnSpPr>
+            <p:spPr>
+              <a:xfrm>
+                <a:off x="-2177130" y="-1821859"/>
+                <a:ext cx="0" cy="8984659"/>
+              </a:xfrm>
+              <a:prstGeom prst="line">
+                <a:avLst/>
+              </a:prstGeom>
+              <a:ln w="19050">
+                <a:solidFill>
+                  <a:srgbClr val="0070C0"/>
+                </a:solidFill>
+                <a:prstDash val="sysDash"/>
+              </a:ln>
+              <a:effectLst/>
+            </p:spPr>
+            <p:style>
+              <a:lnRef idx="1">
+                <a:schemeClr val="accent1"/>
+              </a:lnRef>
+              <a:fillRef idx="2">
+                <a:schemeClr val="accent1"/>
+              </a:fillRef>
+              <a:effectRef idx="1">
+                <a:schemeClr val="accent1"/>
+              </a:effectRef>
+              <a:fontRef idx="minor">
+                <a:schemeClr val="dk1"/>
+              </a:fontRef>
+            </p:style>
+          </p:cxnSp>
+          <p:sp>
+            <p:nvSpPr>
+              <p:cNvPr id="89" name="Rectangle 62">
+                <a:extLst>
+                  <a:ext uri="{FF2B5EF4-FFF2-40B4-BE49-F238E27FC236}">
+                    <a16:creationId xmlns:a16="http://schemas.microsoft.com/office/drawing/2014/main" id="{4B42AFBB-4590-48D8-AA83-696F65D9A9B9}"/>
+                  </a:ext>
+                </a:extLst>
+              </p:cNvPr>
+              <p:cNvSpPr/>
+              <p:nvPr/>
+            </p:nvSpPr>
+            <p:spPr>
+              <a:xfrm>
+                <a:off x="-1212850" y="-2133600"/>
+                <a:ext cx="1455629" cy="789447"/>
+              </a:xfrm>
+              <a:prstGeom prst="rect">
+                <a:avLst/>
+              </a:prstGeom>
+              <a:solidFill>
+                <a:srgbClr val="0070C0"/>
+              </a:solidFill>
+              <a:ln w="19050">
+                <a:solidFill>
+                  <a:srgbClr val="0070C0"/>
+                </a:solidFill>
+              </a:ln>
+              <a:effectLst/>
+            </p:spPr>
+            <p:style>
+              <a:lnRef idx="1">
+                <a:schemeClr val="accent2"/>
+              </a:lnRef>
+              <a:fillRef idx="2">
+                <a:schemeClr val="accent2"/>
+              </a:fillRef>
+              <a:effectRef idx="1">
+                <a:schemeClr val="accent2"/>
+              </a:effectRef>
+              <a:fontRef idx="minor">
+                <a:schemeClr val="dk1"/>
+              </a:fontRef>
+            </p:style>
+            <p:txBody>
+              <a:bodyPr rtlCol="0" anchor="ctr"/>
+              <a:lstStyle/>
+              <a:p>
+                <a:pPr algn="ctr"/>
+                <a:r>
+                  <a:rPr lang="en-US" sz="1600" dirty="0">
+                    <a:solidFill>
+                      <a:schemeClr val="bg1"/>
+                    </a:solidFill>
+                  </a:rPr>
+                  <a:t>:Financial</a:t>
+                </a:r>
+              </a:p>
+              <a:p>
+                <a:pPr algn="ctr"/>
+                <a:r>
+                  <a:rPr lang="en-US" sz="1600" dirty="0" err="1">
+                    <a:solidFill>
+                      <a:schemeClr val="bg1"/>
+                    </a:solidFill>
+                  </a:rPr>
+                  <a:t>PlannerParser</a:t>
+                </a:r>
+                <a:endParaRPr lang="en-US" sz="1600" dirty="0">
+                  <a:solidFill>
+                    <a:schemeClr val="bg1"/>
+                  </a:solidFill>
+                </a:endParaRPr>
+              </a:p>
+            </p:txBody>
+          </p:sp>
+          <p:sp>
+            <p:nvSpPr>
+              <p:cNvPr id="91" name="TextBox 90">
+                <a:extLst>
+                  <a:ext uri="{FF2B5EF4-FFF2-40B4-BE49-F238E27FC236}">
+                    <a16:creationId xmlns:a16="http://schemas.microsoft.com/office/drawing/2014/main" id="{CBF7153A-A0E7-48DA-AC34-E28DFED5AB28}"/>
+                  </a:ext>
+                </a:extLst>
+              </p:cNvPr>
+              <p:cNvSpPr txBox="1"/>
+              <p:nvPr/>
+            </p:nvSpPr>
+            <p:spPr>
+              <a:xfrm>
+                <a:off x="-2105121" y="-1092545"/>
+                <a:ext cx="1424846" cy="861774"/>
+              </a:xfrm>
+              <a:prstGeom prst="rect">
+                <a:avLst/>
+              </a:prstGeom>
+              <a:noFill/>
+            </p:spPr>
+            <p:txBody>
+              <a:bodyPr wrap="square" lIns="0" tIns="0" rIns="0" bIns="0" rtlCol="0">
+                <a:spAutoFit/>
+              </a:bodyPr>
+              <a:lstStyle/>
+              <a:p>
+                <a:pPr algn="r"/>
+                <a:r>
+                  <a:rPr lang="en-US" sz="1400" dirty="0" err="1">
+                    <a:solidFill>
+                      <a:srgbClr val="0070C0"/>
+                    </a:solidFill>
+                  </a:rPr>
+                  <a:t>parseCommand</a:t>
+                </a:r>
+                <a:endParaRPr lang="en-US" sz="1400" dirty="0">
+                  <a:solidFill>
+                    <a:srgbClr val="0070C0"/>
+                  </a:solidFill>
+                </a:endParaRPr>
+              </a:p>
+              <a:p>
+                <a:pPr algn="r"/>
+                <a:r>
+                  <a:rPr lang="en-US" sz="1400" dirty="0">
+                    <a:solidFill>
+                      <a:srgbClr val="0070C0"/>
+                    </a:solidFill>
+                  </a:rPr>
+                  <a:t>(summary date d/1-1-2018 </a:t>
+                </a:r>
+              </a:p>
+              <a:p>
+                <a:pPr algn="r"/>
+                <a:r>
+                  <a:rPr lang="en-US" sz="1400" dirty="0">
+                    <a:solidFill>
+                      <a:srgbClr val="0070C0"/>
+                    </a:solidFill>
+                  </a:rPr>
+                  <a:t>12-12-2018”)</a:t>
+                </a:r>
+              </a:p>
+            </p:txBody>
+          </p:sp>
+          <p:sp>
+            <p:nvSpPr>
+              <p:cNvPr id="92" name="Rectangle 62">
+                <a:extLst>
+                  <a:ext uri="{FF2B5EF4-FFF2-40B4-BE49-F238E27FC236}">
+                    <a16:creationId xmlns:a16="http://schemas.microsoft.com/office/drawing/2014/main" id="{94AC0116-F12F-419E-8DA6-9D7C16EDD601}"/>
+                  </a:ext>
+                </a:extLst>
+              </p:cNvPr>
+              <p:cNvSpPr/>
+              <p:nvPr/>
+            </p:nvSpPr>
+            <p:spPr>
+              <a:xfrm>
+                <a:off x="1295400" y="-2133600"/>
+                <a:ext cx="1455629" cy="1092985"/>
+              </a:xfrm>
+              <a:prstGeom prst="rect">
+                <a:avLst/>
+              </a:prstGeom>
+              <a:solidFill>
+                <a:srgbClr val="0070C0"/>
+              </a:solidFill>
+              <a:ln w="19050">
+                <a:solidFill>
+                  <a:srgbClr val="0070C0"/>
+                </a:solidFill>
+              </a:ln>
+              <a:effectLst/>
+            </p:spPr>
+            <p:style>
+              <a:lnRef idx="1">
+                <a:schemeClr val="accent2"/>
+              </a:lnRef>
+              <a:fillRef idx="2">
+                <a:schemeClr val="accent2"/>
+              </a:fillRef>
+              <a:effectRef idx="1">
+                <a:schemeClr val="accent2"/>
+              </a:effectRef>
+              <a:fontRef idx="minor">
+                <a:schemeClr val="dk1"/>
+              </a:fontRef>
+            </p:style>
+            <p:txBody>
+              <a:bodyPr rtlCol="0" anchor="ctr"/>
+              <a:lstStyle/>
+              <a:p>
+                <a:pPr algn="ctr"/>
+                <a:r>
+                  <a:rPr lang="en-US" sz="1600" dirty="0">
+                    <a:solidFill>
+                      <a:schemeClr val="bg1"/>
+                    </a:solidFill>
+                  </a:rPr>
+                  <a:t>:Summary</a:t>
+                </a:r>
+              </a:p>
+              <a:p>
+                <a:pPr algn="ctr"/>
+                <a:r>
+                  <a:rPr lang="en-US" sz="1600" dirty="0">
+                    <a:solidFill>
+                      <a:schemeClr val="bg1"/>
+                    </a:solidFill>
+                  </a:rPr>
+                  <a:t>Command</a:t>
+                </a:r>
+              </a:p>
+              <a:p>
+                <a:pPr algn="ctr"/>
+                <a:r>
+                  <a:rPr lang="en-US" sz="1600" dirty="0">
+                    <a:solidFill>
+                      <a:schemeClr val="bg1"/>
+                    </a:solidFill>
+                  </a:rPr>
+                  <a:t>Parser</a:t>
+                </a:r>
+              </a:p>
+            </p:txBody>
+          </p:sp>
+          <p:cxnSp>
+            <p:nvCxnSpPr>
+              <p:cNvPr id="94" name="Straight Arrow Connector 93">
+                <a:extLst>
+                  <a:ext uri="{FF2B5EF4-FFF2-40B4-BE49-F238E27FC236}">
+                    <a16:creationId xmlns:a16="http://schemas.microsoft.com/office/drawing/2014/main" id="{DBB85130-8EB0-45D5-B0C1-9D38A94C5FE5}"/>
+                  </a:ext>
+                </a:extLst>
+              </p:cNvPr>
+              <p:cNvCxnSpPr>
+                <a:cxnSpLocks/>
+              </p:cNvCxnSpPr>
+              <p:nvPr/>
+            </p:nvCxnSpPr>
+            <p:spPr>
+              <a:xfrm>
+                <a:off x="-456017" y="-937765"/>
+                <a:ext cx="2360127" cy="0"/>
+              </a:xfrm>
+              <a:prstGeom prst="straightConnector1">
+                <a:avLst/>
+              </a:prstGeom>
+              <a:ln w="19050">
+                <a:solidFill>
+                  <a:srgbClr val="0070C0"/>
+                </a:solidFill>
+                <a:tailEnd type="arrow"/>
+              </a:ln>
+            </p:spPr>
+            <p:style>
+              <a:lnRef idx="1">
+                <a:schemeClr val="accent1"/>
+              </a:lnRef>
+              <a:fillRef idx="0">
+                <a:schemeClr val="accent1"/>
+              </a:fillRef>
+              <a:effectRef idx="0">
+                <a:schemeClr val="accent1"/>
+              </a:effectRef>
+              <a:fontRef idx="minor">
+                <a:schemeClr val="tx1"/>
+              </a:fontRef>
+            </p:style>
+          </p:cxnSp>
+          <p:sp>
+            <p:nvSpPr>
+              <p:cNvPr id="95" name="TextBox 94">
+                <a:extLst>
+                  <a:ext uri="{FF2B5EF4-FFF2-40B4-BE49-F238E27FC236}">
+                    <a16:creationId xmlns:a16="http://schemas.microsoft.com/office/drawing/2014/main" id="{859CF06E-FA2B-4E98-BF43-5FDB7B8399A9}"/>
+                  </a:ext>
+                </a:extLst>
+              </p:cNvPr>
+              <p:cNvSpPr txBox="1"/>
+              <p:nvPr/>
+            </p:nvSpPr>
+            <p:spPr>
+              <a:xfrm>
+                <a:off x="-571310" y="-807511"/>
+                <a:ext cx="1603614" cy="646331"/>
+              </a:xfrm>
+              <a:prstGeom prst="rect">
+                <a:avLst/>
+              </a:prstGeom>
+              <a:noFill/>
+            </p:spPr>
+            <p:txBody>
+              <a:bodyPr wrap="square" lIns="0" tIns="0" rIns="0" bIns="0" rtlCol="0">
+                <a:spAutoFit/>
+              </a:bodyPr>
+              <a:lstStyle/>
+              <a:p>
+                <a:pPr algn="r"/>
+                <a:r>
+                  <a:rPr lang="en-US" sz="1400" dirty="0">
+                    <a:solidFill>
+                      <a:srgbClr val="0070C0"/>
+                    </a:solidFill>
+                  </a:rPr>
+                  <a:t>parse(“ date d/1-1-2018 </a:t>
+                </a:r>
+              </a:p>
+              <a:p>
+                <a:pPr algn="r"/>
+                <a:r>
+                  <a:rPr lang="en-US" sz="1400" dirty="0">
+                    <a:solidFill>
+                      <a:srgbClr val="0070C0"/>
+                    </a:solidFill>
+                  </a:rPr>
+                  <a:t>12-12-2018”)</a:t>
+                </a:r>
+              </a:p>
+            </p:txBody>
+          </p:sp>
+          <p:sp>
+            <p:nvSpPr>
+              <p:cNvPr id="96" name="Rectangle 95">
+                <a:extLst>
+                  <a:ext uri="{FF2B5EF4-FFF2-40B4-BE49-F238E27FC236}">
+                    <a16:creationId xmlns:a16="http://schemas.microsoft.com/office/drawing/2014/main" id="{E023B428-6BC6-4CF8-8CBD-4C93CDB496C2}"/>
+                  </a:ext>
+                </a:extLst>
+              </p:cNvPr>
+              <p:cNvSpPr/>
+              <p:nvPr/>
+            </p:nvSpPr>
+            <p:spPr>
+              <a:xfrm>
+                <a:off x="411966" y="-34841"/>
+                <a:ext cx="8128784" cy="3348136"/>
+              </a:xfrm>
+              <a:prstGeom prst="rect">
+                <a:avLst/>
+              </a:prstGeom>
+              <a:noFill/>
+              <a:ln>
+                <a:solidFill>
+                  <a:srgbClr val="0070C0"/>
+                </a:solidFill>
+              </a:ln>
+            </p:spPr>
+            <p:style>
+              <a:lnRef idx="2">
+                <a:schemeClr val="accent1">
+                  <a:shade val="50000"/>
+                </a:schemeClr>
+              </a:lnRef>
+              <a:fillRef idx="1">
+                <a:schemeClr val="accent1"/>
+              </a:fillRef>
+              <a:effectRef idx="0">
+                <a:schemeClr val="accent1"/>
+              </a:effectRef>
+              <a:fontRef idx="minor">
+                <a:schemeClr val="lt1"/>
+              </a:fontRef>
+            </p:style>
+            <p:txBody>
+              <a:bodyPr rtlCol="0" anchor="ctr"/>
+              <a:lstStyle/>
+              <a:p>
+                <a:pPr algn="ctr"/>
+                <a:endParaRPr lang="en-SG"/>
+              </a:p>
+            </p:txBody>
+          </p:sp>
+          <p:cxnSp>
+            <p:nvCxnSpPr>
+              <p:cNvPr id="97" name="Straight Connector 96">
+                <a:extLst>
+                  <a:ext uri="{FF2B5EF4-FFF2-40B4-BE49-F238E27FC236}">
+                    <a16:creationId xmlns:a16="http://schemas.microsoft.com/office/drawing/2014/main" id="{8818B2DE-DFB6-4775-9491-A9776CA824CE}"/>
+                  </a:ext>
+                </a:extLst>
+              </p:cNvPr>
+              <p:cNvCxnSpPr>
+                <a:cxnSpLocks/>
+              </p:cNvCxnSpPr>
+              <p:nvPr/>
+            </p:nvCxnSpPr>
+            <p:spPr>
+              <a:xfrm>
+                <a:off x="411832" y="1119635"/>
+                <a:ext cx="8128918" cy="0"/>
+              </a:xfrm>
+              <a:prstGeom prst="line">
+                <a:avLst/>
+              </a:prstGeom>
+              <a:ln w="19050">
+                <a:solidFill>
+                  <a:srgbClr val="0070C0"/>
+                </a:solidFill>
+                <a:prstDash val="sysDash"/>
+              </a:ln>
+            </p:spPr>
+            <p:style>
+              <a:lnRef idx="1">
+                <a:schemeClr val="accent1"/>
+              </a:lnRef>
+              <a:fillRef idx="0">
+                <a:schemeClr val="accent1"/>
+              </a:fillRef>
+              <a:effectRef idx="0">
+                <a:schemeClr val="accent1"/>
+              </a:effectRef>
+              <a:fontRef idx="minor">
+                <a:schemeClr val="tx1"/>
+              </a:fontRef>
+            </p:style>
+          </p:cxnSp>
+          <p:sp>
+            <p:nvSpPr>
+              <p:cNvPr id="98" name="Rectangle: Diagonal Corners Rounded 97">
+                <a:extLst>
+                  <a:ext uri="{FF2B5EF4-FFF2-40B4-BE49-F238E27FC236}">
+                    <a16:creationId xmlns:a16="http://schemas.microsoft.com/office/drawing/2014/main" id="{7ABE0F66-39EB-4EAB-A1E9-7DA9D2414520}"/>
+                  </a:ext>
+                </a:extLst>
+              </p:cNvPr>
+              <p:cNvSpPr/>
+              <p:nvPr/>
+            </p:nvSpPr>
+            <p:spPr>
+              <a:xfrm>
+                <a:off x="411832" y="-34842"/>
+                <a:ext cx="742594" cy="361973"/>
+              </a:xfrm>
+              <a:prstGeom prst="round2DiagRect">
+                <a:avLst/>
+              </a:prstGeom>
+              <a:noFill/>
+              <a:ln>
+                <a:solidFill>
+                  <a:srgbClr val="0070C0"/>
+                </a:solidFill>
+              </a:ln>
+            </p:spPr>
+            <p:style>
+              <a:lnRef idx="2">
+                <a:schemeClr val="accent1">
+                  <a:shade val="50000"/>
+                </a:schemeClr>
+              </a:lnRef>
+              <a:fillRef idx="1">
+                <a:schemeClr val="accent1"/>
+              </a:fillRef>
+              <a:effectRef idx="0">
+                <a:schemeClr val="accent1"/>
+              </a:effectRef>
+              <a:fontRef idx="minor">
+                <a:schemeClr val="lt1"/>
+              </a:fontRef>
+            </p:style>
+            <p:txBody>
+              <a:bodyPr rtlCol="0" anchor="ctr"/>
+              <a:lstStyle/>
+              <a:p>
+                <a:pPr algn="ctr"/>
+                <a:r>
+                  <a:rPr lang="en-SG" sz="1200" dirty="0">
+                    <a:solidFill>
+                      <a:schemeClr val="tx1"/>
+                    </a:solidFill>
+                  </a:rPr>
+                  <a:t>alt</a:t>
+                </a:r>
+              </a:p>
+            </p:txBody>
+          </p:sp>
+          <p:cxnSp>
+            <p:nvCxnSpPr>
+              <p:cNvPr id="99" name="Straight Arrow Connector 98">
+                <a:extLst>
+                  <a:ext uri="{FF2B5EF4-FFF2-40B4-BE49-F238E27FC236}">
+                    <a16:creationId xmlns:a16="http://schemas.microsoft.com/office/drawing/2014/main" id="{F28CEA2B-5538-4B34-BB42-C6D6ECFAD183}"/>
+                  </a:ext>
+                </a:extLst>
+              </p:cNvPr>
+              <p:cNvCxnSpPr>
+                <a:cxnSpLocks/>
+              </p:cNvCxnSpPr>
+              <p:nvPr/>
+            </p:nvCxnSpPr>
+            <p:spPr>
+              <a:xfrm>
+                <a:off x="2056510" y="306811"/>
+                <a:ext cx="1502009" cy="0"/>
+              </a:xfrm>
+              <a:prstGeom prst="straightConnector1">
+                <a:avLst/>
+              </a:prstGeom>
+              <a:ln w="19050">
+                <a:solidFill>
+                  <a:srgbClr val="0070C0"/>
+                </a:solidFill>
+                <a:tailEnd type="arrow"/>
+              </a:ln>
+            </p:spPr>
+            <p:style>
+              <a:lnRef idx="1">
+                <a:schemeClr val="accent1"/>
+              </a:lnRef>
+              <a:fillRef idx="0">
+                <a:schemeClr val="accent1"/>
+              </a:fillRef>
+              <a:effectRef idx="0">
+                <a:schemeClr val="accent1"/>
+              </a:effectRef>
+              <a:fontRef idx="minor">
+                <a:schemeClr val="tx1"/>
+              </a:fontRef>
+            </p:style>
+          </p:cxnSp>
+          <p:cxnSp>
+            <p:nvCxnSpPr>
+              <p:cNvPr id="100" name="Straight Connector 99">
+                <a:extLst>
+                  <a:ext uri="{FF2B5EF4-FFF2-40B4-BE49-F238E27FC236}">
+                    <a16:creationId xmlns:a16="http://schemas.microsoft.com/office/drawing/2014/main" id="{A574DF41-2730-4360-AF07-7C10FA0E1E11}"/>
+                  </a:ext>
+                </a:extLst>
+              </p:cNvPr>
+              <p:cNvCxnSpPr>
+                <a:cxnSpLocks/>
+              </p:cNvCxnSpPr>
+              <p:nvPr/>
+            </p:nvCxnSpPr>
+            <p:spPr>
+              <a:xfrm>
+                <a:off x="411832" y="2262635"/>
+                <a:ext cx="8128918" cy="0"/>
+              </a:xfrm>
+              <a:prstGeom prst="line">
+                <a:avLst/>
+              </a:prstGeom>
+              <a:ln w="19050">
+                <a:solidFill>
+                  <a:srgbClr val="0070C0"/>
+                </a:solidFill>
+                <a:prstDash val="sysDash"/>
+              </a:ln>
+            </p:spPr>
+            <p:style>
+              <a:lnRef idx="1">
+                <a:schemeClr val="accent1"/>
+              </a:lnRef>
+              <a:fillRef idx="0">
+                <a:schemeClr val="accent1"/>
+              </a:fillRef>
+              <a:effectRef idx="0">
+                <a:schemeClr val="accent1"/>
+              </a:effectRef>
+              <a:fontRef idx="minor">
+                <a:schemeClr val="tx1"/>
+              </a:fontRef>
+            </p:style>
+          </p:cxnSp>
+          <p:sp>
+            <p:nvSpPr>
+              <p:cNvPr id="101" name="Rectangle 62">
+                <a:extLst>
+                  <a:ext uri="{FF2B5EF4-FFF2-40B4-BE49-F238E27FC236}">
+                    <a16:creationId xmlns:a16="http://schemas.microsoft.com/office/drawing/2014/main" id="{1C5C122B-608A-4B5B-9758-71655BBD1161}"/>
+                  </a:ext>
+                </a:extLst>
+              </p:cNvPr>
+              <p:cNvSpPr/>
+              <p:nvPr/>
+            </p:nvSpPr>
+            <p:spPr>
+              <a:xfrm>
+                <a:off x="3558519" y="52951"/>
+                <a:ext cx="1502009" cy="541530"/>
+              </a:xfrm>
+              <a:prstGeom prst="rect">
+                <a:avLst/>
+              </a:prstGeom>
+              <a:solidFill>
+                <a:srgbClr val="0070C0"/>
+              </a:solidFill>
+              <a:ln w="19050">
+                <a:solidFill>
+                  <a:srgbClr val="0070C0"/>
+                </a:solidFill>
+              </a:ln>
+              <a:effectLst/>
+            </p:spPr>
+            <p:style>
+              <a:lnRef idx="1">
+                <a:schemeClr val="accent2"/>
+              </a:lnRef>
+              <a:fillRef idx="2">
+                <a:schemeClr val="accent2"/>
+              </a:fillRef>
+              <a:effectRef idx="1">
+                <a:schemeClr val="accent2"/>
+              </a:effectRef>
+              <a:fontRef idx="minor">
+                <a:schemeClr val="dk1"/>
+              </a:fontRef>
+            </p:style>
+            <p:txBody>
+              <a:bodyPr rtlCol="0" anchor="ctr"/>
+              <a:lstStyle/>
+              <a:p>
+                <a:pPr algn="ctr"/>
+                <a:r>
+                  <a:rPr lang="en-US" sz="1200" dirty="0" err="1">
+                    <a:solidFill>
+                      <a:schemeClr val="bg1"/>
+                    </a:solidFill>
+                  </a:rPr>
+                  <a:t>sbd:SummaryByDate</a:t>
+                </a:r>
+                <a:endParaRPr lang="en-US" sz="1200" dirty="0">
+                  <a:solidFill>
+                    <a:schemeClr val="bg1"/>
+                  </a:solidFill>
+                </a:endParaRPr>
+              </a:p>
+              <a:p>
+                <a:pPr algn="ctr"/>
+                <a:r>
+                  <a:rPr lang="en-US" sz="1200" dirty="0">
+                    <a:solidFill>
+                      <a:schemeClr val="bg1"/>
+                    </a:solidFill>
+                  </a:rPr>
+                  <a:t>Command</a:t>
+                </a:r>
+              </a:p>
+            </p:txBody>
+          </p:sp>
+          <p:sp>
+            <p:nvSpPr>
+              <p:cNvPr id="104" name="TextBox 103">
+                <a:extLst>
+                  <a:ext uri="{FF2B5EF4-FFF2-40B4-BE49-F238E27FC236}">
+                    <a16:creationId xmlns:a16="http://schemas.microsoft.com/office/drawing/2014/main" id="{549B1F3E-E140-4FC5-8C4C-CBB225EAB8E5}"/>
+                  </a:ext>
+                </a:extLst>
+              </p:cNvPr>
+              <p:cNvSpPr txBox="1"/>
+              <p:nvPr/>
+            </p:nvSpPr>
+            <p:spPr>
+              <a:xfrm>
+                <a:off x="1794189" y="8480"/>
+                <a:ext cx="1603614" cy="215444"/>
+              </a:xfrm>
+              <a:prstGeom prst="rect">
+                <a:avLst/>
+              </a:prstGeom>
+              <a:noFill/>
+            </p:spPr>
+            <p:txBody>
+              <a:bodyPr wrap="square" lIns="0" tIns="0" rIns="0" bIns="0" rtlCol="0">
+                <a:spAutoFit/>
+              </a:bodyPr>
+              <a:lstStyle/>
+              <a:p>
+                <a:pPr algn="r"/>
+                <a:r>
+                  <a:rPr lang="en-US" sz="1400" dirty="0">
+                    <a:solidFill>
+                      <a:srgbClr val="0070C0"/>
+                    </a:solidFill>
+                  </a:rPr>
+                  <a:t>[mode == “date”]</a:t>
+                </a:r>
+              </a:p>
+            </p:txBody>
+          </p:sp>
+          <p:sp>
+            <p:nvSpPr>
+              <p:cNvPr id="108" name="Rectangle 107">
+                <a:extLst>
+                  <a:ext uri="{FF2B5EF4-FFF2-40B4-BE49-F238E27FC236}">
+                    <a16:creationId xmlns:a16="http://schemas.microsoft.com/office/drawing/2014/main" id="{2EFCAEA6-D75A-4899-82B6-7AEF7E866FAF}"/>
+                  </a:ext>
+                </a:extLst>
+              </p:cNvPr>
+              <p:cNvSpPr/>
+              <p:nvPr/>
+            </p:nvSpPr>
+            <p:spPr>
+              <a:xfrm>
+                <a:off x="5791200" y="1536861"/>
+                <a:ext cx="152400" cy="541527"/>
+              </a:xfrm>
+              <a:prstGeom prst="rect">
+                <a:avLst/>
+              </a:prstGeom>
+              <a:solidFill>
+                <a:srgbClr val="0070C0"/>
+              </a:solidFill>
+              <a:ln>
+                <a:solidFill>
+                  <a:srgbClr val="0070C0"/>
+                </a:solidFill>
+              </a:ln>
+              <a:effectLst/>
+            </p:spPr>
+            <p:style>
+              <a:lnRef idx="1">
+                <a:schemeClr val="accent3"/>
+              </a:lnRef>
+              <a:fillRef idx="2">
+                <a:schemeClr val="accent3"/>
+              </a:fillRef>
+              <a:effectRef idx="1">
+                <a:schemeClr val="accent3"/>
+              </a:effectRef>
+              <a:fontRef idx="minor">
+                <a:schemeClr val="dk1"/>
+              </a:fontRef>
+            </p:style>
+            <p:txBody>
+              <a:bodyPr rtlCol="0" anchor="ctr"/>
+              <a:lstStyle/>
+              <a:p>
+                <a:pPr algn="ctr"/>
+                <a:endParaRPr lang="en-SG" sz="1400"/>
+              </a:p>
+            </p:txBody>
+          </p:sp>
+          <p:cxnSp>
+            <p:nvCxnSpPr>
+              <p:cNvPr id="109" name="Straight Arrow Connector 108">
+                <a:extLst>
+                  <a:ext uri="{FF2B5EF4-FFF2-40B4-BE49-F238E27FC236}">
+                    <a16:creationId xmlns:a16="http://schemas.microsoft.com/office/drawing/2014/main" id="{615F5C18-44A3-4AD1-A1FE-68A79ECEBCD0}"/>
+                  </a:ext>
+                </a:extLst>
+              </p:cNvPr>
+              <p:cNvCxnSpPr>
+                <a:cxnSpLocks/>
+              </p:cNvCxnSpPr>
+              <p:nvPr/>
+            </p:nvCxnSpPr>
+            <p:spPr>
+              <a:xfrm>
+                <a:off x="2056510" y="2071733"/>
+                <a:ext cx="3713137" cy="0"/>
+              </a:xfrm>
+              <a:prstGeom prst="straightConnector1">
+                <a:avLst/>
+              </a:prstGeom>
+              <a:ln w="19050">
+                <a:solidFill>
+                  <a:srgbClr val="0070C0"/>
+                </a:solidFill>
+                <a:prstDash val="sysDash"/>
+                <a:headEnd type="arrow" w="med" len="med"/>
+                <a:tailEnd type="none" w="med" len="med"/>
+              </a:ln>
+            </p:spPr>
+            <p:style>
+              <a:lnRef idx="1">
+                <a:schemeClr val="accent1"/>
+              </a:lnRef>
+              <a:fillRef idx="0">
+                <a:schemeClr val="accent1"/>
+              </a:fillRef>
+              <a:effectRef idx="0">
+                <a:schemeClr val="accent1"/>
+              </a:effectRef>
+              <a:fontRef idx="minor">
+                <a:schemeClr val="tx1"/>
+              </a:fontRef>
+            </p:style>
+          </p:cxnSp>
+          <p:cxnSp>
+            <p:nvCxnSpPr>
+              <p:cNvPr id="110" name="Straight Arrow Connector 109">
+                <a:extLst>
+                  <a:ext uri="{FF2B5EF4-FFF2-40B4-BE49-F238E27FC236}">
+                    <a16:creationId xmlns:a16="http://schemas.microsoft.com/office/drawing/2014/main" id="{6462A87A-864D-427E-AF67-880E9EE986D8}"/>
+                  </a:ext>
+                </a:extLst>
+              </p:cNvPr>
+              <p:cNvCxnSpPr>
+                <a:cxnSpLocks/>
+              </p:cNvCxnSpPr>
+              <p:nvPr/>
+            </p:nvCxnSpPr>
+            <p:spPr>
+              <a:xfrm>
+                <a:off x="2056510" y="1501650"/>
+                <a:ext cx="2902840" cy="0"/>
+              </a:xfrm>
+              <a:prstGeom prst="straightConnector1">
+                <a:avLst/>
+              </a:prstGeom>
+              <a:ln w="19050">
+                <a:solidFill>
+                  <a:srgbClr val="0070C0"/>
+                </a:solidFill>
+                <a:tailEnd type="arrow"/>
+              </a:ln>
+            </p:spPr>
+            <p:style>
+              <a:lnRef idx="1">
+                <a:schemeClr val="accent1"/>
+              </a:lnRef>
+              <a:fillRef idx="0">
+                <a:schemeClr val="accent1"/>
+              </a:fillRef>
+              <a:effectRef idx="0">
+                <a:schemeClr val="accent1"/>
+              </a:effectRef>
+              <a:fontRef idx="minor">
+                <a:schemeClr val="tx1"/>
+              </a:fontRef>
+            </p:style>
+          </p:cxnSp>
+          <p:sp>
+            <p:nvSpPr>
+              <p:cNvPr id="111" name="Rectangle 62">
+                <a:extLst>
+                  <a:ext uri="{FF2B5EF4-FFF2-40B4-BE49-F238E27FC236}">
+                    <a16:creationId xmlns:a16="http://schemas.microsoft.com/office/drawing/2014/main" id="{C31EB513-A4ED-4F50-8F2E-3C68DCB63E1E}"/>
+                  </a:ext>
+                </a:extLst>
+              </p:cNvPr>
+              <p:cNvSpPr/>
+              <p:nvPr/>
+            </p:nvSpPr>
+            <p:spPr>
+              <a:xfrm>
+                <a:off x="4959350" y="1194605"/>
+                <a:ext cx="1713534" cy="594715"/>
+              </a:xfrm>
+              <a:prstGeom prst="rect">
+                <a:avLst/>
+              </a:prstGeom>
+              <a:solidFill>
+                <a:srgbClr val="0070C0"/>
+              </a:solidFill>
+              <a:ln w="19050">
+                <a:solidFill>
+                  <a:srgbClr val="0070C0"/>
+                </a:solidFill>
+              </a:ln>
+              <a:effectLst/>
+            </p:spPr>
+            <p:style>
+              <a:lnRef idx="1">
+                <a:schemeClr val="accent2"/>
+              </a:lnRef>
+              <a:fillRef idx="2">
+                <a:schemeClr val="accent2"/>
+              </a:fillRef>
+              <a:effectRef idx="1">
+                <a:schemeClr val="accent2"/>
+              </a:effectRef>
+              <a:fontRef idx="minor">
+                <a:schemeClr val="dk1"/>
+              </a:fontRef>
+            </p:style>
+            <p:txBody>
+              <a:bodyPr rtlCol="0" anchor="ctr"/>
+              <a:lstStyle/>
+              <a:p>
+                <a:pPr algn="ctr"/>
+                <a:r>
+                  <a:rPr lang="en-US" sz="1200" dirty="0" err="1">
+                    <a:solidFill>
+                      <a:schemeClr val="bg1"/>
+                    </a:solidFill>
+                  </a:rPr>
+                  <a:t>sbm:SummaryByMonth</a:t>
+                </a:r>
+                <a:endParaRPr lang="en-US" sz="1200" dirty="0">
+                  <a:solidFill>
+                    <a:schemeClr val="bg1"/>
+                  </a:solidFill>
+                </a:endParaRPr>
+              </a:p>
+              <a:p>
+                <a:pPr algn="ctr"/>
+                <a:r>
+                  <a:rPr lang="en-US" sz="1200" dirty="0">
+                    <a:solidFill>
+                      <a:schemeClr val="bg1"/>
+                    </a:solidFill>
+                  </a:rPr>
+                  <a:t>Command</a:t>
+                </a:r>
+              </a:p>
+            </p:txBody>
+          </p:sp>
+          <p:sp>
+            <p:nvSpPr>
+              <p:cNvPr id="112" name="Rectangle 111">
+                <a:extLst>
+                  <a:ext uri="{FF2B5EF4-FFF2-40B4-BE49-F238E27FC236}">
+                    <a16:creationId xmlns:a16="http://schemas.microsoft.com/office/drawing/2014/main" id="{C8A7ED52-9CC5-4B25-8DAC-A79B7E91B6F7}"/>
+                  </a:ext>
+                </a:extLst>
+              </p:cNvPr>
+              <p:cNvSpPr/>
+              <p:nvPr/>
+            </p:nvSpPr>
+            <p:spPr>
+              <a:xfrm>
+                <a:off x="7593584" y="2633448"/>
+                <a:ext cx="152400" cy="541527"/>
+              </a:xfrm>
+              <a:prstGeom prst="rect">
+                <a:avLst/>
+              </a:prstGeom>
+              <a:solidFill>
+                <a:srgbClr val="0070C0"/>
+              </a:solidFill>
+              <a:ln>
+                <a:solidFill>
+                  <a:srgbClr val="0070C0"/>
+                </a:solidFill>
+              </a:ln>
+              <a:effectLst/>
+            </p:spPr>
+            <p:style>
+              <a:lnRef idx="1">
+                <a:schemeClr val="accent3"/>
+              </a:lnRef>
+              <a:fillRef idx="2">
+                <a:schemeClr val="accent3"/>
+              </a:fillRef>
+              <a:effectRef idx="1">
+                <a:schemeClr val="accent3"/>
+              </a:effectRef>
+              <a:fontRef idx="minor">
+                <a:schemeClr val="dk1"/>
+              </a:fontRef>
+            </p:style>
+            <p:txBody>
+              <a:bodyPr rtlCol="0" anchor="ctr"/>
+              <a:lstStyle/>
+              <a:p>
+                <a:pPr algn="ctr"/>
+                <a:endParaRPr lang="en-SG" sz="1400"/>
+              </a:p>
+            </p:txBody>
+          </p:sp>
+          <p:cxnSp>
+            <p:nvCxnSpPr>
+              <p:cNvPr id="113" name="Straight Arrow Connector 112">
+                <a:extLst>
+                  <a:ext uri="{FF2B5EF4-FFF2-40B4-BE49-F238E27FC236}">
+                    <a16:creationId xmlns:a16="http://schemas.microsoft.com/office/drawing/2014/main" id="{F75559F6-812A-41CB-B0C7-13B5D419D99D}"/>
+                  </a:ext>
+                </a:extLst>
+              </p:cNvPr>
+              <p:cNvCxnSpPr>
+                <a:cxnSpLocks/>
+              </p:cNvCxnSpPr>
+              <p:nvPr/>
+            </p:nvCxnSpPr>
+            <p:spPr>
+              <a:xfrm>
+                <a:off x="2056510" y="3174975"/>
+                <a:ext cx="5537074" cy="0"/>
+              </a:xfrm>
+              <a:prstGeom prst="straightConnector1">
+                <a:avLst/>
+              </a:prstGeom>
+              <a:ln w="19050">
+                <a:solidFill>
+                  <a:srgbClr val="0070C0"/>
+                </a:solidFill>
+                <a:prstDash val="sysDash"/>
+                <a:headEnd type="arrow" w="med" len="med"/>
+                <a:tailEnd type="none" w="med" len="med"/>
+              </a:ln>
+            </p:spPr>
+            <p:style>
+              <a:lnRef idx="1">
+                <a:schemeClr val="accent1"/>
+              </a:lnRef>
+              <a:fillRef idx="0">
+                <a:schemeClr val="accent1"/>
+              </a:fillRef>
+              <a:effectRef idx="0">
+                <a:schemeClr val="accent1"/>
+              </a:effectRef>
+              <a:fontRef idx="minor">
+                <a:schemeClr val="tx1"/>
+              </a:fontRef>
+            </p:style>
+          </p:cxnSp>
+          <p:cxnSp>
+            <p:nvCxnSpPr>
+              <p:cNvPr id="114" name="Straight Arrow Connector 113">
+                <a:extLst>
+                  <a:ext uri="{FF2B5EF4-FFF2-40B4-BE49-F238E27FC236}">
+                    <a16:creationId xmlns:a16="http://schemas.microsoft.com/office/drawing/2014/main" id="{4C687B8B-F999-459F-BE81-36418F3F3A51}"/>
+                  </a:ext>
+                </a:extLst>
+              </p:cNvPr>
+              <p:cNvCxnSpPr>
+                <a:cxnSpLocks/>
+              </p:cNvCxnSpPr>
+              <p:nvPr/>
+            </p:nvCxnSpPr>
+            <p:spPr>
+              <a:xfrm>
+                <a:off x="2056510" y="2604892"/>
+                <a:ext cx="4807840" cy="0"/>
+              </a:xfrm>
+              <a:prstGeom prst="straightConnector1">
+                <a:avLst/>
+              </a:prstGeom>
+              <a:ln w="19050">
+                <a:solidFill>
+                  <a:srgbClr val="0070C0"/>
+                </a:solidFill>
+                <a:tailEnd type="arrow"/>
+              </a:ln>
+            </p:spPr>
+            <p:style>
+              <a:lnRef idx="1">
+                <a:schemeClr val="accent1"/>
+              </a:lnRef>
+              <a:fillRef idx="0">
+                <a:schemeClr val="accent1"/>
+              </a:fillRef>
+              <a:effectRef idx="0">
+                <a:schemeClr val="accent1"/>
+              </a:effectRef>
+              <a:fontRef idx="minor">
+                <a:schemeClr val="tx1"/>
+              </a:fontRef>
+            </p:style>
+          </p:cxnSp>
+          <p:sp>
+            <p:nvSpPr>
+              <p:cNvPr id="115" name="Rectangle 62">
+                <a:extLst>
+                  <a:ext uri="{FF2B5EF4-FFF2-40B4-BE49-F238E27FC236}">
+                    <a16:creationId xmlns:a16="http://schemas.microsoft.com/office/drawing/2014/main" id="{D125DD65-0011-43DB-A2F0-5AC529749ECA}"/>
+                  </a:ext>
+                </a:extLst>
+              </p:cNvPr>
+              <p:cNvSpPr/>
+              <p:nvPr/>
+            </p:nvSpPr>
+            <p:spPr>
+              <a:xfrm>
+                <a:off x="6705600" y="2351032"/>
+                <a:ext cx="1762364" cy="541530"/>
+              </a:xfrm>
+              <a:prstGeom prst="rect">
+                <a:avLst/>
+              </a:prstGeom>
+              <a:solidFill>
+                <a:srgbClr val="0070C0"/>
+              </a:solidFill>
+              <a:ln w="19050">
+                <a:solidFill>
+                  <a:srgbClr val="0070C0"/>
+                </a:solidFill>
+              </a:ln>
+              <a:effectLst/>
+            </p:spPr>
+            <p:style>
+              <a:lnRef idx="1">
+                <a:schemeClr val="accent2"/>
+              </a:lnRef>
+              <a:fillRef idx="2">
+                <a:schemeClr val="accent2"/>
+              </a:fillRef>
+              <a:effectRef idx="1">
+                <a:schemeClr val="accent2"/>
+              </a:effectRef>
+              <a:fontRef idx="minor">
+                <a:schemeClr val="dk1"/>
+              </a:fontRef>
+            </p:style>
+            <p:txBody>
+              <a:bodyPr rtlCol="0" anchor="ctr"/>
+              <a:lstStyle/>
+              <a:p>
+                <a:pPr algn="ctr"/>
+                <a:r>
+                  <a:rPr lang="en-US" sz="1200" dirty="0" err="1">
+                    <a:solidFill>
+                      <a:schemeClr val="bg1"/>
+                    </a:solidFill>
+                  </a:rPr>
+                  <a:t>sbc:SummaryByCategory</a:t>
+                </a:r>
+                <a:endParaRPr lang="en-US" sz="1200" dirty="0">
+                  <a:solidFill>
+                    <a:schemeClr val="bg1"/>
+                  </a:solidFill>
+                </a:endParaRPr>
+              </a:p>
+              <a:p>
+                <a:pPr algn="ctr"/>
+                <a:r>
+                  <a:rPr lang="en-US" sz="1200" dirty="0">
+                    <a:solidFill>
+                      <a:schemeClr val="bg1"/>
+                    </a:solidFill>
+                  </a:rPr>
+                  <a:t>Command</a:t>
+                </a:r>
+              </a:p>
+            </p:txBody>
+          </p:sp>
+          <p:sp>
+            <p:nvSpPr>
+              <p:cNvPr id="121" name="TextBox 120">
+                <a:extLst>
+                  <a:ext uri="{FF2B5EF4-FFF2-40B4-BE49-F238E27FC236}">
+                    <a16:creationId xmlns:a16="http://schemas.microsoft.com/office/drawing/2014/main" id="{175CE881-45E7-4252-A090-ECCA6833FB15}"/>
+                  </a:ext>
+                </a:extLst>
+              </p:cNvPr>
+              <p:cNvSpPr txBox="1"/>
+              <p:nvPr/>
+            </p:nvSpPr>
+            <p:spPr>
+              <a:xfrm>
+                <a:off x="1828793" y="334108"/>
+                <a:ext cx="1603614" cy="215444"/>
+              </a:xfrm>
+              <a:prstGeom prst="rect">
+                <a:avLst/>
+              </a:prstGeom>
+              <a:noFill/>
+            </p:spPr>
+            <p:txBody>
+              <a:bodyPr wrap="square" lIns="0" tIns="0" rIns="0" bIns="0" rtlCol="0">
+                <a:spAutoFit/>
+              </a:bodyPr>
+              <a:lstStyle/>
+              <a:p>
+                <a:pPr algn="r"/>
+                <a:r>
+                  <a:rPr lang="en-US" sz="1400" dirty="0" err="1">
+                    <a:solidFill>
+                      <a:srgbClr val="0070C0"/>
+                    </a:solidFill>
+                  </a:rPr>
+                  <a:t>SummaryByDate</a:t>
+                </a:r>
+                <a:r>
+                  <a:rPr lang="en-US" sz="1400" dirty="0">
+                    <a:solidFill>
+                      <a:srgbClr val="0070C0"/>
+                    </a:solidFill>
+                  </a:rPr>
+                  <a:t>()</a:t>
+                </a:r>
+              </a:p>
+            </p:txBody>
+          </p:sp>
+          <p:sp>
+            <p:nvSpPr>
+              <p:cNvPr id="123" name="TextBox 122">
+                <a:extLst>
+                  <a:ext uri="{FF2B5EF4-FFF2-40B4-BE49-F238E27FC236}">
+                    <a16:creationId xmlns:a16="http://schemas.microsoft.com/office/drawing/2014/main" id="{B1F595D5-4DA5-498D-85AB-4BF9057C62FB}"/>
+                  </a:ext>
+                </a:extLst>
+              </p:cNvPr>
+              <p:cNvSpPr txBox="1"/>
+              <p:nvPr/>
+            </p:nvSpPr>
+            <p:spPr>
+              <a:xfrm>
+                <a:off x="2233984" y="1544304"/>
+                <a:ext cx="1603614" cy="215444"/>
+              </a:xfrm>
+              <a:prstGeom prst="rect">
+                <a:avLst/>
+              </a:prstGeom>
+              <a:noFill/>
+            </p:spPr>
+            <p:txBody>
+              <a:bodyPr wrap="square" lIns="0" tIns="0" rIns="0" bIns="0" rtlCol="0">
+                <a:spAutoFit/>
+              </a:bodyPr>
+              <a:lstStyle/>
+              <a:p>
+                <a:pPr algn="r"/>
+                <a:r>
+                  <a:rPr lang="en-US" sz="1400" dirty="0" err="1">
+                    <a:solidFill>
+                      <a:srgbClr val="0070C0"/>
+                    </a:solidFill>
+                  </a:rPr>
+                  <a:t>SummaryByMonth</a:t>
+                </a:r>
+                <a:r>
+                  <a:rPr lang="en-US" sz="1400" dirty="0">
+                    <a:solidFill>
+                      <a:srgbClr val="0070C0"/>
+                    </a:solidFill>
+                  </a:rPr>
+                  <a:t>()</a:t>
+                </a:r>
+              </a:p>
+            </p:txBody>
+          </p:sp>
+          <p:sp>
+            <p:nvSpPr>
+              <p:cNvPr id="124" name="TextBox 123">
+                <a:extLst>
+                  <a:ext uri="{FF2B5EF4-FFF2-40B4-BE49-F238E27FC236}">
+                    <a16:creationId xmlns:a16="http://schemas.microsoft.com/office/drawing/2014/main" id="{529AADB0-9B8C-4C6C-824A-008979780217}"/>
+                  </a:ext>
+                </a:extLst>
+              </p:cNvPr>
+              <p:cNvSpPr txBox="1"/>
+              <p:nvPr/>
+            </p:nvSpPr>
+            <p:spPr>
+              <a:xfrm>
+                <a:off x="2166431" y="1242488"/>
+                <a:ext cx="1603614" cy="215444"/>
+              </a:xfrm>
+              <a:prstGeom prst="rect">
+                <a:avLst/>
+              </a:prstGeom>
+              <a:noFill/>
+            </p:spPr>
+            <p:txBody>
+              <a:bodyPr wrap="square" lIns="0" tIns="0" rIns="0" bIns="0" rtlCol="0">
+                <a:spAutoFit/>
+              </a:bodyPr>
+              <a:lstStyle/>
+              <a:p>
+                <a:pPr algn="r"/>
+                <a:r>
+                  <a:rPr lang="en-US" sz="1400" dirty="0">
+                    <a:solidFill>
+                      <a:srgbClr val="0070C0"/>
+                    </a:solidFill>
+                  </a:rPr>
+                  <a:t>[mode == “month”]</a:t>
+                </a:r>
+              </a:p>
+            </p:txBody>
+          </p:sp>
+          <p:sp>
+            <p:nvSpPr>
+              <p:cNvPr id="125" name="TextBox 124">
+                <a:extLst>
+                  <a:ext uri="{FF2B5EF4-FFF2-40B4-BE49-F238E27FC236}">
+                    <a16:creationId xmlns:a16="http://schemas.microsoft.com/office/drawing/2014/main" id="{1DAF0274-3069-4009-B1CB-D3BF5DDFD08A}"/>
+                  </a:ext>
+                </a:extLst>
+              </p:cNvPr>
+              <p:cNvSpPr txBox="1"/>
+              <p:nvPr/>
+            </p:nvSpPr>
+            <p:spPr>
+              <a:xfrm>
+                <a:off x="2590445" y="2641502"/>
+                <a:ext cx="1826192" cy="215444"/>
+              </a:xfrm>
+              <a:prstGeom prst="rect">
+                <a:avLst/>
+              </a:prstGeom>
+              <a:noFill/>
+            </p:spPr>
+            <p:txBody>
+              <a:bodyPr wrap="square" lIns="0" tIns="0" rIns="0" bIns="0" rtlCol="0">
+                <a:spAutoFit/>
+              </a:bodyPr>
+              <a:lstStyle/>
+              <a:p>
+                <a:pPr algn="r"/>
+                <a:r>
+                  <a:rPr lang="en-US" sz="1400" dirty="0" err="1">
+                    <a:solidFill>
+                      <a:srgbClr val="0070C0"/>
+                    </a:solidFill>
+                  </a:rPr>
+                  <a:t>SummaryByCategory</a:t>
+                </a:r>
+                <a:r>
+                  <a:rPr lang="en-US" sz="1400" dirty="0">
+                    <a:solidFill>
+                      <a:srgbClr val="0070C0"/>
+                    </a:solidFill>
+                  </a:rPr>
+                  <a:t>()</a:t>
+                </a:r>
+              </a:p>
+            </p:txBody>
+          </p:sp>
+          <p:sp>
+            <p:nvSpPr>
+              <p:cNvPr id="126" name="TextBox 125">
+                <a:extLst>
+                  <a:ext uri="{FF2B5EF4-FFF2-40B4-BE49-F238E27FC236}">
+                    <a16:creationId xmlns:a16="http://schemas.microsoft.com/office/drawing/2014/main" id="{C6CFAE01-DD32-4EB2-A072-2E41581B479B}"/>
+                  </a:ext>
+                </a:extLst>
+              </p:cNvPr>
+              <p:cNvSpPr txBox="1"/>
+              <p:nvPr/>
+            </p:nvSpPr>
+            <p:spPr>
+              <a:xfrm>
+                <a:off x="2300191" y="2329605"/>
+                <a:ext cx="1603614" cy="215444"/>
+              </a:xfrm>
+              <a:prstGeom prst="rect">
+                <a:avLst/>
+              </a:prstGeom>
+              <a:noFill/>
+            </p:spPr>
+            <p:txBody>
+              <a:bodyPr wrap="square" lIns="0" tIns="0" rIns="0" bIns="0" rtlCol="0">
+                <a:spAutoFit/>
+              </a:bodyPr>
+              <a:lstStyle/>
+              <a:p>
+                <a:pPr algn="r"/>
+                <a:r>
+                  <a:rPr lang="en-US" sz="1400" dirty="0">
+                    <a:solidFill>
+                      <a:srgbClr val="0070C0"/>
+                    </a:solidFill>
+                  </a:rPr>
+                  <a:t>[mode == “category”]</a:t>
+                </a:r>
+              </a:p>
+            </p:txBody>
+          </p:sp>
+          <p:sp>
+            <p:nvSpPr>
+              <p:cNvPr id="131" name="TextBox 130">
+                <a:extLst>
+                  <a:ext uri="{FF2B5EF4-FFF2-40B4-BE49-F238E27FC236}">
+                    <a16:creationId xmlns:a16="http://schemas.microsoft.com/office/drawing/2014/main" id="{A6871B40-7AC4-47D6-877C-A97F8C763BCC}"/>
+                  </a:ext>
+                </a:extLst>
+              </p:cNvPr>
+              <p:cNvSpPr txBox="1"/>
+              <p:nvPr/>
+            </p:nvSpPr>
+            <p:spPr>
+              <a:xfrm>
+                <a:off x="2109882" y="643814"/>
+                <a:ext cx="1603614" cy="215444"/>
+              </a:xfrm>
+              <a:prstGeom prst="rect">
+                <a:avLst/>
+              </a:prstGeom>
+              <a:noFill/>
+            </p:spPr>
+            <p:txBody>
+              <a:bodyPr wrap="square" lIns="0" tIns="0" rIns="0" bIns="0" rtlCol="0">
+                <a:spAutoFit/>
+              </a:bodyPr>
+              <a:lstStyle/>
+              <a:p>
+                <a:pPr algn="r"/>
+                <a:r>
+                  <a:rPr lang="en-US" sz="1400" dirty="0" err="1">
+                    <a:solidFill>
+                      <a:srgbClr val="0070C0"/>
+                    </a:solidFill>
+                  </a:rPr>
+                  <a:t>sbd</a:t>
+                </a:r>
+                <a:endParaRPr lang="en-US" sz="1400" dirty="0">
+                  <a:solidFill>
+                    <a:srgbClr val="0070C0"/>
+                  </a:solidFill>
+                </a:endParaRPr>
+              </a:p>
+            </p:txBody>
+          </p:sp>
+          <p:sp>
+            <p:nvSpPr>
+              <p:cNvPr id="132" name="TextBox 131">
+                <a:extLst>
+                  <a:ext uri="{FF2B5EF4-FFF2-40B4-BE49-F238E27FC236}">
+                    <a16:creationId xmlns:a16="http://schemas.microsoft.com/office/drawing/2014/main" id="{AE4ED6B9-FB83-4A7D-9982-E2D3D9DBD7E9}"/>
+                  </a:ext>
+                </a:extLst>
+              </p:cNvPr>
+              <p:cNvSpPr txBox="1"/>
+              <p:nvPr/>
+            </p:nvSpPr>
+            <p:spPr>
+              <a:xfrm>
+                <a:off x="2564912" y="1837081"/>
+                <a:ext cx="1603614" cy="215444"/>
+              </a:xfrm>
+              <a:prstGeom prst="rect">
+                <a:avLst/>
+              </a:prstGeom>
+              <a:noFill/>
+            </p:spPr>
+            <p:txBody>
+              <a:bodyPr wrap="square" lIns="0" tIns="0" rIns="0" bIns="0" rtlCol="0">
+                <a:spAutoFit/>
+              </a:bodyPr>
+              <a:lstStyle/>
+              <a:p>
+                <a:pPr algn="r"/>
+                <a:r>
+                  <a:rPr lang="en-US" sz="1400" dirty="0" err="1">
+                    <a:solidFill>
+                      <a:srgbClr val="0070C0"/>
+                    </a:solidFill>
+                  </a:rPr>
+                  <a:t>sbm</a:t>
+                </a:r>
+                <a:endParaRPr lang="en-US" sz="1400" dirty="0">
+                  <a:solidFill>
+                    <a:srgbClr val="0070C0"/>
+                  </a:solidFill>
+                </a:endParaRPr>
+              </a:p>
+            </p:txBody>
+          </p:sp>
+          <p:sp>
+            <p:nvSpPr>
+              <p:cNvPr id="133" name="TextBox 132">
+                <a:extLst>
+                  <a:ext uri="{FF2B5EF4-FFF2-40B4-BE49-F238E27FC236}">
+                    <a16:creationId xmlns:a16="http://schemas.microsoft.com/office/drawing/2014/main" id="{8BD71FF7-B50A-44FA-85B9-A23EAAC0B8B0}"/>
+                  </a:ext>
+                </a:extLst>
+              </p:cNvPr>
+              <p:cNvSpPr txBox="1"/>
+              <p:nvPr/>
+            </p:nvSpPr>
+            <p:spPr>
+              <a:xfrm>
+                <a:off x="3155698" y="2917472"/>
+                <a:ext cx="1603614" cy="215444"/>
+              </a:xfrm>
+              <a:prstGeom prst="rect">
+                <a:avLst/>
+              </a:prstGeom>
+              <a:noFill/>
+            </p:spPr>
+            <p:txBody>
+              <a:bodyPr wrap="square" lIns="0" tIns="0" rIns="0" bIns="0" rtlCol="0">
+                <a:spAutoFit/>
+              </a:bodyPr>
+              <a:lstStyle/>
+              <a:p>
+                <a:pPr algn="r"/>
+                <a:r>
+                  <a:rPr lang="en-US" sz="1400" dirty="0" err="1">
+                    <a:solidFill>
+                      <a:srgbClr val="0070C0"/>
+                    </a:solidFill>
+                  </a:rPr>
+                  <a:t>sbc</a:t>
+                </a:r>
+                <a:endParaRPr lang="en-US" sz="1400" dirty="0">
+                  <a:solidFill>
+                    <a:srgbClr val="0070C0"/>
+                  </a:solidFill>
+                </a:endParaRPr>
+              </a:p>
+            </p:txBody>
+          </p:sp>
+          <p:cxnSp>
+            <p:nvCxnSpPr>
+              <p:cNvPr id="134" name="Straight Arrow Connector 133">
+                <a:extLst>
+                  <a:ext uri="{FF2B5EF4-FFF2-40B4-BE49-F238E27FC236}">
+                    <a16:creationId xmlns:a16="http://schemas.microsoft.com/office/drawing/2014/main" id="{ACE97DB5-5655-4A25-8D39-0301B3226CC2}"/>
+                  </a:ext>
+                </a:extLst>
+              </p:cNvPr>
+              <p:cNvCxnSpPr>
+                <a:cxnSpLocks/>
+              </p:cNvCxnSpPr>
+              <p:nvPr/>
+            </p:nvCxnSpPr>
+            <p:spPr>
+              <a:xfrm>
+                <a:off x="-456017" y="3544705"/>
+                <a:ext cx="2360126" cy="0"/>
+              </a:xfrm>
+              <a:prstGeom prst="straightConnector1">
+                <a:avLst/>
+              </a:prstGeom>
+              <a:ln w="19050">
+                <a:solidFill>
+                  <a:srgbClr val="0070C0"/>
+                </a:solidFill>
+                <a:prstDash val="sysDash"/>
+                <a:headEnd type="arrow" w="med" len="med"/>
+                <a:tailEnd type="none" w="med" len="med"/>
+              </a:ln>
+            </p:spPr>
+            <p:style>
+              <a:lnRef idx="1">
+                <a:schemeClr val="accent1"/>
+              </a:lnRef>
+              <a:fillRef idx="0">
+                <a:schemeClr val="accent1"/>
+              </a:fillRef>
+              <a:effectRef idx="0">
+                <a:schemeClr val="accent1"/>
+              </a:effectRef>
+              <a:fontRef idx="minor">
+                <a:schemeClr val="tx1"/>
+              </a:fontRef>
+            </p:style>
+          </p:cxnSp>
+          <p:sp>
+            <p:nvSpPr>
+              <p:cNvPr id="137" name="TextBox 136">
+                <a:extLst>
+                  <a:ext uri="{FF2B5EF4-FFF2-40B4-BE49-F238E27FC236}">
+                    <a16:creationId xmlns:a16="http://schemas.microsoft.com/office/drawing/2014/main" id="{9C588AA9-B604-41E6-9A54-5F65DF83094E}"/>
+                  </a:ext>
+                </a:extLst>
+              </p:cNvPr>
+              <p:cNvSpPr txBox="1"/>
+              <p:nvPr/>
+            </p:nvSpPr>
+            <p:spPr>
+              <a:xfrm>
+                <a:off x="-879568" y="3277481"/>
+                <a:ext cx="1603614" cy="215444"/>
+              </a:xfrm>
+              <a:prstGeom prst="rect">
+                <a:avLst/>
+              </a:prstGeom>
+              <a:noFill/>
+            </p:spPr>
+            <p:txBody>
+              <a:bodyPr wrap="square" lIns="0" tIns="0" rIns="0" bIns="0" rtlCol="0">
+                <a:spAutoFit/>
+              </a:bodyPr>
+              <a:lstStyle/>
+              <a:p>
+                <a:pPr algn="r"/>
+                <a:r>
+                  <a:rPr lang="en-US" sz="1400" dirty="0" err="1">
+                    <a:solidFill>
+                      <a:srgbClr val="0070C0"/>
+                    </a:solidFill>
+                  </a:rPr>
+                  <a:t>sbd</a:t>
+                </a:r>
+                <a:endParaRPr lang="en-US" sz="1400" dirty="0">
+                  <a:solidFill>
+                    <a:srgbClr val="0070C0"/>
+                  </a:solidFill>
+                </a:endParaRPr>
+              </a:p>
+            </p:txBody>
+          </p:sp>
+          <p:cxnSp>
+            <p:nvCxnSpPr>
+              <p:cNvPr id="140" name="Straight Arrow Connector 139">
+                <a:extLst>
+                  <a:ext uri="{FF2B5EF4-FFF2-40B4-BE49-F238E27FC236}">
+                    <a16:creationId xmlns:a16="http://schemas.microsoft.com/office/drawing/2014/main" id="{E731FB7A-CDC5-4D48-9DAB-0D447E213C26}"/>
+                  </a:ext>
+                </a:extLst>
+              </p:cNvPr>
+              <p:cNvCxnSpPr>
+                <a:cxnSpLocks/>
+              </p:cNvCxnSpPr>
+              <p:nvPr/>
+            </p:nvCxnSpPr>
+            <p:spPr>
+              <a:xfrm>
+                <a:off x="-2096738" y="3675669"/>
+                <a:ext cx="1551920" cy="0"/>
+              </a:xfrm>
+              <a:prstGeom prst="straightConnector1">
+                <a:avLst/>
+              </a:prstGeom>
+              <a:ln w="19050">
+                <a:solidFill>
+                  <a:srgbClr val="0070C0"/>
+                </a:solidFill>
+                <a:prstDash val="sysDash"/>
+                <a:headEnd type="arrow" w="med" len="med"/>
+                <a:tailEnd type="none" w="med" len="med"/>
+              </a:ln>
+            </p:spPr>
+            <p:style>
+              <a:lnRef idx="1">
+                <a:schemeClr val="accent1"/>
+              </a:lnRef>
+              <a:fillRef idx="0">
+                <a:schemeClr val="accent1"/>
+              </a:fillRef>
+              <a:effectRef idx="0">
+                <a:schemeClr val="accent1"/>
+              </a:effectRef>
+              <a:fontRef idx="minor">
+                <a:schemeClr val="tx1"/>
+              </a:fontRef>
+            </p:style>
+          </p:cxnSp>
+          <p:sp>
+            <p:nvSpPr>
+              <p:cNvPr id="142" name="TextBox 141">
+                <a:extLst>
+                  <a:ext uri="{FF2B5EF4-FFF2-40B4-BE49-F238E27FC236}">
+                    <a16:creationId xmlns:a16="http://schemas.microsoft.com/office/drawing/2014/main" id="{BDE82BF1-EE29-48AA-B5D4-9951332E53DC}"/>
+                  </a:ext>
+                </a:extLst>
+              </p:cNvPr>
+              <p:cNvSpPr txBox="1"/>
+              <p:nvPr/>
+            </p:nvSpPr>
+            <p:spPr>
+              <a:xfrm>
+                <a:off x="-2427446" y="3384145"/>
+                <a:ext cx="1603614" cy="215444"/>
+              </a:xfrm>
+              <a:prstGeom prst="rect">
+                <a:avLst/>
+              </a:prstGeom>
+              <a:noFill/>
+            </p:spPr>
+            <p:txBody>
+              <a:bodyPr wrap="square" lIns="0" tIns="0" rIns="0" bIns="0" rtlCol="0">
+                <a:spAutoFit/>
+              </a:bodyPr>
+              <a:lstStyle/>
+              <a:p>
+                <a:pPr algn="r"/>
+                <a:r>
+                  <a:rPr lang="en-US" sz="1400" dirty="0" err="1">
+                    <a:solidFill>
+                      <a:srgbClr val="0070C0"/>
+                    </a:solidFill>
+                  </a:rPr>
+                  <a:t>sbd</a:t>
+                </a:r>
+                <a:endParaRPr lang="en-US" sz="1400" dirty="0">
+                  <a:solidFill>
+                    <a:srgbClr val="0070C0"/>
+                  </a:solidFill>
+                </a:endParaRPr>
+              </a:p>
+            </p:txBody>
+          </p:sp>
+          <p:sp>
+            <p:nvSpPr>
+              <p:cNvPr id="155" name="Rectangle 154">
+                <a:extLst>
+                  <a:ext uri="{FF2B5EF4-FFF2-40B4-BE49-F238E27FC236}">
+                    <a16:creationId xmlns:a16="http://schemas.microsoft.com/office/drawing/2014/main" id="{AA4C8B0C-9EE6-4C8C-8A2F-D6704C02C1AC}"/>
+                  </a:ext>
+                </a:extLst>
+              </p:cNvPr>
+              <p:cNvSpPr/>
+              <p:nvPr/>
+            </p:nvSpPr>
+            <p:spPr>
+              <a:xfrm>
+                <a:off x="4191000" y="4038600"/>
+                <a:ext cx="132808" cy="2590944"/>
+              </a:xfrm>
+              <a:prstGeom prst="rect">
+                <a:avLst/>
+              </a:prstGeom>
+              <a:solidFill>
+                <a:srgbClr val="0070C0"/>
+              </a:solidFill>
+              <a:ln>
+                <a:solidFill>
+                  <a:srgbClr val="0070C0"/>
+                </a:solidFill>
+              </a:ln>
+              <a:effectLst/>
+            </p:spPr>
+            <p:style>
+              <a:lnRef idx="1">
+                <a:schemeClr val="accent3"/>
+              </a:lnRef>
+              <a:fillRef idx="2">
+                <a:schemeClr val="accent3"/>
+              </a:fillRef>
+              <a:effectRef idx="1">
+                <a:schemeClr val="accent3"/>
+              </a:effectRef>
+              <a:fontRef idx="minor">
+                <a:schemeClr val="dk1"/>
+              </a:fontRef>
+            </p:style>
+            <p:txBody>
+              <a:bodyPr rtlCol="0" anchor="ctr"/>
+              <a:lstStyle/>
+              <a:p>
+                <a:pPr algn="ctr"/>
+                <a:endParaRPr lang="en-SG" sz="1400"/>
+              </a:p>
+            </p:txBody>
+          </p:sp>
+          <p:cxnSp>
+            <p:nvCxnSpPr>
+              <p:cNvPr id="158" name="Straight Arrow Connector 157">
+                <a:extLst>
+                  <a:ext uri="{FF2B5EF4-FFF2-40B4-BE49-F238E27FC236}">
+                    <a16:creationId xmlns:a16="http://schemas.microsoft.com/office/drawing/2014/main" id="{6FF9F4E0-E11F-4D5B-B954-570A62E1D8E4}"/>
+                  </a:ext>
+                </a:extLst>
+              </p:cNvPr>
+              <p:cNvCxnSpPr>
+                <a:cxnSpLocks/>
+              </p:cNvCxnSpPr>
+              <p:nvPr/>
+            </p:nvCxnSpPr>
+            <p:spPr>
+              <a:xfrm>
+                <a:off x="-2174470" y="4038600"/>
+                <a:ext cx="6365470" cy="0"/>
+              </a:xfrm>
+              <a:prstGeom prst="straightConnector1">
+                <a:avLst/>
+              </a:prstGeom>
+              <a:ln w="19050">
+                <a:solidFill>
+                  <a:srgbClr val="0070C0"/>
+                </a:solidFill>
+                <a:tailEnd type="arrow"/>
+              </a:ln>
+            </p:spPr>
+            <p:style>
+              <a:lnRef idx="1">
+                <a:schemeClr val="accent1"/>
+              </a:lnRef>
+              <a:fillRef idx="0">
+                <a:schemeClr val="accent1"/>
+              </a:fillRef>
+              <a:effectRef idx="0">
+                <a:schemeClr val="accent1"/>
+              </a:effectRef>
+              <a:fontRef idx="minor">
+                <a:schemeClr val="tx1"/>
+              </a:fontRef>
+            </p:style>
+          </p:cxnSp>
+          <p:sp>
+            <p:nvSpPr>
+              <p:cNvPr id="160" name="TextBox 159">
+                <a:extLst>
+                  <a:ext uri="{FF2B5EF4-FFF2-40B4-BE49-F238E27FC236}">
+                    <a16:creationId xmlns:a16="http://schemas.microsoft.com/office/drawing/2014/main" id="{6FE108DD-3C62-49D8-B986-27758C463A58}"/>
+                  </a:ext>
+                </a:extLst>
+              </p:cNvPr>
+              <p:cNvSpPr txBox="1"/>
+              <p:nvPr/>
+            </p:nvSpPr>
+            <p:spPr>
+              <a:xfrm>
+                <a:off x="-308214" y="3771375"/>
+                <a:ext cx="1603614" cy="215444"/>
+              </a:xfrm>
+              <a:prstGeom prst="rect">
+                <a:avLst/>
+              </a:prstGeom>
+              <a:noFill/>
+            </p:spPr>
+            <p:txBody>
+              <a:bodyPr wrap="square" lIns="0" tIns="0" rIns="0" bIns="0" rtlCol="0">
+                <a:spAutoFit/>
+              </a:bodyPr>
+              <a:lstStyle/>
+              <a:p>
+                <a:pPr algn="r"/>
+                <a:r>
+                  <a:rPr lang="en-US" sz="1400" dirty="0" err="1">
+                    <a:solidFill>
+                      <a:srgbClr val="0070C0"/>
+                    </a:solidFill>
+                  </a:rPr>
+                  <a:t>sbd.execute</a:t>
+                </a:r>
+                <a:r>
+                  <a:rPr lang="en-US" sz="1400" dirty="0">
+                    <a:solidFill>
+                      <a:srgbClr val="0070C0"/>
+                    </a:solidFill>
+                  </a:rPr>
+                  <a:t>()</a:t>
+                </a:r>
+              </a:p>
+            </p:txBody>
+          </p:sp>
+          <p:sp>
+            <p:nvSpPr>
+              <p:cNvPr id="161" name="Rectangle 62">
+                <a:extLst>
+                  <a:ext uri="{FF2B5EF4-FFF2-40B4-BE49-F238E27FC236}">
+                    <a16:creationId xmlns:a16="http://schemas.microsoft.com/office/drawing/2014/main" id="{62C7B128-673D-4EF0-BB6D-E4D69C63E2C6}"/>
+                  </a:ext>
+                </a:extLst>
+              </p:cNvPr>
+              <p:cNvSpPr/>
+              <p:nvPr/>
+            </p:nvSpPr>
+            <p:spPr>
+              <a:xfrm>
+                <a:off x="8610600" y="3609592"/>
+                <a:ext cx="841636" cy="300180"/>
+              </a:xfrm>
+              <a:prstGeom prst="rect">
+                <a:avLst/>
+              </a:prstGeom>
+              <a:solidFill>
+                <a:srgbClr val="7030A0"/>
+              </a:solidFill>
+              <a:ln w="19050">
                 <a:solidFill>
                   <a:srgbClr val="7030A0"/>
                 </a:solidFill>
-              </a:rPr>
-              <a:t>Model.getFinancialPlanner</a:t>
-            </a:r>
-            <a:r>
-              <a:rPr lang="en-US" dirty="0">
+              </a:ln>
+              <a:effectLst/>
+            </p:spPr>
+            <p:style>
+              <a:lnRef idx="1">
+                <a:schemeClr val="accent2"/>
+              </a:lnRef>
+              <a:fillRef idx="2">
+                <a:schemeClr val="accent2"/>
+              </a:fillRef>
+              <a:effectRef idx="1">
+                <a:schemeClr val="accent2"/>
+              </a:effectRef>
+              <a:fontRef idx="minor">
+                <a:schemeClr val="dk1"/>
+              </a:fontRef>
+            </p:style>
+            <p:txBody>
+              <a:bodyPr rtlCol="0" anchor="ctr"/>
+              <a:lstStyle/>
+              <a:p>
+                <a:pPr algn="ctr"/>
+                <a:r>
+                  <a:rPr lang="en-US" sz="1600" dirty="0">
+                    <a:solidFill>
+                      <a:schemeClr val="bg1"/>
+                    </a:solidFill>
+                  </a:rPr>
+                  <a:t>: Model</a:t>
+                </a:r>
+                <a:endParaRPr lang="en-SG" sz="1600" dirty="0">
+                  <a:solidFill>
+                    <a:schemeClr val="bg1"/>
+                  </a:solidFill>
+                </a:endParaRPr>
+              </a:p>
+            </p:txBody>
+          </p:sp>
+          <p:sp>
+            <p:nvSpPr>
+              <p:cNvPr id="162" name="Rectangle 161">
+                <a:extLst>
+                  <a:ext uri="{FF2B5EF4-FFF2-40B4-BE49-F238E27FC236}">
+                    <a16:creationId xmlns:a16="http://schemas.microsoft.com/office/drawing/2014/main" id="{F95C1111-18FB-4AE1-9C75-7BFC39500593}"/>
+                  </a:ext>
+                </a:extLst>
+              </p:cNvPr>
+              <p:cNvSpPr/>
+              <p:nvPr/>
+            </p:nvSpPr>
+            <p:spPr>
+              <a:xfrm>
+                <a:off x="8946970" y="4264153"/>
+                <a:ext cx="168896" cy="231648"/>
+              </a:xfrm>
+              <a:prstGeom prst="rect">
+                <a:avLst/>
+              </a:prstGeom>
+              <a:solidFill>
+                <a:srgbClr val="7030A0"/>
+              </a:solidFill>
+              <a:ln>
                 <a:solidFill>
                   <a:srgbClr val="7030A0"/>
                 </a:solidFill>
-              </a:rPr>
-              <a:t>()</a:t>
-            </a:r>
-          </a:p>
-        </p:txBody>
-      </p:sp>
-      <p:sp>
-        <p:nvSpPr>
-          <p:cNvPr id="83" name="TextBox 82"/>
-          <p:cNvSpPr txBox="1"/>
-          <p:nvPr/>
-        </p:nvSpPr>
-        <p:spPr>
-          <a:xfrm>
-            <a:off x="-955283" y="6871155"/>
-            <a:ext cx="762000" cy="215444"/>
-          </a:xfrm>
-          <a:prstGeom prst="rect">
-            <a:avLst/>
-          </a:prstGeom>
-          <a:noFill/>
-        </p:spPr>
-        <p:txBody>
-          <a:bodyPr wrap="square" lIns="0" tIns="0" rIns="0" bIns="0" rtlCol="0">
-            <a:spAutoFit/>
-          </a:bodyPr>
-          <a:lstStyle>
-            <a:defPPr>
-              <a:defRPr lang="en-US"/>
-            </a:defPPr>
-            <a:lvl1pPr algn="r">
-              <a:defRPr sz="1400">
+              </a:ln>
+              <a:effectLst/>
+            </p:spPr>
+            <p:style>
+              <a:lnRef idx="1">
+                <a:schemeClr val="accent3"/>
+              </a:lnRef>
+              <a:fillRef idx="2">
+                <a:schemeClr val="accent3"/>
+              </a:fillRef>
+              <a:effectRef idx="1">
+                <a:schemeClr val="accent3"/>
+              </a:effectRef>
+              <a:fontRef idx="minor">
+                <a:schemeClr val="dk1"/>
+              </a:fontRef>
+            </p:style>
+            <p:txBody>
+              <a:bodyPr rtlCol="0" anchor="ctr"/>
+              <a:lstStyle/>
+              <a:p>
+                <a:pPr algn="ctr"/>
+                <a:endParaRPr lang="en-SG" sz="1400"/>
+              </a:p>
+            </p:txBody>
+          </p:sp>
+          <p:cxnSp>
+            <p:nvCxnSpPr>
+              <p:cNvPr id="163" name="Straight Connector 162">
+                <a:extLst>
+                  <a:ext uri="{FF2B5EF4-FFF2-40B4-BE49-F238E27FC236}">
+                    <a16:creationId xmlns:a16="http://schemas.microsoft.com/office/drawing/2014/main" id="{109A9D06-D17C-4060-A700-7762FBDE141D}"/>
+                  </a:ext>
+                </a:extLst>
+              </p:cNvPr>
+              <p:cNvCxnSpPr>
+                <a:cxnSpLocks/>
+              </p:cNvCxnSpPr>
+              <p:nvPr/>
+            </p:nvCxnSpPr>
+            <p:spPr>
+              <a:xfrm flipH="1">
+                <a:off x="9052004" y="3851665"/>
+                <a:ext cx="1" cy="1253735"/>
+              </a:xfrm>
+              <a:prstGeom prst="line">
+                <a:avLst/>
+              </a:prstGeom>
+              <a:ln w="19050">
+                <a:solidFill>
+                  <a:srgbClr val="7030A0"/>
+                </a:solidFill>
+                <a:prstDash val="sysDash"/>
+              </a:ln>
+              <a:effectLst/>
+            </p:spPr>
+            <p:style>
+              <a:lnRef idx="1">
+                <a:schemeClr val="accent1"/>
+              </a:lnRef>
+              <a:fillRef idx="2">
+                <a:schemeClr val="accent1"/>
+              </a:fillRef>
+              <a:effectRef idx="1">
+                <a:schemeClr val="accent1"/>
+              </a:effectRef>
+              <a:fontRef idx="minor">
+                <a:schemeClr val="dk1"/>
+              </a:fontRef>
+            </p:style>
+          </p:cxnSp>
+          <p:sp>
+            <p:nvSpPr>
+              <p:cNvPr id="165" name="Rectangle 62">
+                <a:extLst>
+                  <a:ext uri="{FF2B5EF4-FFF2-40B4-BE49-F238E27FC236}">
+                    <a16:creationId xmlns:a16="http://schemas.microsoft.com/office/drawing/2014/main" id="{D88916D8-CCED-40BE-BE6C-ABF82393ACDF}"/>
+                  </a:ext>
+                </a:extLst>
+              </p:cNvPr>
+              <p:cNvSpPr/>
+              <p:nvPr/>
+            </p:nvSpPr>
+            <p:spPr>
+              <a:xfrm>
+                <a:off x="9639606" y="5030403"/>
+                <a:ext cx="2389632" cy="556972"/>
+              </a:xfrm>
+              <a:prstGeom prst="rect">
+                <a:avLst/>
+              </a:prstGeom>
+              <a:solidFill>
+                <a:srgbClr val="7030A0"/>
+              </a:solidFill>
+              <a:ln w="19050">
+                <a:solidFill>
+                  <a:srgbClr val="7030A0"/>
+                </a:solidFill>
+              </a:ln>
+              <a:effectLst/>
+            </p:spPr>
+            <p:style>
+              <a:lnRef idx="1">
+                <a:schemeClr val="accent2"/>
+              </a:lnRef>
+              <a:fillRef idx="2">
+                <a:schemeClr val="accent2"/>
+              </a:fillRef>
+              <a:effectRef idx="1">
+                <a:schemeClr val="accent2"/>
+              </a:effectRef>
+              <a:fontRef idx="minor">
+                <a:schemeClr val="dk1"/>
+              </a:fontRef>
+            </p:style>
+            <p:txBody>
+              <a:bodyPr rtlCol="0" anchor="ctr"/>
+              <a:lstStyle/>
+              <a:p>
+                <a:pPr algn="ctr"/>
+                <a:r>
+                  <a:rPr lang="en-US" sz="1600" dirty="0">
+                    <a:solidFill>
+                      <a:schemeClr val="bg1"/>
+                    </a:solidFill>
+                  </a:rPr>
+                  <a:t>: </a:t>
+                </a:r>
+                <a:r>
+                  <a:rPr lang="en-US" sz="1600" dirty="0" err="1">
+                    <a:solidFill>
+                      <a:schemeClr val="bg1"/>
+                    </a:solidFill>
+                  </a:rPr>
+                  <a:t>SummaryByDateList</a:t>
+                </a:r>
+                <a:endParaRPr lang="en-SG" sz="1600" dirty="0">
+                  <a:solidFill>
+                    <a:schemeClr val="bg1"/>
+                  </a:solidFill>
+                </a:endParaRPr>
+              </a:p>
+            </p:txBody>
+          </p:sp>
+          <p:sp>
+            <p:nvSpPr>
+              <p:cNvPr id="166" name="Rectangle 165">
+                <a:extLst>
+                  <a:ext uri="{FF2B5EF4-FFF2-40B4-BE49-F238E27FC236}">
+                    <a16:creationId xmlns:a16="http://schemas.microsoft.com/office/drawing/2014/main" id="{ACCFC1B8-6E6F-4C3D-A830-9461A5C805C2}"/>
+                  </a:ext>
+                </a:extLst>
+              </p:cNvPr>
+              <p:cNvSpPr/>
+              <p:nvPr/>
+            </p:nvSpPr>
+            <p:spPr>
+              <a:xfrm>
+                <a:off x="10679831" y="5479653"/>
+                <a:ext cx="168896" cy="387747"/>
+              </a:xfrm>
+              <a:prstGeom prst="rect">
+                <a:avLst/>
+              </a:prstGeom>
+              <a:solidFill>
+                <a:srgbClr val="7030A0"/>
+              </a:solidFill>
+              <a:ln>
+                <a:solidFill>
+                  <a:srgbClr val="7030A0"/>
+                </a:solidFill>
+              </a:ln>
+              <a:effectLst/>
+            </p:spPr>
+            <p:style>
+              <a:lnRef idx="1">
+                <a:schemeClr val="accent3"/>
+              </a:lnRef>
+              <a:fillRef idx="2">
+                <a:schemeClr val="accent3"/>
+              </a:fillRef>
+              <a:effectRef idx="1">
+                <a:schemeClr val="accent3"/>
+              </a:effectRef>
+              <a:fontRef idx="minor">
+                <a:schemeClr val="dk1"/>
+              </a:fontRef>
+            </p:style>
+            <p:txBody>
+              <a:bodyPr rtlCol="0" anchor="ctr"/>
+              <a:lstStyle/>
+              <a:p>
+                <a:pPr algn="ctr"/>
+                <a:endParaRPr lang="en-SG" sz="1400"/>
+              </a:p>
+            </p:txBody>
+          </p:sp>
+          <p:cxnSp>
+            <p:nvCxnSpPr>
+              <p:cNvPr id="169" name="Straight Arrow Connector 168">
+                <a:extLst>
+                  <a:ext uri="{FF2B5EF4-FFF2-40B4-BE49-F238E27FC236}">
+                    <a16:creationId xmlns:a16="http://schemas.microsoft.com/office/drawing/2014/main" id="{A0AD68B9-0548-44BF-9DBD-EB5A532A342F}"/>
+                  </a:ext>
+                </a:extLst>
+              </p:cNvPr>
+              <p:cNvCxnSpPr>
+                <a:cxnSpLocks/>
+              </p:cNvCxnSpPr>
+              <p:nvPr/>
+            </p:nvCxnSpPr>
+            <p:spPr>
+              <a:xfrm>
+                <a:off x="4343400" y="4495801"/>
+                <a:ext cx="4603570" cy="0"/>
+              </a:xfrm>
+              <a:prstGeom prst="straightConnector1">
+                <a:avLst/>
+              </a:prstGeom>
+              <a:ln w="19050">
+                <a:solidFill>
+                  <a:srgbClr val="7030A0"/>
+                </a:solidFill>
+                <a:prstDash val="sysDash"/>
+                <a:headEnd type="arrow" w="med" len="med"/>
+                <a:tailEnd type="none" w="med" len="med"/>
+              </a:ln>
+            </p:spPr>
+            <p:style>
+              <a:lnRef idx="1">
+                <a:schemeClr val="accent1"/>
+              </a:lnRef>
+              <a:fillRef idx="0">
+                <a:schemeClr val="accent1"/>
+              </a:fillRef>
+              <a:effectRef idx="0">
+                <a:schemeClr val="accent1"/>
+              </a:effectRef>
+              <a:fontRef idx="minor">
+                <a:schemeClr val="tx1"/>
+              </a:fontRef>
+            </p:style>
+          </p:cxnSp>
+          <p:cxnSp>
+            <p:nvCxnSpPr>
+              <p:cNvPr id="171" name="Straight Arrow Connector 170">
+                <a:extLst>
+                  <a:ext uri="{FF2B5EF4-FFF2-40B4-BE49-F238E27FC236}">
+                    <a16:creationId xmlns:a16="http://schemas.microsoft.com/office/drawing/2014/main" id="{5303D34F-7B75-4845-805D-CF664FD8F42B}"/>
+                  </a:ext>
+                </a:extLst>
+              </p:cNvPr>
+              <p:cNvCxnSpPr>
+                <a:cxnSpLocks/>
+              </p:cNvCxnSpPr>
+              <p:nvPr/>
+            </p:nvCxnSpPr>
+            <p:spPr>
+              <a:xfrm>
+                <a:off x="4343400" y="4280885"/>
+                <a:ext cx="4603570" cy="0"/>
+              </a:xfrm>
+              <a:prstGeom prst="straightConnector1">
+                <a:avLst/>
+              </a:prstGeom>
+              <a:ln w="19050">
                 <a:solidFill>
                   <a:srgbClr val="0070C0"/>
                 </a:solidFill>
-              </a:defRPr>
-            </a:lvl1pPr>
-          </a:lstStyle>
-          <a:p>
-            <a:r>
-              <a:rPr lang="en-US" dirty="0"/>
-              <a:t>result</a:t>
-            </a:r>
-          </a:p>
-        </p:txBody>
-      </p:sp>
-      <p:sp>
-        <p:nvSpPr>
-          <p:cNvPr id="84" name="Rectangle 62"/>
-          <p:cNvSpPr/>
-          <p:nvPr/>
-        </p:nvSpPr>
-        <p:spPr>
-          <a:xfrm>
-            <a:off x="10483284" y="4245327"/>
-            <a:ext cx="1123558" cy="765929"/>
-          </a:xfrm>
-          <a:prstGeom prst="rect">
-            <a:avLst/>
-          </a:prstGeom>
-          <a:solidFill>
-            <a:srgbClr val="7030A0"/>
-          </a:solidFill>
-          <a:ln w="19050">
-            <a:solidFill>
-              <a:srgbClr val="7030A0"/>
-            </a:solidFill>
-          </a:ln>
-          <a:effectLst/>
-        </p:spPr>
-        <p:style>
-          <a:lnRef idx="1">
-            <a:schemeClr val="accent2"/>
-          </a:lnRef>
-          <a:fillRef idx="2">
-            <a:schemeClr val="accent2"/>
-          </a:fillRef>
-          <a:effectRef idx="1">
-            <a:schemeClr val="accent2"/>
-          </a:effectRef>
-          <a:fontRef idx="minor">
-            <a:schemeClr val="dk1"/>
-          </a:fontRef>
-        </p:style>
-        <p:txBody>
-          <a:bodyPr rtlCol="0" anchor="ctr"/>
-          <a:lstStyle/>
-          <a:p>
-            <a:pPr algn="ctr"/>
-            <a:r>
-              <a:rPr lang="en-US" sz="1600" dirty="0">
+                <a:tailEnd type="arrow"/>
+              </a:ln>
+            </p:spPr>
+            <p:style>
+              <a:lnRef idx="1">
+                <a:schemeClr val="accent1"/>
+              </a:lnRef>
+              <a:fillRef idx="0">
+                <a:schemeClr val="accent1"/>
+              </a:fillRef>
+              <a:effectRef idx="0">
+                <a:schemeClr val="accent1"/>
+              </a:effectRef>
+              <a:fontRef idx="minor">
+                <a:schemeClr val="tx1"/>
+              </a:fontRef>
+            </p:style>
+          </p:cxnSp>
+          <p:sp>
+            <p:nvSpPr>
+              <p:cNvPr id="176" name="Rectangle 175">
+                <a:extLst>
+                  <a:ext uri="{FF2B5EF4-FFF2-40B4-BE49-F238E27FC236}">
+                    <a16:creationId xmlns:a16="http://schemas.microsoft.com/office/drawing/2014/main" id="{9A43A590-0D62-43D6-913F-E81E6313BD03}"/>
+                  </a:ext>
+                </a:extLst>
+              </p:cNvPr>
+              <p:cNvSpPr/>
+              <p:nvPr/>
+            </p:nvSpPr>
+            <p:spPr>
+              <a:xfrm>
+                <a:off x="8946970" y="4662042"/>
+                <a:ext cx="168896" cy="231648"/>
+              </a:xfrm>
+              <a:prstGeom prst="rect">
+                <a:avLst/>
+              </a:prstGeom>
+              <a:solidFill>
+                <a:srgbClr val="7030A0"/>
+              </a:solidFill>
+              <a:ln>
                 <a:solidFill>
-                  <a:schemeClr val="bg1"/>
+                  <a:srgbClr val="7030A0"/>
                 </a:solidFill>
-              </a:rPr>
-              <a:t>l:SummaryByDateList</a:t>
-            </a:r>
-            <a:endParaRPr lang="en-SG" sz="1600" dirty="0">
-              <a:solidFill>
-                <a:schemeClr val="bg1"/>
-              </a:solidFill>
-            </a:endParaRPr>
-          </a:p>
-        </p:txBody>
-      </p:sp>
-      <p:cxnSp>
-        <p:nvCxnSpPr>
-          <p:cNvPr id="46" name="Straight Connector 45"/>
-          <p:cNvCxnSpPr>
-            <a:cxnSpLocks/>
-          </p:cNvCxnSpPr>
-          <p:nvPr/>
-        </p:nvCxnSpPr>
-        <p:spPr>
-          <a:xfrm>
-            <a:off x="8463293" y="2440869"/>
-            <a:ext cx="0" cy="5026730"/>
-          </a:xfrm>
-          <a:prstGeom prst="line">
-            <a:avLst/>
-          </a:prstGeom>
-          <a:ln w="19050">
-            <a:solidFill>
-              <a:srgbClr val="7030A0"/>
-            </a:solidFill>
-            <a:prstDash val="sysDash"/>
-          </a:ln>
-          <a:effectLst/>
-        </p:spPr>
-        <p:style>
-          <a:lnRef idx="1">
-            <a:schemeClr val="accent1"/>
-          </a:lnRef>
-          <a:fillRef idx="2">
-            <a:schemeClr val="accent1"/>
-          </a:fillRef>
-          <a:effectRef idx="1">
-            <a:schemeClr val="accent1"/>
-          </a:effectRef>
-          <a:fontRef idx="minor">
-            <a:schemeClr val="dk1"/>
-          </a:fontRef>
-        </p:style>
-      </p:cxnSp>
-      <p:sp>
-        <p:nvSpPr>
-          <p:cNvPr id="49" name="Rectangle 48"/>
-          <p:cNvSpPr/>
-          <p:nvPr/>
-        </p:nvSpPr>
-        <p:spPr>
-          <a:xfrm>
-            <a:off x="11024748" y="5131257"/>
-            <a:ext cx="168896" cy="318493"/>
-          </a:xfrm>
-          <a:prstGeom prst="rect">
-            <a:avLst/>
-          </a:prstGeom>
-          <a:solidFill>
-            <a:srgbClr val="7030A0"/>
-          </a:solidFill>
-          <a:ln w="25400">
-            <a:solidFill>
-              <a:schemeClr val="accent4">
-                <a:lumMod val="60000"/>
-                <a:lumOff val="40000"/>
-              </a:schemeClr>
-            </a:solidFill>
-          </a:ln>
-          <a:effectLst/>
-        </p:spPr>
-        <p:style>
-          <a:lnRef idx="1">
-            <a:schemeClr val="accent3"/>
-          </a:lnRef>
-          <a:fillRef idx="2">
-            <a:schemeClr val="accent3"/>
-          </a:fillRef>
-          <a:effectRef idx="1">
-            <a:schemeClr val="accent3"/>
-          </a:effectRef>
-          <a:fontRef idx="minor">
-            <a:schemeClr val="dk1"/>
-          </a:fontRef>
-        </p:style>
-        <p:txBody>
-          <a:bodyPr rtlCol="0" anchor="ctr"/>
-          <a:lstStyle/>
-          <a:p>
-            <a:pPr algn="ctr"/>
-            <a:endParaRPr lang="en-SG" sz="1400"/>
-          </a:p>
-        </p:txBody>
-      </p:sp>
-      <p:cxnSp>
-        <p:nvCxnSpPr>
-          <p:cNvPr id="50" name="Straight Arrow Connector 49"/>
-          <p:cNvCxnSpPr>
-            <a:cxnSpLocks/>
-          </p:cNvCxnSpPr>
-          <p:nvPr/>
-        </p:nvCxnSpPr>
-        <p:spPr>
-          <a:xfrm>
-            <a:off x="4492671" y="2133600"/>
-            <a:ext cx="1146129" cy="0"/>
-          </a:xfrm>
-          <a:prstGeom prst="straightConnector1">
-            <a:avLst/>
-          </a:prstGeom>
-          <a:ln w="19050">
-            <a:solidFill>
-              <a:srgbClr val="0070C0"/>
-            </a:solidFill>
-            <a:tailEnd type="arrow"/>
-          </a:ln>
-        </p:spPr>
-        <p:style>
-          <a:lnRef idx="1">
-            <a:schemeClr val="accent1"/>
-          </a:lnRef>
-          <a:fillRef idx="0">
-            <a:schemeClr val="accent1"/>
-          </a:fillRef>
-          <a:effectRef idx="0">
-            <a:schemeClr val="accent1"/>
-          </a:effectRef>
-          <a:fontRef idx="minor">
-            <a:schemeClr val="tx1"/>
-          </a:fontRef>
-        </p:style>
-      </p:cxnSp>
-      <p:cxnSp>
-        <p:nvCxnSpPr>
-          <p:cNvPr id="67" name="Straight Arrow Connector 66">
-            <a:extLst>
-              <a:ext uri="{FF2B5EF4-FFF2-40B4-BE49-F238E27FC236}">
-                <a16:creationId xmlns:a16="http://schemas.microsoft.com/office/drawing/2014/main" id="{D881596E-177C-4FDC-8E60-CAB90B3D5FAB}"/>
-              </a:ext>
-            </a:extLst>
-          </p:cNvPr>
-          <p:cNvCxnSpPr>
-            <a:cxnSpLocks/>
-          </p:cNvCxnSpPr>
-          <p:nvPr/>
-        </p:nvCxnSpPr>
-        <p:spPr>
-          <a:xfrm>
-            <a:off x="907163" y="1236160"/>
-            <a:ext cx="1917348" cy="0"/>
-          </a:xfrm>
-          <a:prstGeom prst="straightConnector1">
-            <a:avLst/>
-          </a:prstGeom>
-          <a:ln w="19050">
-            <a:solidFill>
-              <a:srgbClr val="0070C0"/>
-            </a:solidFill>
-            <a:tailEnd type="arrow"/>
-          </a:ln>
-        </p:spPr>
-        <p:style>
-          <a:lnRef idx="1">
-            <a:schemeClr val="accent1"/>
-          </a:lnRef>
-          <a:fillRef idx="0">
-            <a:schemeClr val="accent1"/>
-          </a:fillRef>
-          <a:effectRef idx="0">
-            <a:schemeClr val="accent1"/>
-          </a:effectRef>
-          <a:fontRef idx="minor">
-            <a:schemeClr val="tx1"/>
-          </a:fontRef>
-        </p:style>
-      </p:cxnSp>
-      <p:cxnSp>
-        <p:nvCxnSpPr>
-          <p:cNvPr id="69" name="Straight Arrow Connector 68">
-            <a:extLst>
-              <a:ext uri="{FF2B5EF4-FFF2-40B4-BE49-F238E27FC236}">
-                <a16:creationId xmlns:a16="http://schemas.microsoft.com/office/drawing/2014/main" id="{7C9F21BC-13A9-471F-825A-2621FD36355F}"/>
-              </a:ext>
-            </a:extLst>
-          </p:cNvPr>
-          <p:cNvCxnSpPr>
-            <a:cxnSpLocks/>
-          </p:cNvCxnSpPr>
-          <p:nvPr/>
-        </p:nvCxnSpPr>
-        <p:spPr>
-          <a:xfrm>
-            <a:off x="907163" y="6999374"/>
-            <a:ext cx="5166085" cy="0"/>
-          </a:xfrm>
-          <a:prstGeom prst="straightConnector1">
-            <a:avLst/>
-          </a:prstGeom>
-          <a:ln w="19050">
-            <a:solidFill>
-              <a:srgbClr val="0070C0"/>
-            </a:solidFill>
-            <a:prstDash val="sysDash"/>
-            <a:headEnd type="arrow" w="med" len="med"/>
-            <a:tailEnd type="none" w="med" len="med"/>
-          </a:ln>
-        </p:spPr>
-        <p:style>
-          <a:lnRef idx="1">
-            <a:schemeClr val="accent1"/>
-          </a:lnRef>
-          <a:fillRef idx="0">
-            <a:schemeClr val="accent1"/>
-          </a:fillRef>
-          <a:effectRef idx="0">
-            <a:schemeClr val="accent1"/>
-          </a:effectRef>
-          <a:fontRef idx="minor">
-            <a:schemeClr val="tx1"/>
-          </a:fontRef>
-        </p:style>
-      </p:cxnSp>
-      <p:cxnSp>
-        <p:nvCxnSpPr>
-          <p:cNvPr id="63" name="Straight Arrow Connector 62">
-            <a:extLst>
-              <a:ext uri="{FF2B5EF4-FFF2-40B4-BE49-F238E27FC236}">
-                <a16:creationId xmlns:a16="http://schemas.microsoft.com/office/drawing/2014/main" id="{7C9F21BC-13A9-471F-825A-2621FD36355F}"/>
-              </a:ext>
-            </a:extLst>
-          </p:cNvPr>
-          <p:cNvCxnSpPr>
-            <a:cxnSpLocks/>
-          </p:cNvCxnSpPr>
-          <p:nvPr/>
-        </p:nvCxnSpPr>
-        <p:spPr>
-          <a:xfrm>
-            <a:off x="6230926" y="6019799"/>
-            <a:ext cx="4709374" cy="0"/>
-          </a:xfrm>
-          <a:prstGeom prst="straightConnector1">
-            <a:avLst/>
-          </a:prstGeom>
-          <a:ln w="19050">
-            <a:solidFill>
-              <a:srgbClr val="7030A0"/>
-            </a:solidFill>
-            <a:prstDash val="sysDash"/>
-            <a:headEnd type="arrow" w="med" len="med"/>
-            <a:tailEnd type="none" w="med" len="med"/>
-          </a:ln>
-        </p:spPr>
-        <p:style>
-          <a:lnRef idx="1">
-            <a:schemeClr val="accent1"/>
-          </a:lnRef>
-          <a:fillRef idx="0">
-            <a:schemeClr val="accent1"/>
-          </a:fillRef>
-          <a:effectRef idx="0">
-            <a:schemeClr val="accent1"/>
-          </a:effectRef>
-          <a:fontRef idx="minor">
-            <a:schemeClr val="tx1"/>
-          </a:fontRef>
-        </p:style>
-      </p:cxnSp>
-      <p:cxnSp>
-        <p:nvCxnSpPr>
-          <p:cNvPr id="61" name="Straight Arrow Connector 60">
-            <a:extLst>
-              <a:ext uri="{FF2B5EF4-FFF2-40B4-BE49-F238E27FC236}">
-                <a16:creationId xmlns:a16="http://schemas.microsoft.com/office/drawing/2014/main" id="{85D6FD5D-EB81-40C9-A1C3-E5A2AD76DAB1}"/>
-              </a:ext>
-            </a:extLst>
-          </p:cNvPr>
-          <p:cNvCxnSpPr>
-            <a:cxnSpLocks/>
-          </p:cNvCxnSpPr>
-          <p:nvPr/>
-        </p:nvCxnSpPr>
-        <p:spPr>
-          <a:xfrm>
-            <a:off x="6234570" y="3745532"/>
-            <a:ext cx="2144275" cy="0"/>
-          </a:xfrm>
-          <a:prstGeom prst="straightConnector1">
-            <a:avLst/>
-          </a:prstGeom>
-          <a:ln w="19050">
-            <a:solidFill>
-              <a:srgbClr val="7030A0"/>
-            </a:solidFill>
-            <a:tailEnd type="arrow"/>
-          </a:ln>
-        </p:spPr>
-        <p:style>
-          <a:lnRef idx="1">
-            <a:schemeClr val="accent1"/>
-          </a:lnRef>
-          <a:fillRef idx="0">
-            <a:schemeClr val="accent1"/>
-          </a:fillRef>
-          <a:effectRef idx="0">
-            <a:schemeClr val="accent1"/>
-          </a:effectRef>
-          <a:fontRef idx="minor">
-            <a:schemeClr val="tx1"/>
-          </a:fontRef>
-        </p:style>
-      </p:cxnSp>
-      <p:sp>
-        <p:nvSpPr>
-          <p:cNvPr id="75" name="TextBox 74">
-            <a:extLst>
-              <a:ext uri="{FF2B5EF4-FFF2-40B4-BE49-F238E27FC236}">
-                <a16:creationId xmlns:a16="http://schemas.microsoft.com/office/drawing/2014/main" id="{9ED6A4D8-FC06-4315-9696-0FC04EAE18AF}"/>
-              </a:ext>
-            </a:extLst>
-          </p:cNvPr>
-          <p:cNvSpPr txBox="1"/>
-          <p:nvPr/>
-        </p:nvSpPr>
-        <p:spPr>
-          <a:xfrm>
-            <a:off x="3317832" y="1364320"/>
-            <a:ext cx="220343" cy="215444"/>
-          </a:xfrm>
-          <a:prstGeom prst="rect">
-            <a:avLst/>
-          </a:prstGeom>
-          <a:noFill/>
-        </p:spPr>
-        <p:txBody>
-          <a:bodyPr wrap="square" lIns="0" tIns="0" rIns="0" bIns="0" rtlCol="0">
-            <a:spAutoFit/>
-          </a:bodyPr>
-          <a:lstStyle>
-            <a:defPPr>
-              <a:defRPr lang="en-US"/>
-            </a:defPPr>
-            <a:lvl1pPr algn="r">
-              <a:defRPr sz="1400">
+              </a:ln>
+              <a:effectLst/>
+            </p:spPr>
+            <p:style>
+              <a:lnRef idx="1">
+                <a:schemeClr val="accent3"/>
+              </a:lnRef>
+              <a:fillRef idx="2">
+                <a:schemeClr val="accent3"/>
+              </a:fillRef>
+              <a:effectRef idx="1">
+                <a:schemeClr val="accent3"/>
+              </a:effectRef>
+              <a:fontRef idx="minor">
+                <a:schemeClr val="dk1"/>
+              </a:fontRef>
+            </p:style>
+            <p:txBody>
+              <a:bodyPr rtlCol="0" anchor="ctr"/>
+              <a:lstStyle/>
+              <a:p>
+                <a:pPr algn="ctr"/>
+                <a:endParaRPr lang="en-SG" sz="1400"/>
+              </a:p>
+            </p:txBody>
+          </p:sp>
+          <p:cxnSp>
+            <p:nvCxnSpPr>
+              <p:cNvPr id="177" name="Straight Arrow Connector 176">
+                <a:extLst>
+                  <a:ext uri="{FF2B5EF4-FFF2-40B4-BE49-F238E27FC236}">
+                    <a16:creationId xmlns:a16="http://schemas.microsoft.com/office/drawing/2014/main" id="{6E733EC6-6B09-4665-8843-D0332AAECAD4}"/>
+                  </a:ext>
+                </a:extLst>
+              </p:cNvPr>
+              <p:cNvCxnSpPr>
+                <a:cxnSpLocks/>
+              </p:cNvCxnSpPr>
+              <p:nvPr/>
+            </p:nvCxnSpPr>
+            <p:spPr>
+              <a:xfrm>
+                <a:off x="4343400" y="4893690"/>
+                <a:ext cx="4603570" cy="0"/>
+              </a:xfrm>
+              <a:prstGeom prst="straightConnector1">
+                <a:avLst/>
+              </a:prstGeom>
+              <a:ln w="19050">
+                <a:solidFill>
+                  <a:srgbClr val="7030A0"/>
+                </a:solidFill>
+                <a:prstDash val="sysDash"/>
+                <a:headEnd type="arrow" w="med" len="med"/>
+                <a:tailEnd type="none" w="med" len="med"/>
+              </a:ln>
+            </p:spPr>
+            <p:style>
+              <a:lnRef idx="1">
+                <a:schemeClr val="accent1"/>
+              </a:lnRef>
+              <a:fillRef idx="0">
+                <a:schemeClr val="accent1"/>
+              </a:fillRef>
+              <a:effectRef idx="0">
+                <a:schemeClr val="accent1"/>
+              </a:effectRef>
+              <a:fontRef idx="minor">
+                <a:schemeClr val="tx1"/>
+              </a:fontRef>
+            </p:style>
+          </p:cxnSp>
+          <p:cxnSp>
+            <p:nvCxnSpPr>
+              <p:cNvPr id="178" name="Straight Arrow Connector 177">
+                <a:extLst>
+                  <a:ext uri="{FF2B5EF4-FFF2-40B4-BE49-F238E27FC236}">
+                    <a16:creationId xmlns:a16="http://schemas.microsoft.com/office/drawing/2014/main" id="{58EE271C-C785-4381-9637-52D9A8DD5CE8}"/>
+                  </a:ext>
+                </a:extLst>
+              </p:cNvPr>
+              <p:cNvCxnSpPr>
+                <a:cxnSpLocks/>
+              </p:cNvCxnSpPr>
+              <p:nvPr/>
+            </p:nvCxnSpPr>
+            <p:spPr>
+              <a:xfrm>
+                <a:off x="4343400" y="4678774"/>
+                <a:ext cx="4603570" cy="0"/>
+              </a:xfrm>
+              <a:prstGeom prst="straightConnector1">
+                <a:avLst/>
+              </a:prstGeom>
+              <a:ln w="19050">
                 <a:solidFill>
                   <a:srgbClr val="0070C0"/>
                 </a:solidFill>
-              </a:defRPr>
-            </a:lvl1pPr>
-          </a:lstStyle>
-          <a:p>
-            <a:r>
-              <a:rPr lang="en-US" dirty="0"/>
-              <a:t>p</a:t>
-            </a:r>
-          </a:p>
-        </p:txBody>
-      </p:sp>
-      <p:sp>
-        <p:nvSpPr>
-          <p:cNvPr id="87" name="TextBox 86">
-            <a:extLst>
-              <a:ext uri="{FF2B5EF4-FFF2-40B4-BE49-F238E27FC236}">
-                <a16:creationId xmlns:a16="http://schemas.microsoft.com/office/drawing/2014/main" id="{AC210094-DDCD-4495-87F4-73F86AB4B8B8}"/>
-              </a:ext>
-            </a:extLst>
-          </p:cNvPr>
-          <p:cNvSpPr txBox="1"/>
-          <p:nvPr/>
-        </p:nvSpPr>
-        <p:spPr>
-          <a:xfrm>
-            <a:off x="4230244" y="3383801"/>
-            <a:ext cx="258404" cy="261610"/>
-          </a:xfrm>
-          <a:prstGeom prst="rect">
-            <a:avLst/>
-          </a:prstGeom>
-          <a:noFill/>
-        </p:spPr>
-        <p:txBody>
-          <a:bodyPr wrap="none" rtlCol="0">
-            <a:spAutoFit/>
-          </a:bodyPr>
-          <a:lstStyle/>
-          <a:p>
-            <a:r>
-              <a:rPr lang="en-SG" sz="1100" dirty="0">
-                <a:solidFill>
-                  <a:srgbClr val="002060"/>
-                </a:solidFill>
-              </a:rPr>
-              <a:t>X</a:t>
-            </a:r>
-          </a:p>
-        </p:txBody>
-      </p:sp>
-      <p:cxnSp>
-        <p:nvCxnSpPr>
-          <p:cNvPr id="48" name="Connector: Curved 47">
-            <a:extLst>
-              <a:ext uri="{FF2B5EF4-FFF2-40B4-BE49-F238E27FC236}">
-                <a16:creationId xmlns:a16="http://schemas.microsoft.com/office/drawing/2014/main" id="{AB12F7B4-E19E-4595-A397-D3BD84D6EA56}"/>
-              </a:ext>
-            </a:extLst>
-          </p:cNvPr>
-          <p:cNvCxnSpPr>
-            <a:cxnSpLocks/>
-          </p:cNvCxnSpPr>
-          <p:nvPr/>
-        </p:nvCxnSpPr>
-        <p:spPr>
-          <a:xfrm rot="16200000" flipH="1">
-            <a:off x="4403624" y="1923442"/>
-            <a:ext cx="148766" cy="73926"/>
-          </a:xfrm>
-          <a:prstGeom prst="curvedConnector4">
-            <a:avLst>
-              <a:gd name="adj1" fmla="val -15714"/>
-              <a:gd name="adj2" fmla="val 240699"/>
-            </a:avLst>
-          </a:prstGeom>
-          <a:ln>
-            <a:tailEnd type="triangle"/>
-          </a:ln>
-        </p:spPr>
-        <p:style>
-          <a:lnRef idx="1">
-            <a:schemeClr val="accent1"/>
-          </a:lnRef>
-          <a:fillRef idx="0">
-            <a:schemeClr val="accent1"/>
-          </a:fillRef>
-          <a:effectRef idx="0">
-            <a:schemeClr val="accent1"/>
-          </a:effectRef>
-          <a:fontRef idx="minor">
-            <a:schemeClr val="tx1"/>
-          </a:fontRef>
-        </p:style>
-      </p:cxnSp>
-      <p:sp>
-        <p:nvSpPr>
-          <p:cNvPr id="119" name="TextBox 118">
-            <a:extLst>
-              <a:ext uri="{FF2B5EF4-FFF2-40B4-BE49-F238E27FC236}">
-                <a16:creationId xmlns:a16="http://schemas.microsoft.com/office/drawing/2014/main" id="{D4DBB25B-868B-41FF-B9AE-9ED1AC6C4B4D}"/>
-              </a:ext>
-            </a:extLst>
-          </p:cNvPr>
-          <p:cNvSpPr txBox="1"/>
-          <p:nvPr/>
-        </p:nvSpPr>
-        <p:spPr>
-          <a:xfrm>
-            <a:off x="4410555" y="1572260"/>
-            <a:ext cx="1173497" cy="430887"/>
-          </a:xfrm>
-          <a:prstGeom prst="rect">
-            <a:avLst/>
-          </a:prstGeom>
-          <a:noFill/>
-        </p:spPr>
-        <p:txBody>
-          <a:bodyPr wrap="square" lIns="0" tIns="0" rIns="0" bIns="0" rtlCol="0">
-            <a:spAutoFit/>
-          </a:bodyPr>
-          <a:lstStyle>
-            <a:defPPr>
-              <a:defRPr lang="en-US"/>
-            </a:defPPr>
-            <a:lvl1pPr algn="r">
-              <a:defRPr sz="1400">
+                <a:tailEnd type="arrow"/>
+              </a:ln>
+            </p:spPr>
+            <p:style>
+              <a:lnRef idx="1">
+                <a:schemeClr val="accent1"/>
+              </a:lnRef>
+              <a:fillRef idx="0">
+                <a:schemeClr val="accent1"/>
+              </a:fillRef>
+              <a:effectRef idx="0">
+                <a:schemeClr val="accent1"/>
+              </a:effectRef>
+              <a:fontRef idx="minor">
+                <a:schemeClr val="tx1"/>
+              </a:fontRef>
+            </p:style>
+          </p:cxnSp>
+          <p:sp>
+            <p:nvSpPr>
+              <p:cNvPr id="179" name="TextBox 178">
+                <a:extLst>
+                  <a:ext uri="{FF2B5EF4-FFF2-40B4-BE49-F238E27FC236}">
+                    <a16:creationId xmlns:a16="http://schemas.microsoft.com/office/drawing/2014/main" id="{1404D07D-44D5-471E-A174-8BFD24DD9D81}"/>
+                  </a:ext>
+                </a:extLst>
+              </p:cNvPr>
+              <p:cNvSpPr txBox="1"/>
+              <p:nvPr/>
+            </p:nvSpPr>
+            <p:spPr>
+              <a:xfrm>
+                <a:off x="4911484" y="4038600"/>
+                <a:ext cx="2784716" cy="215444"/>
+              </a:xfrm>
+              <a:prstGeom prst="rect">
+                <a:avLst/>
+              </a:prstGeom>
+              <a:noFill/>
+            </p:spPr>
+            <p:txBody>
+              <a:bodyPr wrap="square" lIns="0" tIns="0" rIns="0" bIns="0" rtlCol="0">
+                <a:spAutoFit/>
+              </a:bodyPr>
+              <a:lstStyle/>
+              <a:p>
+                <a:pPr algn="r"/>
+                <a:r>
+                  <a:rPr lang="en-US" sz="1400" dirty="0" err="1">
+                    <a:solidFill>
+                      <a:srgbClr val="0070C0"/>
+                    </a:solidFill>
+                  </a:rPr>
+                  <a:t>updateFilteredRecordList</a:t>
+                </a:r>
+                <a:r>
+                  <a:rPr lang="en-US" sz="1400" dirty="0">
+                    <a:solidFill>
+                      <a:srgbClr val="0070C0"/>
+                    </a:solidFill>
+                  </a:rPr>
+                  <a:t>()</a:t>
+                </a:r>
+              </a:p>
+            </p:txBody>
+          </p:sp>
+          <p:sp>
+            <p:nvSpPr>
+              <p:cNvPr id="180" name="TextBox 179">
+                <a:extLst>
+                  <a:ext uri="{FF2B5EF4-FFF2-40B4-BE49-F238E27FC236}">
+                    <a16:creationId xmlns:a16="http://schemas.microsoft.com/office/drawing/2014/main" id="{975C804D-D3FA-43A4-AC3F-CCAAA8016D22}"/>
+                  </a:ext>
+                </a:extLst>
+              </p:cNvPr>
+              <p:cNvSpPr txBox="1"/>
+              <p:nvPr/>
+            </p:nvSpPr>
+            <p:spPr>
+              <a:xfrm>
+                <a:off x="4854494" y="4487850"/>
+                <a:ext cx="2784716" cy="215444"/>
+              </a:xfrm>
+              <a:prstGeom prst="rect">
+                <a:avLst/>
+              </a:prstGeom>
+              <a:noFill/>
+            </p:spPr>
+            <p:txBody>
+              <a:bodyPr wrap="square" lIns="0" tIns="0" rIns="0" bIns="0" rtlCol="0">
+                <a:spAutoFit/>
+              </a:bodyPr>
+              <a:lstStyle/>
+              <a:p>
+                <a:pPr algn="r"/>
+                <a:r>
+                  <a:rPr lang="en-US" sz="1400" dirty="0" err="1">
+                    <a:solidFill>
+                      <a:srgbClr val="0070C0"/>
+                    </a:solidFill>
+                  </a:rPr>
+                  <a:t>getFilteredRecordList</a:t>
+                </a:r>
+                <a:r>
+                  <a:rPr lang="en-US" sz="1400" dirty="0">
+                    <a:solidFill>
+                      <a:srgbClr val="0070C0"/>
+                    </a:solidFill>
+                  </a:rPr>
+                  <a:t>()</a:t>
+                </a:r>
+              </a:p>
+            </p:txBody>
+          </p:sp>
+          <p:sp>
+            <p:nvSpPr>
+              <p:cNvPr id="181" name="TextBox 180">
+                <a:extLst>
+                  <a:ext uri="{FF2B5EF4-FFF2-40B4-BE49-F238E27FC236}">
+                    <a16:creationId xmlns:a16="http://schemas.microsoft.com/office/drawing/2014/main" id="{122A332E-9F2D-4683-A492-DD10B34924D6}"/>
+                  </a:ext>
+                </a:extLst>
+              </p:cNvPr>
+              <p:cNvSpPr txBox="1"/>
+              <p:nvPr/>
+            </p:nvSpPr>
+            <p:spPr>
+              <a:xfrm>
+                <a:off x="6246852" y="4709024"/>
+                <a:ext cx="1018775" cy="184666"/>
+              </a:xfrm>
+              <a:prstGeom prst="rect">
+                <a:avLst/>
+              </a:prstGeom>
+              <a:noFill/>
+              <a:ln>
+                <a:noFill/>
+              </a:ln>
+            </p:spPr>
+            <p:txBody>
+              <a:bodyPr wrap="square" lIns="0" tIns="0" rIns="0" bIns="0" rtlCol="0">
+                <a:spAutoFit/>
+              </a:bodyPr>
+              <a:lstStyle>
+                <a:defPPr>
+                  <a:defRPr lang="en-US"/>
+                </a:defPPr>
+                <a:lvl1pPr algn="r">
+                  <a:defRPr sz="1400">
+                    <a:solidFill>
+                      <a:srgbClr val="0070C0"/>
+                    </a:solidFill>
+                  </a:defRPr>
+                </a:lvl1pPr>
+              </a:lstStyle>
+              <a:p>
+                <a:r>
+                  <a:rPr lang="en-US" sz="1200" dirty="0" err="1">
+                    <a:solidFill>
+                      <a:schemeClr val="accent4">
+                        <a:lumMod val="75000"/>
+                      </a:schemeClr>
+                    </a:solidFill>
+                  </a:rPr>
+                  <a:t>filteredList</a:t>
+                </a:r>
+                <a:endParaRPr lang="en-US" sz="1200" dirty="0">
+                  <a:solidFill>
+                    <a:schemeClr val="accent4">
+                      <a:lumMod val="75000"/>
+                    </a:schemeClr>
+                  </a:solidFill>
+                </a:endParaRPr>
+              </a:p>
+            </p:txBody>
+          </p:sp>
+          <p:cxnSp>
+            <p:nvCxnSpPr>
+              <p:cNvPr id="184" name="Straight Arrow Connector 183">
+                <a:extLst>
+                  <a:ext uri="{FF2B5EF4-FFF2-40B4-BE49-F238E27FC236}">
+                    <a16:creationId xmlns:a16="http://schemas.microsoft.com/office/drawing/2014/main" id="{AC96C0CD-6209-4388-A142-6964BA77901D}"/>
+                  </a:ext>
+                </a:extLst>
+              </p:cNvPr>
+              <p:cNvCxnSpPr>
+                <a:cxnSpLocks/>
+                <a:endCxn id="165" idx="1"/>
+              </p:cNvCxnSpPr>
+              <p:nvPr/>
+            </p:nvCxnSpPr>
+            <p:spPr>
+              <a:xfrm flipV="1">
+                <a:off x="4343400" y="5308889"/>
+                <a:ext cx="5296206" cy="4532"/>
+              </a:xfrm>
+              <a:prstGeom prst="straightConnector1">
+                <a:avLst/>
+              </a:prstGeom>
+              <a:ln w="19050">
                 <a:solidFill>
                   <a:srgbClr val="0070C0"/>
                 </a:solidFill>
-              </a:defRPr>
-            </a:lvl1pPr>
-          </a:lstStyle>
-          <a:p>
-            <a:r>
-              <a:rPr lang="en-US" dirty="0" err="1"/>
-              <a:t>createSummaryCommand</a:t>
-            </a:r>
-            <a:r>
-              <a:rPr lang="en-US" dirty="0"/>
-              <a:t>()</a:t>
-            </a:r>
-          </a:p>
-        </p:txBody>
-      </p:sp>
-      <p:cxnSp>
-        <p:nvCxnSpPr>
-          <p:cNvPr id="135" name="Straight Arrow Connector 134">
-            <a:extLst>
-              <a:ext uri="{FF2B5EF4-FFF2-40B4-BE49-F238E27FC236}">
-                <a16:creationId xmlns:a16="http://schemas.microsoft.com/office/drawing/2014/main" id="{480890F4-C570-4DC5-B703-A269AE8FE3DC}"/>
-              </a:ext>
-            </a:extLst>
-          </p:cNvPr>
-          <p:cNvCxnSpPr>
-            <a:cxnSpLocks/>
-          </p:cNvCxnSpPr>
-          <p:nvPr/>
-        </p:nvCxnSpPr>
-        <p:spPr>
-          <a:xfrm>
-            <a:off x="4514970" y="3025135"/>
-            <a:ext cx="1581030" cy="0"/>
-          </a:xfrm>
-          <a:prstGeom prst="straightConnector1">
-            <a:avLst/>
-          </a:prstGeom>
-          <a:ln w="19050">
-            <a:solidFill>
-              <a:srgbClr val="0070C0"/>
-            </a:solidFill>
-            <a:prstDash val="sysDash"/>
-            <a:headEnd type="arrow" w="med" len="med"/>
-            <a:tailEnd type="none" w="med" len="med"/>
-          </a:ln>
-        </p:spPr>
-        <p:style>
-          <a:lnRef idx="1">
-            <a:schemeClr val="accent1"/>
-          </a:lnRef>
-          <a:fillRef idx="0">
-            <a:schemeClr val="accent1"/>
-          </a:fillRef>
-          <a:effectRef idx="0">
-            <a:schemeClr val="accent1"/>
-          </a:effectRef>
-          <a:fontRef idx="minor">
-            <a:schemeClr val="tx1"/>
-          </a:fontRef>
-        </p:style>
-      </p:cxnSp>
-      <p:sp>
-        <p:nvSpPr>
-          <p:cNvPr id="138" name="TextBox 137">
-            <a:extLst>
-              <a:ext uri="{FF2B5EF4-FFF2-40B4-BE49-F238E27FC236}">
-                <a16:creationId xmlns:a16="http://schemas.microsoft.com/office/drawing/2014/main" id="{0D8B14D2-FB2D-4BE2-855C-6C7E8E4BD450}"/>
-              </a:ext>
-            </a:extLst>
-          </p:cNvPr>
-          <p:cNvSpPr txBox="1"/>
-          <p:nvPr/>
-        </p:nvSpPr>
-        <p:spPr>
-          <a:xfrm>
-            <a:off x="5178922" y="2819400"/>
-            <a:ext cx="106140" cy="222714"/>
-          </a:xfrm>
-          <a:prstGeom prst="rect">
-            <a:avLst/>
-          </a:prstGeom>
-          <a:noFill/>
-        </p:spPr>
-        <p:txBody>
-          <a:bodyPr wrap="square" lIns="0" tIns="0" rIns="0" bIns="0" rtlCol="0">
-            <a:spAutoFit/>
-          </a:bodyPr>
-          <a:lstStyle>
-            <a:defPPr>
-              <a:defRPr lang="en-US"/>
-            </a:defPPr>
-            <a:lvl1pPr algn="r">
-              <a:defRPr sz="1400">
+                <a:tailEnd type="arrow"/>
+              </a:ln>
+            </p:spPr>
+            <p:style>
+              <a:lnRef idx="1">
+                <a:schemeClr val="accent1"/>
+              </a:lnRef>
+              <a:fillRef idx="0">
+                <a:schemeClr val="accent1"/>
+              </a:fillRef>
+              <a:effectRef idx="0">
+                <a:schemeClr val="accent1"/>
+              </a:effectRef>
+              <a:fontRef idx="minor">
+                <a:schemeClr val="tx1"/>
+              </a:fontRef>
+            </p:style>
+          </p:cxnSp>
+          <p:sp>
+            <p:nvSpPr>
+              <p:cNvPr id="187" name="TextBox 186">
+                <a:extLst>
+                  <a:ext uri="{FF2B5EF4-FFF2-40B4-BE49-F238E27FC236}">
+                    <a16:creationId xmlns:a16="http://schemas.microsoft.com/office/drawing/2014/main" id="{BB602E7C-0419-4672-9191-7AA285BE20D2}"/>
+                  </a:ext>
+                </a:extLst>
+              </p:cNvPr>
+              <p:cNvSpPr txBox="1"/>
+              <p:nvPr/>
+            </p:nvSpPr>
+            <p:spPr>
+              <a:xfrm>
+                <a:off x="4880397" y="5040020"/>
+                <a:ext cx="2784716" cy="215444"/>
+              </a:xfrm>
+              <a:prstGeom prst="rect">
+                <a:avLst/>
+              </a:prstGeom>
+              <a:noFill/>
+            </p:spPr>
+            <p:txBody>
+              <a:bodyPr wrap="square" lIns="0" tIns="0" rIns="0" bIns="0" rtlCol="0">
+                <a:spAutoFit/>
+              </a:bodyPr>
+              <a:lstStyle/>
+              <a:p>
+                <a:pPr algn="r"/>
+                <a:r>
+                  <a:rPr lang="en-US" sz="1400" dirty="0" err="1">
+                    <a:solidFill>
+                      <a:srgbClr val="0070C0"/>
+                    </a:solidFill>
+                  </a:rPr>
+                  <a:t>SummaryByDate</a:t>
+                </a:r>
+                <a:r>
+                  <a:rPr lang="en-US" sz="1400" dirty="0">
+                    <a:solidFill>
+                      <a:srgbClr val="0070C0"/>
+                    </a:solidFill>
+                  </a:rPr>
+                  <a:t>(</a:t>
+                </a:r>
+                <a:r>
+                  <a:rPr lang="en-US" sz="1400" dirty="0" err="1">
+                    <a:solidFill>
+                      <a:srgbClr val="0070C0"/>
+                    </a:solidFill>
+                  </a:rPr>
+                  <a:t>filteredList</a:t>
+                </a:r>
+                <a:r>
+                  <a:rPr lang="en-US" sz="1400" dirty="0">
+                    <a:solidFill>
+                      <a:srgbClr val="0070C0"/>
+                    </a:solidFill>
+                  </a:rPr>
+                  <a:t>)</a:t>
+                </a:r>
+              </a:p>
+            </p:txBody>
+          </p:sp>
+          <p:cxnSp>
+            <p:nvCxnSpPr>
+              <p:cNvPr id="188" name="Straight Arrow Connector 187">
+                <a:extLst>
+                  <a:ext uri="{FF2B5EF4-FFF2-40B4-BE49-F238E27FC236}">
+                    <a16:creationId xmlns:a16="http://schemas.microsoft.com/office/drawing/2014/main" id="{6061D33D-03D4-42FB-9D9F-99BB26FEBFC9}"/>
+                  </a:ext>
+                </a:extLst>
+              </p:cNvPr>
+              <p:cNvCxnSpPr>
+                <a:cxnSpLocks/>
+              </p:cNvCxnSpPr>
+              <p:nvPr/>
+            </p:nvCxnSpPr>
+            <p:spPr>
+              <a:xfrm>
+                <a:off x="4343400" y="5864835"/>
+                <a:ext cx="6336431" cy="0"/>
+              </a:xfrm>
+              <a:prstGeom prst="straightConnector1">
+                <a:avLst/>
+              </a:prstGeom>
+              <a:ln w="19050">
+                <a:solidFill>
+                  <a:srgbClr val="7030A0"/>
+                </a:solidFill>
+                <a:prstDash val="sysDash"/>
+                <a:headEnd type="arrow" w="med" len="med"/>
+                <a:tailEnd type="none" w="med" len="med"/>
+              </a:ln>
+            </p:spPr>
+            <p:style>
+              <a:lnRef idx="1">
+                <a:schemeClr val="accent1"/>
+              </a:lnRef>
+              <a:fillRef idx="0">
+                <a:schemeClr val="accent1"/>
+              </a:fillRef>
+              <a:effectRef idx="0">
+                <a:schemeClr val="accent1"/>
+              </a:effectRef>
+              <a:fontRef idx="minor">
+                <a:schemeClr val="tx1"/>
+              </a:fontRef>
+            </p:style>
+          </p:cxnSp>
+          <p:sp>
+            <p:nvSpPr>
+              <p:cNvPr id="189" name="TextBox 188">
+                <a:extLst>
+                  <a:ext uri="{FF2B5EF4-FFF2-40B4-BE49-F238E27FC236}">
+                    <a16:creationId xmlns:a16="http://schemas.microsoft.com/office/drawing/2014/main" id="{2AABBD47-F5D5-4D0B-934B-10CCDEDA3054}"/>
+                  </a:ext>
+                </a:extLst>
+              </p:cNvPr>
+              <p:cNvSpPr txBox="1"/>
+              <p:nvPr/>
+            </p:nvSpPr>
+            <p:spPr>
+              <a:xfrm>
+                <a:off x="6452596" y="5652387"/>
+                <a:ext cx="1018775" cy="184666"/>
+              </a:xfrm>
+              <a:prstGeom prst="rect">
+                <a:avLst/>
+              </a:prstGeom>
+              <a:noFill/>
+              <a:ln>
+                <a:noFill/>
+              </a:ln>
+            </p:spPr>
+            <p:txBody>
+              <a:bodyPr wrap="square" lIns="0" tIns="0" rIns="0" bIns="0" rtlCol="0">
+                <a:spAutoFit/>
+              </a:bodyPr>
+              <a:lstStyle>
+                <a:defPPr>
+                  <a:defRPr lang="en-US"/>
+                </a:defPPr>
+                <a:lvl1pPr algn="r">
+                  <a:defRPr sz="1400">
+                    <a:solidFill>
+                      <a:srgbClr val="0070C0"/>
+                    </a:solidFill>
+                  </a:defRPr>
+                </a:lvl1pPr>
+              </a:lstStyle>
+              <a:p>
+                <a:r>
+                  <a:rPr lang="en-US" sz="1200" dirty="0" err="1">
+                    <a:solidFill>
+                      <a:schemeClr val="accent4">
+                        <a:lumMod val="75000"/>
+                      </a:schemeClr>
+                    </a:solidFill>
+                  </a:rPr>
+                  <a:t>summaryList</a:t>
+                </a:r>
+                <a:endParaRPr lang="en-US" sz="1200" dirty="0">
+                  <a:solidFill>
+                    <a:schemeClr val="accent4">
+                      <a:lumMod val="75000"/>
+                    </a:schemeClr>
+                  </a:solidFill>
+                </a:endParaRPr>
+              </a:p>
+            </p:txBody>
+          </p:sp>
+          <p:cxnSp>
+            <p:nvCxnSpPr>
+              <p:cNvPr id="190" name="Straight Arrow Connector 189">
+                <a:extLst>
+                  <a:ext uri="{FF2B5EF4-FFF2-40B4-BE49-F238E27FC236}">
+                    <a16:creationId xmlns:a16="http://schemas.microsoft.com/office/drawing/2014/main" id="{53B518DC-73B9-4B5A-B994-74F66D71E914}"/>
+                  </a:ext>
+                </a:extLst>
+              </p:cNvPr>
+              <p:cNvCxnSpPr>
+                <a:cxnSpLocks/>
+              </p:cNvCxnSpPr>
+              <p:nvPr/>
+            </p:nvCxnSpPr>
+            <p:spPr>
+              <a:xfrm>
+                <a:off x="4333604" y="6420782"/>
+                <a:ext cx="8467996" cy="0"/>
+              </a:xfrm>
+              <a:prstGeom prst="straightConnector1">
+                <a:avLst/>
+              </a:prstGeom>
+              <a:ln w="19050">
                 <a:solidFill>
                   <a:srgbClr val="0070C0"/>
                 </a:solidFill>
-              </a:defRPr>
-            </a:lvl1pPr>
-          </a:lstStyle>
-          <a:p>
-            <a:r>
-              <a:rPr lang="en-US" dirty="0"/>
-              <a:t>s</a:t>
-            </a:r>
-          </a:p>
-        </p:txBody>
-      </p:sp>
-      <p:cxnSp>
-        <p:nvCxnSpPr>
-          <p:cNvPr id="139" name="Straight Arrow Connector 138">
-            <a:extLst>
-              <a:ext uri="{FF2B5EF4-FFF2-40B4-BE49-F238E27FC236}">
-                <a16:creationId xmlns:a16="http://schemas.microsoft.com/office/drawing/2014/main" id="{6C54E9E4-7111-47B1-B999-A87F4CEF553B}"/>
-              </a:ext>
-            </a:extLst>
-          </p:cNvPr>
-          <p:cNvCxnSpPr>
-            <a:cxnSpLocks/>
-          </p:cNvCxnSpPr>
-          <p:nvPr/>
-        </p:nvCxnSpPr>
-        <p:spPr>
-          <a:xfrm>
-            <a:off x="3024069" y="3276600"/>
-            <a:ext cx="1267920" cy="0"/>
-          </a:xfrm>
-          <a:prstGeom prst="straightConnector1">
-            <a:avLst/>
-          </a:prstGeom>
-          <a:ln w="19050">
-            <a:solidFill>
-              <a:srgbClr val="0070C0"/>
-            </a:solidFill>
-            <a:prstDash val="sysDash"/>
-            <a:headEnd type="arrow" w="med" len="med"/>
-            <a:tailEnd type="none" w="med" len="med"/>
-          </a:ln>
-        </p:spPr>
-        <p:style>
-          <a:lnRef idx="1">
-            <a:schemeClr val="accent1"/>
-          </a:lnRef>
-          <a:fillRef idx="0">
-            <a:schemeClr val="accent1"/>
-          </a:fillRef>
-          <a:effectRef idx="0">
-            <a:schemeClr val="accent1"/>
-          </a:effectRef>
-          <a:fontRef idx="minor">
-            <a:schemeClr val="tx1"/>
-          </a:fontRef>
-        </p:style>
-      </p:cxnSp>
-      <p:cxnSp>
-        <p:nvCxnSpPr>
-          <p:cNvPr id="141" name="Straight Arrow Connector 140">
-            <a:extLst>
-              <a:ext uri="{FF2B5EF4-FFF2-40B4-BE49-F238E27FC236}">
-                <a16:creationId xmlns:a16="http://schemas.microsoft.com/office/drawing/2014/main" id="{BE5C53EE-CBFB-4D2C-AE06-47E5653B3833}"/>
-              </a:ext>
-            </a:extLst>
-          </p:cNvPr>
-          <p:cNvCxnSpPr>
-            <a:cxnSpLocks/>
-          </p:cNvCxnSpPr>
-          <p:nvPr/>
-        </p:nvCxnSpPr>
-        <p:spPr>
-          <a:xfrm>
-            <a:off x="3024069" y="1787703"/>
-            <a:ext cx="1242420" cy="0"/>
-          </a:xfrm>
-          <a:prstGeom prst="straightConnector1">
-            <a:avLst/>
-          </a:prstGeom>
-          <a:ln w="19050">
-            <a:solidFill>
-              <a:srgbClr val="0070C0"/>
-            </a:solidFill>
-            <a:tailEnd type="arrow"/>
-          </a:ln>
-        </p:spPr>
-        <p:style>
-          <a:lnRef idx="1">
-            <a:schemeClr val="accent1"/>
-          </a:lnRef>
-          <a:fillRef idx="0">
-            <a:schemeClr val="accent1"/>
-          </a:fillRef>
-          <a:effectRef idx="0">
-            <a:schemeClr val="accent1"/>
-          </a:effectRef>
-          <a:fontRef idx="minor">
-            <a:schemeClr val="tx1"/>
-          </a:fontRef>
-        </p:style>
-      </p:cxnSp>
-      <p:sp>
-        <p:nvSpPr>
-          <p:cNvPr id="143" name="TextBox 142">
-            <a:extLst>
-              <a:ext uri="{FF2B5EF4-FFF2-40B4-BE49-F238E27FC236}">
-                <a16:creationId xmlns:a16="http://schemas.microsoft.com/office/drawing/2014/main" id="{8CD9C782-86EF-48C6-AD15-450D46ED9F10}"/>
-              </a:ext>
-            </a:extLst>
-          </p:cNvPr>
-          <p:cNvSpPr txBox="1"/>
-          <p:nvPr/>
-        </p:nvSpPr>
-        <p:spPr>
-          <a:xfrm>
-            <a:off x="3211558" y="1739630"/>
-            <a:ext cx="710665" cy="215444"/>
-          </a:xfrm>
-          <a:prstGeom prst="rect">
-            <a:avLst/>
-          </a:prstGeom>
-          <a:noFill/>
-        </p:spPr>
-        <p:txBody>
-          <a:bodyPr wrap="square" lIns="0" tIns="0" rIns="0" bIns="0" rtlCol="0">
-            <a:spAutoFit/>
-          </a:bodyPr>
-          <a:lstStyle>
-            <a:defPPr>
-              <a:defRPr lang="en-US"/>
-            </a:defPPr>
-            <a:lvl1pPr algn="r">
-              <a:defRPr sz="1400">
+                <a:tailEnd type="arrow"/>
+              </a:ln>
+            </p:spPr>
+            <p:style>
+              <a:lnRef idx="1">
+                <a:schemeClr val="accent1"/>
+              </a:lnRef>
+              <a:fillRef idx="0">
+                <a:schemeClr val="accent1"/>
+              </a:fillRef>
+              <a:effectRef idx="0">
+                <a:schemeClr val="accent1"/>
+              </a:effectRef>
+              <a:fontRef idx="minor">
+                <a:schemeClr val="tx1"/>
+              </a:fontRef>
+            </p:style>
+          </p:cxnSp>
+          <p:sp>
+            <p:nvSpPr>
+              <p:cNvPr id="191" name="TextBox 190">
+                <a:extLst>
+                  <a:ext uri="{FF2B5EF4-FFF2-40B4-BE49-F238E27FC236}">
+                    <a16:creationId xmlns:a16="http://schemas.microsoft.com/office/drawing/2014/main" id="{6680EBA5-3E65-432F-8FEA-3ABD84CC470D}"/>
+                  </a:ext>
+                </a:extLst>
+              </p:cNvPr>
+              <p:cNvSpPr txBox="1"/>
+              <p:nvPr/>
+            </p:nvSpPr>
+            <p:spPr>
+              <a:xfrm>
+                <a:off x="5277281" y="6122663"/>
+                <a:ext cx="3942911" cy="215444"/>
+              </a:xfrm>
+              <a:prstGeom prst="rect">
+                <a:avLst/>
+              </a:prstGeom>
+              <a:noFill/>
+            </p:spPr>
+            <p:txBody>
+              <a:bodyPr wrap="square" lIns="0" tIns="0" rIns="0" bIns="0" rtlCol="0">
+                <a:spAutoFit/>
+              </a:bodyPr>
+              <a:lstStyle/>
+              <a:p>
+                <a:pPr algn="r"/>
+                <a:r>
+                  <a:rPr lang="en-US" sz="1400" dirty="0">
+                    <a:solidFill>
+                      <a:srgbClr val="0070C0"/>
+                    </a:solidFill>
+                  </a:rPr>
+                  <a:t>post new </a:t>
+                </a:r>
+                <a:r>
+                  <a:rPr lang="en-US" sz="1400" dirty="0" err="1">
+                    <a:solidFill>
+                      <a:srgbClr val="0070C0"/>
+                    </a:solidFill>
+                  </a:rPr>
+                  <a:t>ShowSummaryTableEvent</a:t>
+                </a:r>
+                <a:r>
+                  <a:rPr lang="en-US" sz="1400" dirty="0">
+                    <a:solidFill>
+                      <a:srgbClr val="0070C0"/>
+                    </a:solidFill>
+                  </a:rPr>
+                  <a:t>(</a:t>
+                </a:r>
+                <a:r>
+                  <a:rPr lang="en-US" sz="1400" dirty="0" err="1">
+                    <a:solidFill>
+                      <a:srgbClr val="0070C0"/>
+                    </a:solidFill>
+                  </a:rPr>
+                  <a:t>summaryList</a:t>
+                </a:r>
+                <a:r>
+                  <a:rPr lang="en-US" sz="1400" dirty="0">
+                    <a:solidFill>
+                      <a:srgbClr val="0070C0"/>
+                    </a:solidFill>
+                  </a:rPr>
+                  <a:t>)</a:t>
+                </a:r>
+              </a:p>
+            </p:txBody>
+          </p:sp>
+          <p:cxnSp>
+            <p:nvCxnSpPr>
+              <p:cNvPr id="193" name="Straight Arrow Connector 192">
+                <a:extLst>
+                  <a:ext uri="{FF2B5EF4-FFF2-40B4-BE49-F238E27FC236}">
+                    <a16:creationId xmlns:a16="http://schemas.microsoft.com/office/drawing/2014/main" id="{71A6FF06-D1C8-438B-8165-025C49336094}"/>
+                  </a:ext>
+                </a:extLst>
+              </p:cNvPr>
+              <p:cNvCxnSpPr>
+                <a:cxnSpLocks/>
+              </p:cNvCxnSpPr>
+              <p:nvPr/>
+            </p:nvCxnSpPr>
+            <p:spPr>
+              <a:xfrm>
+                <a:off x="-2096741" y="6629544"/>
+                <a:ext cx="6265267" cy="0"/>
+              </a:xfrm>
+              <a:prstGeom prst="straightConnector1">
+                <a:avLst/>
+              </a:prstGeom>
+              <a:ln w="19050">
                 <a:solidFill>
                   <a:srgbClr val="0070C0"/>
                 </a:solidFill>
-              </a:defRPr>
-            </a:lvl1pPr>
-          </a:lstStyle>
-          <a:p>
-            <a:r>
-              <a:rPr lang="en-US" dirty="0" err="1"/>
-              <a:t>p.parse</a:t>
-            </a:r>
-            <a:r>
-              <a:rPr lang="en-US" dirty="0"/>
-              <a:t>()</a:t>
-            </a:r>
-          </a:p>
-        </p:txBody>
-      </p:sp>
-      <p:sp>
-        <p:nvSpPr>
-          <p:cNvPr id="146" name="TextBox 145">
-            <a:extLst>
-              <a:ext uri="{FF2B5EF4-FFF2-40B4-BE49-F238E27FC236}">
-                <a16:creationId xmlns:a16="http://schemas.microsoft.com/office/drawing/2014/main" id="{35030AD3-1A78-4F99-A59D-5791E668A8E8}"/>
-              </a:ext>
-            </a:extLst>
-          </p:cNvPr>
-          <p:cNvSpPr txBox="1"/>
-          <p:nvPr/>
-        </p:nvSpPr>
-        <p:spPr>
-          <a:xfrm>
-            <a:off x="3544791" y="3053686"/>
-            <a:ext cx="106140" cy="222714"/>
-          </a:xfrm>
-          <a:prstGeom prst="rect">
-            <a:avLst/>
-          </a:prstGeom>
-          <a:noFill/>
-        </p:spPr>
-        <p:txBody>
-          <a:bodyPr wrap="square" lIns="0" tIns="0" rIns="0" bIns="0" rtlCol="0">
-            <a:spAutoFit/>
-          </a:bodyPr>
-          <a:lstStyle>
-            <a:defPPr>
-              <a:defRPr lang="en-US"/>
-            </a:defPPr>
-            <a:lvl1pPr algn="r">
-              <a:defRPr sz="1400">
+                <a:prstDash val="sysDash"/>
+                <a:headEnd type="arrow" w="med" len="med"/>
+                <a:tailEnd type="none" w="med" len="med"/>
+              </a:ln>
+            </p:spPr>
+            <p:style>
+              <a:lnRef idx="1">
+                <a:schemeClr val="accent1"/>
+              </a:lnRef>
+              <a:fillRef idx="0">
+                <a:schemeClr val="accent1"/>
+              </a:fillRef>
+              <a:effectRef idx="0">
+                <a:schemeClr val="accent1"/>
+              </a:effectRef>
+              <a:fontRef idx="minor">
+                <a:schemeClr val="tx1"/>
+              </a:fontRef>
+            </p:style>
+          </p:cxnSp>
+          <p:sp>
+            <p:nvSpPr>
+              <p:cNvPr id="194" name="TextBox 193">
+                <a:extLst>
+                  <a:ext uri="{FF2B5EF4-FFF2-40B4-BE49-F238E27FC236}">
+                    <a16:creationId xmlns:a16="http://schemas.microsoft.com/office/drawing/2014/main" id="{52087F24-B286-4384-BDBC-D10D16523F7D}"/>
+                  </a:ext>
+                </a:extLst>
+              </p:cNvPr>
+              <p:cNvSpPr txBox="1"/>
+              <p:nvPr/>
+            </p:nvSpPr>
+            <p:spPr>
+              <a:xfrm>
+                <a:off x="-249432" y="6322723"/>
+                <a:ext cx="1603614" cy="215444"/>
+              </a:xfrm>
+              <a:prstGeom prst="rect">
+                <a:avLst/>
+              </a:prstGeom>
+              <a:noFill/>
+            </p:spPr>
+            <p:txBody>
+              <a:bodyPr wrap="square" lIns="0" tIns="0" rIns="0" bIns="0" rtlCol="0">
+                <a:spAutoFit/>
+              </a:bodyPr>
+              <a:lstStyle/>
+              <a:p>
+                <a:pPr algn="r"/>
+                <a:r>
+                  <a:rPr lang="en-US" sz="1400" dirty="0">
+                    <a:solidFill>
+                      <a:srgbClr val="0070C0"/>
+                    </a:solidFill>
+                  </a:rPr>
+                  <a:t>result</a:t>
+                </a:r>
+              </a:p>
+            </p:txBody>
+          </p:sp>
+          <p:sp>
+            <p:nvSpPr>
+              <p:cNvPr id="195" name="TextBox 194">
+                <a:extLst>
+                  <a:ext uri="{FF2B5EF4-FFF2-40B4-BE49-F238E27FC236}">
+                    <a16:creationId xmlns:a16="http://schemas.microsoft.com/office/drawing/2014/main" id="{44F47C80-D8A7-4064-8301-69D44E290375}"/>
+                  </a:ext>
+                </a:extLst>
+              </p:cNvPr>
+              <p:cNvSpPr txBox="1"/>
+              <p:nvPr/>
+            </p:nvSpPr>
+            <p:spPr>
+              <a:xfrm>
+                <a:off x="-4205169" y="6543012"/>
+                <a:ext cx="1603614" cy="215444"/>
+              </a:xfrm>
+              <a:prstGeom prst="rect">
+                <a:avLst/>
+              </a:prstGeom>
+              <a:noFill/>
+            </p:spPr>
+            <p:txBody>
+              <a:bodyPr wrap="square" lIns="0" tIns="0" rIns="0" bIns="0" rtlCol="0">
+                <a:spAutoFit/>
+              </a:bodyPr>
+              <a:lstStyle/>
+              <a:p>
+                <a:pPr algn="r"/>
+                <a:r>
+                  <a:rPr lang="en-US" sz="1400" dirty="0">
+                    <a:solidFill>
+                      <a:srgbClr val="0070C0"/>
+                    </a:solidFill>
+                  </a:rPr>
+                  <a:t>result</a:t>
+                </a:r>
+              </a:p>
+            </p:txBody>
+          </p:sp>
+          <p:cxnSp>
+            <p:nvCxnSpPr>
+              <p:cNvPr id="196" name="Straight Arrow Connector 195">
+                <a:extLst>
+                  <a:ext uri="{FF2B5EF4-FFF2-40B4-BE49-F238E27FC236}">
+                    <a16:creationId xmlns:a16="http://schemas.microsoft.com/office/drawing/2014/main" id="{5F6A9FA3-20F0-4274-8705-3B3C0E121000}"/>
+                  </a:ext>
+                </a:extLst>
+              </p:cNvPr>
+              <p:cNvCxnSpPr>
+                <a:cxnSpLocks/>
+              </p:cNvCxnSpPr>
+              <p:nvPr/>
+            </p:nvCxnSpPr>
+            <p:spPr>
+              <a:xfrm>
+                <a:off x="-3813526" y="6858000"/>
+                <a:ext cx="1551920" cy="0"/>
+              </a:xfrm>
+              <a:prstGeom prst="straightConnector1">
+                <a:avLst/>
+              </a:prstGeom>
+              <a:ln w="19050">
                 <a:solidFill>
                   <a:srgbClr val="0070C0"/>
                 </a:solidFill>
-              </a:defRPr>
-            </a:lvl1pPr>
-          </a:lstStyle>
-          <a:p>
-            <a:r>
-              <a:rPr lang="en-US" dirty="0"/>
-              <a:t>s</a:t>
-            </a:r>
-          </a:p>
-        </p:txBody>
-      </p:sp>
-      <p:cxnSp>
-        <p:nvCxnSpPr>
-          <p:cNvPr id="148" name="Straight Connector 147">
-            <a:extLst>
-              <a:ext uri="{FF2B5EF4-FFF2-40B4-BE49-F238E27FC236}">
-                <a16:creationId xmlns:a16="http://schemas.microsoft.com/office/drawing/2014/main" id="{391BC857-B4D3-47C5-B46C-479C6EEF8F6B}"/>
-              </a:ext>
-            </a:extLst>
-          </p:cNvPr>
-          <p:cNvCxnSpPr>
-            <a:cxnSpLocks/>
-          </p:cNvCxnSpPr>
-          <p:nvPr/>
-        </p:nvCxnSpPr>
-        <p:spPr>
-          <a:xfrm flipH="1">
-            <a:off x="4356472" y="1079004"/>
-            <a:ext cx="1" cy="2349996"/>
-          </a:xfrm>
-          <a:prstGeom prst="line">
-            <a:avLst/>
-          </a:prstGeom>
-          <a:ln w="19050">
-            <a:solidFill>
-              <a:srgbClr val="0070C0"/>
-            </a:solidFill>
-            <a:prstDash val="sysDash"/>
-          </a:ln>
-          <a:effectLst/>
-        </p:spPr>
-        <p:style>
-          <a:lnRef idx="1">
-            <a:schemeClr val="accent1"/>
-          </a:lnRef>
-          <a:fillRef idx="2">
-            <a:schemeClr val="accent1"/>
-          </a:fillRef>
-          <a:effectRef idx="1">
-            <a:schemeClr val="accent1"/>
-          </a:effectRef>
-          <a:fontRef idx="minor">
-            <a:schemeClr val="dk1"/>
-          </a:fontRef>
-        </p:style>
-      </p:cxnSp>
-      <p:sp>
-        <p:nvSpPr>
-          <p:cNvPr id="19" name="Rectangle 62"/>
-          <p:cNvSpPr/>
-          <p:nvPr/>
-        </p:nvSpPr>
-        <p:spPr>
-          <a:xfrm>
-            <a:off x="3796147" y="775042"/>
-            <a:ext cx="1173497" cy="724530"/>
-          </a:xfrm>
-          <a:prstGeom prst="rect">
-            <a:avLst/>
-          </a:prstGeom>
-          <a:solidFill>
-            <a:srgbClr val="0070C0"/>
-          </a:solidFill>
-          <a:ln w="19050">
-            <a:solidFill>
-              <a:srgbClr val="0070C0"/>
-            </a:solidFill>
-          </a:ln>
-          <a:effectLst/>
-        </p:spPr>
-        <p:style>
-          <a:lnRef idx="1">
-            <a:schemeClr val="accent2"/>
-          </a:lnRef>
-          <a:fillRef idx="2">
-            <a:schemeClr val="accent2"/>
-          </a:fillRef>
-          <a:effectRef idx="1">
-            <a:schemeClr val="accent2"/>
-          </a:effectRef>
-          <a:fontRef idx="minor">
-            <a:schemeClr val="dk1"/>
-          </a:fontRef>
-        </p:style>
-        <p:txBody>
-          <a:bodyPr rtlCol="0" anchor="ctr"/>
-          <a:lstStyle/>
-          <a:p>
-            <a:pPr algn="ctr"/>
-            <a:r>
-              <a:rPr lang="en-US" sz="1600" dirty="0">
-                <a:solidFill>
-                  <a:schemeClr val="bg1"/>
-                </a:solidFill>
-              </a:rPr>
-              <a:t>p:Summary</a:t>
-            </a:r>
-            <a:br>
-              <a:rPr lang="en-US" sz="1600" dirty="0">
-                <a:solidFill>
-                  <a:schemeClr val="bg1"/>
-                </a:solidFill>
-              </a:rPr>
-            </a:br>
-            <a:r>
-              <a:rPr lang="en-US" sz="1600" dirty="0">
-                <a:solidFill>
-                  <a:schemeClr val="bg1"/>
-                </a:solidFill>
-              </a:rPr>
-              <a:t>Command</a:t>
-            </a:r>
-          </a:p>
-          <a:p>
-            <a:pPr algn="ctr"/>
-            <a:r>
-              <a:rPr lang="en-US" sz="1600" dirty="0">
-                <a:solidFill>
-                  <a:schemeClr val="bg1"/>
-                </a:solidFill>
-              </a:rPr>
-              <a:t>Parser</a:t>
-            </a:r>
-            <a:endParaRPr lang="en-SG" sz="1600" dirty="0">
-              <a:solidFill>
-                <a:schemeClr val="bg1"/>
-              </a:solidFill>
-            </a:endParaRPr>
-          </a:p>
-        </p:txBody>
-      </p:sp>
-      <p:sp>
-        <p:nvSpPr>
-          <p:cNvPr id="65" name="Rectangle 64"/>
-          <p:cNvSpPr/>
-          <p:nvPr/>
-        </p:nvSpPr>
-        <p:spPr>
-          <a:xfrm>
-            <a:off x="4269179" y="1801018"/>
-            <a:ext cx="161322" cy="1475582"/>
-          </a:xfrm>
-          <a:prstGeom prst="rect">
-            <a:avLst/>
-          </a:prstGeom>
-          <a:solidFill>
-            <a:srgbClr val="0070C0"/>
-          </a:solidFill>
-          <a:ln>
-            <a:solidFill>
-              <a:srgbClr val="0070C0"/>
-            </a:solidFill>
-          </a:ln>
-          <a:effectLst/>
-        </p:spPr>
-        <p:style>
-          <a:lnRef idx="1">
-            <a:schemeClr val="accent3"/>
-          </a:lnRef>
-          <a:fillRef idx="2">
-            <a:schemeClr val="accent3"/>
-          </a:fillRef>
-          <a:effectRef idx="1">
-            <a:schemeClr val="accent3"/>
-          </a:effectRef>
-          <a:fontRef idx="minor">
-            <a:schemeClr val="dk1"/>
-          </a:fontRef>
-        </p:style>
-        <p:txBody>
-          <a:bodyPr rtlCol="0" anchor="ctr"/>
-          <a:lstStyle/>
-          <a:p>
-            <a:pPr algn="ctr"/>
-            <a:endParaRPr lang="en-SG" sz="1400"/>
-          </a:p>
-        </p:txBody>
-      </p:sp>
-      <p:sp>
-        <p:nvSpPr>
-          <p:cNvPr id="55" name="Rectangle 54">
-            <a:extLst>
-              <a:ext uri="{FF2B5EF4-FFF2-40B4-BE49-F238E27FC236}">
-                <a16:creationId xmlns:a16="http://schemas.microsoft.com/office/drawing/2014/main" id="{E431D4D4-29A1-4C32-9192-2399861C673D}"/>
-              </a:ext>
-            </a:extLst>
-          </p:cNvPr>
-          <p:cNvSpPr/>
-          <p:nvPr/>
-        </p:nvSpPr>
-        <p:spPr>
-          <a:xfrm>
-            <a:off x="4353648" y="1915850"/>
-            <a:ext cx="161322" cy="1284543"/>
-          </a:xfrm>
-          <a:prstGeom prst="rect">
-            <a:avLst/>
-          </a:prstGeom>
-          <a:solidFill>
-            <a:srgbClr val="0070C0"/>
-          </a:solidFill>
-          <a:ln w="22225">
-            <a:solidFill>
-              <a:srgbClr val="335A89"/>
-            </a:solidFill>
-          </a:ln>
-          <a:effectLst/>
-        </p:spPr>
-        <p:style>
-          <a:lnRef idx="1">
-            <a:schemeClr val="accent3"/>
-          </a:lnRef>
-          <a:fillRef idx="2">
-            <a:schemeClr val="accent3"/>
-          </a:fillRef>
-          <a:effectRef idx="1">
-            <a:schemeClr val="accent3"/>
-          </a:effectRef>
-          <a:fontRef idx="minor">
-            <a:schemeClr val="dk1"/>
-          </a:fontRef>
-        </p:style>
-        <p:txBody>
-          <a:bodyPr rtlCol="0" anchor="ctr"/>
-          <a:lstStyle/>
-          <a:p>
-            <a:pPr algn="ctr"/>
-            <a:endParaRPr lang="en-SG" sz="1400"/>
-          </a:p>
-        </p:txBody>
-      </p:sp>
-      <p:cxnSp>
-        <p:nvCxnSpPr>
-          <p:cNvPr id="150" name="Straight Arrow Connector 149">
-            <a:extLst>
-              <a:ext uri="{FF2B5EF4-FFF2-40B4-BE49-F238E27FC236}">
-                <a16:creationId xmlns:a16="http://schemas.microsoft.com/office/drawing/2014/main" id="{B78F1FBE-7631-4274-B299-6E5F2A07BC4C}"/>
-              </a:ext>
-            </a:extLst>
-          </p:cNvPr>
-          <p:cNvCxnSpPr>
-            <a:cxnSpLocks/>
-          </p:cNvCxnSpPr>
-          <p:nvPr/>
-        </p:nvCxnSpPr>
-        <p:spPr>
-          <a:xfrm>
-            <a:off x="907163" y="3337561"/>
-            <a:ext cx="1897682" cy="0"/>
-          </a:xfrm>
-          <a:prstGeom prst="straightConnector1">
-            <a:avLst/>
-          </a:prstGeom>
-          <a:ln w="19050">
-            <a:solidFill>
-              <a:srgbClr val="0070C0"/>
-            </a:solidFill>
-            <a:prstDash val="sysDash"/>
-            <a:headEnd type="arrow" w="med" len="med"/>
-            <a:tailEnd type="none" w="med" len="med"/>
-          </a:ln>
-        </p:spPr>
-        <p:style>
-          <a:lnRef idx="1">
-            <a:schemeClr val="accent1"/>
-          </a:lnRef>
-          <a:fillRef idx="0">
-            <a:schemeClr val="accent1"/>
-          </a:fillRef>
-          <a:effectRef idx="0">
-            <a:schemeClr val="accent1"/>
-          </a:effectRef>
-          <a:fontRef idx="minor">
-            <a:schemeClr val="tx1"/>
-          </a:fontRef>
-        </p:style>
-      </p:cxnSp>
-      <p:sp>
-        <p:nvSpPr>
-          <p:cNvPr id="152" name="TextBox 151">
-            <a:extLst>
-              <a:ext uri="{FF2B5EF4-FFF2-40B4-BE49-F238E27FC236}">
-                <a16:creationId xmlns:a16="http://schemas.microsoft.com/office/drawing/2014/main" id="{0DFDB5FD-9C05-4AC6-98AD-54FCF2FC2A9B}"/>
-              </a:ext>
-            </a:extLst>
-          </p:cNvPr>
-          <p:cNvSpPr txBox="1"/>
-          <p:nvPr/>
-        </p:nvSpPr>
-        <p:spPr>
-          <a:xfrm>
-            <a:off x="1649953" y="3122226"/>
-            <a:ext cx="106140" cy="222714"/>
-          </a:xfrm>
-          <a:prstGeom prst="rect">
-            <a:avLst/>
-          </a:prstGeom>
-          <a:noFill/>
-        </p:spPr>
-        <p:txBody>
-          <a:bodyPr wrap="square" lIns="0" tIns="0" rIns="0" bIns="0" rtlCol="0">
-            <a:spAutoFit/>
-          </a:bodyPr>
-          <a:lstStyle>
-            <a:defPPr>
-              <a:defRPr lang="en-US"/>
-            </a:defPPr>
-            <a:lvl1pPr algn="r">
-              <a:defRPr sz="1400">
-                <a:solidFill>
-                  <a:srgbClr val="0070C0"/>
-                </a:solidFill>
-              </a:defRPr>
-            </a:lvl1pPr>
-          </a:lstStyle>
-          <a:p>
-            <a:r>
-              <a:rPr lang="en-US" dirty="0"/>
-              <a:t>s</a:t>
-            </a:r>
-          </a:p>
-        </p:txBody>
-      </p:sp>
-      <p:cxnSp>
-        <p:nvCxnSpPr>
-          <p:cNvPr id="154" name="Straight Connector 153">
-            <a:extLst>
-              <a:ext uri="{FF2B5EF4-FFF2-40B4-BE49-F238E27FC236}">
-                <a16:creationId xmlns:a16="http://schemas.microsoft.com/office/drawing/2014/main" id="{B6F055ED-823F-4F1E-94D8-9CCC4FA8B176}"/>
-              </a:ext>
-            </a:extLst>
-          </p:cNvPr>
-          <p:cNvCxnSpPr>
-            <a:cxnSpLocks/>
-          </p:cNvCxnSpPr>
-          <p:nvPr/>
-        </p:nvCxnSpPr>
-        <p:spPr>
-          <a:xfrm>
-            <a:off x="6158226" y="2464159"/>
-            <a:ext cx="0" cy="5079641"/>
-          </a:xfrm>
-          <a:prstGeom prst="line">
-            <a:avLst/>
-          </a:prstGeom>
-          <a:ln w="19050">
-            <a:solidFill>
-              <a:srgbClr val="0070C0"/>
-            </a:solidFill>
-            <a:prstDash val="sysDash"/>
-          </a:ln>
-          <a:effectLst/>
-        </p:spPr>
-        <p:style>
-          <a:lnRef idx="1">
-            <a:schemeClr val="accent1"/>
-          </a:lnRef>
-          <a:fillRef idx="2">
-            <a:schemeClr val="accent1"/>
-          </a:fillRef>
-          <a:effectRef idx="1">
-            <a:schemeClr val="accent1"/>
-          </a:effectRef>
-          <a:fontRef idx="minor">
-            <a:schemeClr val="dk1"/>
-          </a:fontRef>
-        </p:style>
-      </p:cxnSp>
-      <p:sp>
-        <p:nvSpPr>
-          <p:cNvPr id="64" name="Rectangle 62">
-            <a:extLst>
-              <a:ext uri="{FF2B5EF4-FFF2-40B4-BE49-F238E27FC236}">
-                <a16:creationId xmlns:a16="http://schemas.microsoft.com/office/drawing/2014/main" id="{30319E77-14B5-49FB-8C68-98BA6D5FB3A6}"/>
-              </a:ext>
-            </a:extLst>
-          </p:cNvPr>
-          <p:cNvSpPr/>
-          <p:nvPr/>
-        </p:nvSpPr>
-        <p:spPr>
-          <a:xfrm>
-            <a:off x="5640489" y="1842587"/>
-            <a:ext cx="1108618" cy="708939"/>
-          </a:xfrm>
-          <a:prstGeom prst="rect">
-            <a:avLst/>
-          </a:prstGeom>
-          <a:solidFill>
-            <a:srgbClr val="0070C0"/>
-          </a:solidFill>
-          <a:ln w="19050">
-            <a:solidFill>
-              <a:srgbClr val="0070C0"/>
-            </a:solidFill>
-          </a:ln>
-          <a:effectLst/>
-        </p:spPr>
-        <p:style>
-          <a:lnRef idx="1">
-            <a:schemeClr val="accent2"/>
-          </a:lnRef>
-          <a:fillRef idx="2">
-            <a:schemeClr val="accent2"/>
-          </a:fillRef>
-          <a:effectRef idx="1">
-            <a:schemeClr val="accent2"/>
-          </a:effectRef>
-          <a:fontRef idx="minor">
-            <a:schemeClr val="dk1"/>
-          </a:fontRef>
-        </p:style>
-        <p:txBody>
-          <a:bodyPr rtlCol="0" anchor="ctr"/>
-          <a:lstStyle/>
-          <a:p>
-            <a:pPr algn="ctr"/>
-            <a:r>
-              <a:rPr lang="en-SG" sz="1600" dirty="0">
-                <a:solidFill>
-                  <a:schemeClr val="bg1"/>
-                </a:solidFill>
-              </a:rPr>
-              <a:t>s:SummaryByDate</a:t>
-            </a:r>
-          </a:p>
-          <a:p>
-            <a:pPr algn="ctr"/>
-            <a:r>
-              <a:rPr lang="en-SG" sz="1600" dirty="0">
-                <a:solidFill>
-                  <a:schemeClr val="bg1"/>
-                </a:solidFill>
-              </a:rPr>
-              <a:t>Command</a:t>
-            </a:r>
-          </a:p>
-        </p:txBody>
-      </p:sp>
-      <p:sp>
-        <p:nvSpPr>
-          <p:cNvPr id="156" name="Rectangle 155">
-            <a:extLst>
-              <a:ext uri="{FF2B5EF4-FFF2-40B4-BE49-F238E27FC236}">
-                <a16:creationId xmlns:a16="http://schemas.microsoft.com/office/drawing/2014/main" id="{C604FF40-A453-48E0-80C5-903FA88E31BE}"/>
-              </a:ext>
-            </a:extLst>
-          </p:cNvPr>
-          <p:cNvSpPr/>
-          <p:nvPr/>
-        </p:nvSpPr>
-        <p:spPr>
-          <a:xfrm>
-            <a:off x="6073248" y="3655031"/>
-            <a:ext cx="161322" cy="3344343"/>
-          </a:xfrm>
-          <a:prstGeom prst="rect">
-            <a:avLst/>
-          </a:prstGeom>
-          <a:solidFill>
-            <a:srgbClr val="0070C0"/>
-          </a:solidFill>
-          <a:ln>
-            <a:solidFill>
-              <a:srgbClr val="0070C0"/>
-            </a:solidFill>
-          </a:ln>
-          <a:effectLst/>
-        </p:spPr>
-        <p:style>
-          <a:lnRef idx="1">
-            <a:schemeClr val="accent3"/>
-          </a:lnRef>
-          <a:fillRef idx="2">
-            <a:schemeClr val="accent3"/>
-          </a:fillRef>
-          <a:effectRef idx="1">
-            <a:schemeClr val="accent3"/>
-          </a:effectRef>
-          <a:fontRef idx="minor">
-            <a:schemeClr val="dk1"/>
-          </a:fontRef>
-        </p:style>
-        <p:txBody>
-          <a:bodyPr rtlCol="0" anchor="ctr"/>
-          <a:lstStyle/>
-          <a:p>
-            <a:pPr algn="ctr"/>
-            <a:endParaRPr lang="en-SG" sz="1400"/>
-          </a:p>
-        </p:txBody>
-      </p:sp>
-      <p:cxnSp>
-        <p:nvCxnSpPr>
-          <p:cNvPr id="157" name="Straight Arrow Connector 156">
-            <a:extLst>
-              <a:ext uri="{FF2B5EF4-FFF2-40B4-BE49-F238E27FC236}">
-                <a16:creationId xmlns:a16="http://schemas.microsoft.com/office/drawing/2014/main" id="{C28D6BAF-DE51-4FB4-98DD-8689BA5875F9}"/>
-              </a:ext>
-            </a:extLst>
-          </p:cNvPr>
-          <p:cNvCxnSpPr>
-            <a:cxnSpLocks/>
-          </p:cNvCxnSpPr>
-          <p:nvPr/>
-        </p:nvCxnSpPr>
-        <p:spPr>
-          <a:xfrm>
-            <a:off x="907163" y="3645411"/>
-            <a:ext cx="5166085" cy="0"/>
-          </a:xfrm>
-          <a:prstGeom prst="straightConnector1">
-            <a:avLst/>
-          </a:prstGeom>
-          <a:ln w="19050">
-            <a:solidFill>
-              <a:srgbClr val="0070C0"/>
-            </a:solidFill>
-            <a:tailEnd type="arrow"/>
-          </a:ln>
-        </p:spPr>
-        <p:style>
-          <a:lnRef idx="1">
-            <a:schemeClr val="accent1"/>
-          </a:lnRef>
-          <a:fillRef idx="0">
-            <a:schemeClr val="accent1"/>
-          </a:fillRef>
-          <a:effectRef idx="0">
-            <a:schemeClr val="accent1"/>
-          </a:effectRef>
-          <a:fontRef idx="minor">
-            <a:schemeClr val="tx1"/>
-          </a:fontRef>
-        </p:style>
-      </p:cxnSp>
-      <p:sp>
-        <p:nvSpPr>
-          <p:cNvPr id="159" name="TextBox 158">
-            <a:extLst>
-              <a:ext uri="{FF2B5EF4-FFF2-40B4-BE49-F238E27FC236}">
-                <a16:creationId xmlns:a16="http://schemas.microsoft.com/office/drawing/2014/main" id="{32F08B4B-D38F-464B-892F-C9113A1AA4BC}"/>
-              </a:ext>
-            </a:extLst>
-          </p:cNvPr>
-          <p:cNvSpPr txBox="1"/>
-          <p:nvPr/>
-        </p:nvSpPr>
-        <p:spPr>
-          <a:xfrm>
-            <a:off x="1116345" y="3398073"/>
-            <a:ext cx="1327963" cy="215444"/>
-          </a:xfrm>
-          <a:prstGeom prst="rect">
-            <a:avLst/>
-          </a:prstGeom>
-          <a:noFill/>
-        </p:spPr>
-        <p:txBody>
-          <a:bodyPr wrap="square" lIns="0" tIns="0" rIns="0" bIns="0" rtlCol="0">
-            <a:spAutoFit/>
-          </a:bodyPr>
-          <a:lstStyle/>
-          <a:p>
-            <a:pPr algn="ctr"/>
-            <a:r>
-              <a:rPr lang="en-US" sz="1400" dirty="0" err="1">
-                <a:solidFill>
-                  <a:srgbClr val="0070C0"/>
-                </a:solidFill>
-              </a:rPr>
-              <a:t>s.execute</a:t>
-            </a:r>
-            <a:r>
-              <a:rPr lang="en-US" sz="1400" dirty="0">
-                <a:solidFill>
-                  <a:srgbClr val="0070C0"/>
-                </a:solidFill>
-              </a:rPr>
-              <a:t>(model)</a:t>
-            </a:r>
-          </a:p>
-        </p:txBody>
-      </p:sp>
-      <p:sp>
-        <p:nvSpPr>
-          <p:cNvPr id="164" name="Rectangle 163">
-            <a:extLst>
-              <a:ext uri="{FF2B5EF4-FFF2-40B4-BE49-F238E27FC236}">
-                <a16:creationId xmlns:a16="http://schemas.microsoft.com/office/drawing/2014/main" id="{06A49F98-B685-4A1D-84D4-223ED116C13A}"/>
-              </a:ext>
-            </a:extLst>
-          </p:cNvPr>
-          <p:cNvSpPr/>
-          <p:nvPr/>
-        </p:nvSpPr>
-        <p:spPr>
-          <a:xfrm>
-            <a:off x="8379017" y="3745533"/>
-            <a:ext cx="168896" cy="140668"/>
-          </a:xfrm>
-          <a:prstGeom prst="rect">
-            <a:avLst/>
-          </a:prstGeom>
-          <a:solidFill>
-            <a:srgbClr val="7030A0"/>
-          </a:solidFill>
-          <a:ln>
-            <a:solidFill>
-              <a:srgbClr val="7030A0"/>
-            </a:solidFill>
-          </a:ln>
-          <a:effectLst/>
-        </p:spPr>
-        <p:style>
-          <a:lnRef idx="1">
-            <a:schemeClr val="accent3"/>
-          </a:lnRef>
-          <a:fillRef idx="2">
-            <a:schemeClr val="accent3"/>
-          </a:fillRef>
-          <a:effectRef idx="1">
-            <a:schemeClr val="accent3"/>
-          </a:effectRef>
-          <a:fontRef idx="minor">
-            <a:schemeClr val="dk1"/>
-          </a:fontRef>
-        </p:style>
-        <p:txBody>
-          <a:bodyPr rtlCol="0" anchor="ctr"/>
-          <a:lstStyle/>
-          <a:p>
-            <a:pPr algn="ctr"/>
-            <a:endParaRPr lang="en-SG" sz="1400"/>
-          </a:p>
-        </p:txBody>
-      </p:sp>
-      <p:sp>
-        <p:nvSpPr>
-          <p:cNvPr id="40" name="Rectangle 62"/>
-          <p:cNvSpPr/>
-          <p:nvPr/>
-        </p:nvSpPr>
-        <p:spPr>
-          <a:xfrm>
-            <a:off x="8064986" y="2003147"/>
-            <a:ext cx="841636" cy="587812"/>
-          </a:xfrm>
-          <a:prstGeom prst="rect">
-            <a:avLst/>
-          </a:prstGeom>
-          <a:solidFill>
-            <a:srgbClr val="7030A0"/>
-          </a:solidFill>
-          <a:ln w="19050">
-            <a:solidFill>
-              <a:srgbClr val="7030A0"/>
-            </a:solidFill>
-          </a:ln>
-          <a:effectLst/>
-        </p:spPr>
-        <p:style>
-          <a:lnRef idx="1">
-            <a:schemeClr val="accent2"/>
-          </a:lnRef>
-          <a:fillRef idx="2">
-            <a:schemeClr val="accent2"/>
-          </a:fillRef>
-          <a:effectRef idx="1">
-            <a:schemeClr val="accent2"/>
-          </a:effectRef>
-          <a:fontRef idx="minor">
-            <a:schemeClr val="dk1"/>
-          </a:fontRef>
-        </p:style>
-        <p:txBody>
-          <a:bodyPr rtlCol="0" anchor="ctr"/>
-          <a:lstStyle/>
-          <a:p>
-            <a:pPr algn="ctr"/>
-            <a:r>
-              <a:rPr lang="en-US" sz="1600" dirty="0">
-                <a:solidFill>
-                  <a:schemeClr val="bg1"/>
-                </a:solidFill>
-              </a:rPr>
-              <a:t>model: Model</a:t>
-            </a:r>
-            <a:endParaRPr lang="en-SG" sz="1600" dirty="0">
-              <a:solidFill>
-                <a:schemeClr val="bg1"/>
-              </a:solidFill>
-            </a:endParaRPr>
-          </a:p>
-        </p:txBody>
-      </p:sp>
-      <p:cxnSp>
-        <p:nvCxnSpPr>
-          <p:cNvPr id="167" name="Straight Arrow Connector 166">
-            <a:extLst>
-              <a:ext uri="{FF2B5EF4-FFF2-40B4-BE49-F238E27FC236}">
-                <a16:creationId xmlns:a16="http://schemas.microsoft.com/office/drawing/2014/main" id="{3116638E-4859-4887-9401-7B698BC0918A}"/>
-              </a:ext>
-            </a:extLst>
-          </p:cNvPr>
-          <p:cNvCxnSpPr>
-            <a:cxnSpLocks/>
-          </p:cNvCxnSpPr>
-          <p:nvPr/>
-        </p:nvCxnSpPr>
-        <p:spPr>
-          <a:xfrm>
-            <a:off x="6230926" y="3881805"/>
-            <a:ext cx="2074874" cy="0"/>
-          </a:xfrm>
-          <a:prstGeom prst="straightConnector1">
-            <a:avLst/>
-          </a:prstGeom>
-          <a:ln w="19050">
-            <a:solidFill>
-              <a:srgbClr val="7030A0"/>
-            </a:solidFill>
-            <a:prstDash val="sysDash"/>
-            <a:headEnd type="arrow" w="med" len="med"/>
-            <a:tailEnd type="none" w="med" len="med"/>
-          </a:ln>
-        </p:spPr>
-        <p:style>
-          <a:lnRef idx="1">
-            <a:schemeClr val="accent1"/>
-          </a:lnRef>
-          <a:fillRef idx="0">
-            <a:schemeClr val="accent1"/>
-          </a:fillRef>
-          <a:effectRef idx="0">
-            <a:schemeClr val="accent1"/>
-          </a:effectRef>
-          <a:fontRef idx="minor">
-            <a:schemeClr val="tx1"/>
-          </a:fontRef>
-        </p:style>
-      </p:cxnSp>
-      <p:sp>
-        <p:nvSpPr>
-          <p:cNvPr id="170" name="TextBox 169">
-            <a:extLst>
-              <a:ext uri="{FF2B5EF4-FFF2-40B4-BE49-F238E27FC236}">
-                <a16:creationId xmlns:a16="http://schemas.microsoft.com/office/drawing/2014/main" id="{36B2582F-DC3D-4624-8C97-E2D1C3559BBA}"/>
-              </a:ext>
-            </a:extLst>
-          </p:cNvPr>
-          <p:cNvSpPr txBox="1"/>
-          <p:nvPr/>
-        </p:nvSpPr>
-        <p:spPr>
-          <a:xfrm>
-            <a:off x="6438671" y="3911673"/>
-            <a:ext cx="215965" cy="215444"/>
-          </a:xfrm>
-          <a:prstGeom prst="rect">
-            <a:avLst/>
-          </a:prstGeom>
-          <a:noFill/>
-        </p:spPr>
-        <p:txBody>
-          <a:bodyPr wrap="square" lIns="0" tIns="0" rIns="0" bIns="0" rtlCol="0">
-            <a:spAutoFit/>
-          </a:bodyPr>
-          <a:lstStyle>
-            <a:defPPr>
-              <a:defRPr lang="en-US"/>
-            </a:defPPr>
-            <a:lvl1pPr algn="r">
-              <a:defRPr sz="1400">
-                <a:solidFill>
-                  <a:srgbClr val="0070C0"/>
-                </a:solidFill>
-              </a:defRPr>
-            </a:lvl1pPr>
-          </a:lstStyle>
-          <a:p>
-            <a:r>
-              <a:rPr lang="en-US" dirty="0" err="1">
-                <a:solidFill>
-                  <a:srgbClr val="7030A0"/>
-                </a:solidFill>
-              </a:rPr>
-              <a:t>fp</a:t>
-            </a:r>
-            <a:endParaRPr lang="en-US" dirty="0">
-              <a:solidFill>
-                <a:srgbClr val="7030A0"/>
-              </a:solidFill>
-            </a:endParaRPr>
-          </a:p>
-        </p:txBody>
-      </p:sp>
-      <p:sp>
-        <p:nvSpPr>
-          <p:cNvPr id="172" name="Rectangle 62">
-            <a:extLst>
-              <a:ext uri="{FF2B5EF4-FFF2-40B4-BE49-F238E27FC236}">
-                <a16:creationId xmlns:a16="http://schemas.microsoft.com/office/drawing/2014/main" id="{FED7FFED-9714-4168-B599-3FB1AF8F8AA9}"/>
-              </a:ext>
-            </a:extLst>
-          </p:cNvPr>
-          <p:cNvSpPr/>
-          <p:nvPr/>
-        </p:nvSpPr>
-        <p:spPr>
-          <a:xfrm>
-            <a:off x="9270989" y="1978040"/>
-            <a:ext cx="926417" cy="1300854"/>
-          </a:xfrm>
-          <a:prstGeom prst="rect">
-            <a:avLst/>
-          </a:prstGeom>
-          <a:solidFill>
-            <a:srgbClr val="7030A0"/>
-          </a:solidFill>
-          <a:ln w="19050">
-            <a:solidFill>
-              <a:srgbClr val="7030A0"/>
-            </a:solidFill>
-          </a:ln>
-          <a:effectLst/>
-        </p:spPr>
-        <p:style>
-          <a:lnRef idx="1">
-            <a:schemeClr val="accent2"/>
-          </a:lnRef>
-          <a:fillRef idx="2">
-            <a:schemeClr val="accent2"/>
-          </a:fillRef>
-          <a:effectRef idx="1">
-            <a:schemeClr val="accent2"/>
-          </a:effectRef>
-          <a:fontRef idx="minor">
-            <a:schemeClr val="dk1"/>
-          </a:fontRef>
-        </p:style>
-        <p:txBody>
-          <a:bodyPr rtlCol="0" anchor="ctr"/>
-          <a:lstStyle/>
-          <a:p>
-            <a:pPr algn="ctr"/>
-            <a:r>
-              <a:rPr lang="en-US" sz="1600" dirty="0" err="1">
-                <a:solidFill>
-                  <a:schemeClr val="bg1"/>
-                </a:solidFill>
-              </a:rPr>
-              <a:t>fp</a:t>
-            </a:r>
-            <a:r>
-              <a:rPr lang="en-US" sz="1600" dirty="0">
-                <a:solidFill>
-                  <a:schemeClr val="bg1"/>
-                </a:solidFill>
-              </a:rPr>
-              <a:t>: Read</a:t>
-            </a:r>
-          </a:p>
-          <a:p>
-            <a:pPr algn="ctr"/>
-            <a:r>
-              <a:rPr lang="en-US" sz="1600" dirty="0">
-                <a:solidFill>
-                  <a:schemeClr val="bg1"/>
-                </a:solidFill>
-              </a:rPr>
-              <a:t>Only</a:t>
-            </a:r>
-          </a:p>
-          <a:p>
-            <a:pPr algn="ctr"/>
-            <a:r>
-              <a:rPr lang="en-US" sz="1600" dirty="0" err="1">
-                <a:solidFill>
-                  <a:schemeClr val="bg1"/>
-                </a:solidFill>
-              </a:rPr>
-              <a:t>FinancialPlanner</a:t>
-            </a:r>
-            <a:endParaRPr lang="en-SG" sz="1600" dirty="0">
-              <a:solidFill>
-                <a:schemeClr val="bg1"/>
-              </a:solidFill>
-            </a:endParaRPr>
-          </a:p>
-        </p:txBody>
-      </p:sp>
-      <p:cxnSp>
-        <p:nvCxnSpPr>
-          <p:cNvPr id="173" name="Straight Arrow Connector 172">
-            <a:extLst>
-              <a:ext uri="{FF2B5EF4-FFF2-40B4-BE49-F238E27FC236}">
-                <a16:creationId xmlns:a16="http://schemas.microsoft.com/office/drawing/2014/main" id="{ADB27F7D-2CEA-4905-ABC8-7463116FCF9F}"/>
-              </a:ext>
-            </a:extLst>
-          </p:cNvPr>
-          <p:cNvCxnSpPr>
-            <a:cxnSpLocks/>
-          </p:cNvCxnSpPr>
-          <p:nvPr/>
-        </p:nvCxnSpPr>
-        <p:spPr>
-          <a:xfrm>
-            <a:off x="6234570" y="4247217"/>
-            <a:ext cx="3415179" cy="0"/>
-          </a:xfrm>
-          <a:prstGeom prst="straightConnector1">
-            <a:avLst/>
-          </a:prstGeom>
-          <a:ln w="19050">
-            <a:solidFill>
-              <a:srgbClr val="7030A0"/>
-            </a:solidFill>
-            <a:tailEnd type="arrow"/>
-          </a:ln>
-        </p:spPr>
-        <p:style>
-          <a:lnRef idx="1">
-            <a:schemeClr val="accent1"/>
-          </a:lnRef>
-          <a:fillRef idx="0">
-            <a:schemeClr val="accent1"/>
-          </a:fillRef>
-          <a:effectRef idx="0">
-            <a:schemeClr val="accent1"/>
-          </a:effectRef>
-          <a:fontRef idx="minor">
-            <a:schemeClr val="tx1"/>
-          </a:fontRef>
-        </p:style>
-      </p:cxnSp>
-      <p:sp>
-        <p:nvSpPr>
-          <p:cNvPr id="175" name="Rectangle 174">
-            <a:extLst>
-              <a:ext uri="{FF2B5EF4-FFF2-40B4-BE49-F238E27FC236}">
-                <a16:creationId xmlns:a16="http://schemas.microsoft.com/office/drawing/2014/main" id="{FA7AE7DF-33D2-4233-8A26-298BA30B94F6}"/>
-              </a:ext>
-            </a:extLst>
-          </p:cNvPr>
-          <p:cNvSpPr/>
-          <p:nvPr/>
-        </p:nvSpPr>
-        <p:spPr>
-          <a:xfrm>
-            <a:off x="9649749" y="4224421"/>
-            <a:ext cx="168896" cy="184162"/>
-          </a:xfrm>
-          <a:prstGeom prst="rect">
-            <a:avLst/>
-          </a:prstGeom>
-          <a:solidFill>
-            <a:srgbClr val="7030A0"/>
-          </a:solidFill>
-          <a:ln>
-            <a:solidFill>
-              <a:srgbClr val="7030A0"/>
-            </a:solidFill>
-          </a:ln>
-          <a:effectLst/>
-        </p:spPr>
-        <p:style>
-          <a:lnRef idx="1">
-            <a:schemeClr val="accent3"/>
-          </a:lnRef>
-          <a:fillRef idx="2">
-            <a:schemeClr val="accent3"/>
-          </a:fillRef>
-          <a:effectRef idx="1">
-            <a:schemeClr val="accent3"/>
-          </a:effectRef>
-          <a:fontRef idx="minor">
-            <a:schemeClr val="dk1"/>
-          </a:fontRef>
-        </p:style>
-        <p:txBody>
-          <a:bodyPr rtlCol="0" anchor="ctr"/>
-          <a:lstStyle/>
-          <a:p>
-            <a:pPr algn="ctr"/>
-            <a:endParaRPr lang="en-SG" sz="1400"/>
-          </a:p>
-        </p:txBody>
-      </p:sp>
-      <p:sp>
-        <p:nvSpPr>
-          <p:cNvPr id="182" name="TextBox 181">
-            <a:extLst>
-              <a:ext uri="{FF2B5EF4-FFF2-40B4-BE49-F238E27FC236}">
-                <a16:creationId xmlns:a16="http://schemas.microsoft.com/office/drawing/2014/main" id="{BC6C74B1-65FB-4210-B949-C977CCA2893A}"/>
-              </a:ext>
-            </a:extLst>
-          </p:cNvPr>
-          <p:cNvSpPr txBox="1"/>
-          <p:nvPr/>
-        </p:nvSpPr>
-        <p:spPr>
-          <a:xfrm>
-            <a:off x="6882073" y="4008528"/>
-            <a:ext cx="1469927" cy="215444"/>
-          </a:xfrm>
-          <a:prstGeom prst="rect">
-            <a:avLst/>
-          </a:prstGeom>
-          <a:noFill/>
-        </p:spPr>
-        <p:txBody>
-          <a:bodyPr wrap="square" lIns="0" tIns="0" rIns="0" bIns="0" rtlCol="0">
-            <a:spAutoFit/>
-          </a:bodyPr>
-          <a:lstStyle>
-            <a:defPPr>
-              <a:defRPr lang="en-US"/>
-            </a:defPPr>
-            <a:lvl1pPr algn="r">
-              <a:defRPr sz="1400">
-                <a:solidFill>
-                  <a:srgbClr val="0070C0"/>
-                </a:solidFill>
-              </a:defRPr>
-            </a:lvl1pPr>
-          </a:lstStyle>
-          <a:p>
-            <a:r>
-              <a:rPr lang="en-US" dirty="0" err="1">
-                <a:solidFill>
-                  <a:srgbClr val="7030A0"/>
-                </a:solidFill>
-              </a:rPr>
-              <a:t>fp.getRecordList</a:t>
-            </a:r>
-            <a:r>
-              <a:rPr lang="en-US" dirty="0">
-                <a:solidFill>
-                  <a:srgbClr val="7030A0"/>
-                </a:solidFill>
-              </a:rPr>
-              <a:t>()</a:t>
-            </a:r>
-          </a:p>
-        </p:txBody>
-      </p:sp>
-      <p:cxnSp>
-        <p:nvCxnSpPr>
-          <p:cNvPr id="183" name="Straight Arrow Connector 182">
-            <a:extLst>
-              <a:ext uri="{FF2B5EF4-FFF2-40B4-BE49-F238E27FC236}">
-                <a16:creationId xmlns:a16="http://schemas.microsoft.com/office/drawing/2014/main" id="{6728A3C1-25E5-479F-B67A-88AE549FD168}"/>
-              </a:ext>
-            </a:extLst>
-          </p:cNvPr>
-          <p:cNvCxnSpPr>
-            <a:cxnSpLocks/>
-            <a:endCxn id="175" idx="2"/>
-          </p:cNvCxnSpPr>
-          <p:nvPr/>
-        </p:nvCxnSpPr>
-        <p:spPr>
-          <a:xfrm flipV="1">
-            <a:off x="6248400" y="4408583"/>
-            <a:ext cx="3485797" cy="11018"/>
-          </a:xfrm>
-          <a:prstGeom prst="straightConnector1">
-            <a:avLst/>
-          </a:prstGeom>
-          <a:ln w="19050">
-            <a:solidFill>
-              <a:srgbClr val="7030A0"/>
-            </a:solidFill>
-            <a:prstDash val="sysDash"/>
-            <a:headEnd type="arrow" w="med" len="med"/>
-            <a:tailEnd type="none" w="med" len="med"/>
-          </a:ln>
-        </p:spPr>
-        <p:style>
-          <a:lnRef idx="1">
-            <a:schemeClr val="accent1"/>
-          </a:lnRef>
-          <a:fillRef idx="0">
-            <a:schemeClr val="accent1"/>
-          </a:fillRef>
-          <a:effectRef idx="0">
-            <a:schemeClr val="accent1"/>
-          </a:effectRef>
-          <a:fontRef idx="minor">
-            <a:schemeClr val="tx1"/>
-          </a:fontRef>
-        </p:style>
-      </p:cxnSp>
-      <p:sp>
-        <p:nvSpPr>
-          <p:cNvPr id="185" name="TextBox 184">
-            <a:extLst>
-              <a:ext uri="{FF2B5EF4-FFF2-40B4-BE49-F238E27FC236}">
-                <a16:creationId xmlns:a16="http://schemas.microsoft.com/office/drawing/2014/main" id="{6C37FDF5-A9D8-4874-8814-ECC93B4E7E6C}"/>
-              </a:ext>
-            </a:extLst>
-          </p:cNvPr>
-          <p:cNvSpPr txBox="1"/>
-          <p:nvPr/>
-        </p:nvSpPr>
-        <p:spPr>
-          <a:xfrm>
-            <a:off x="6761277" y="4426605"/>
-            <a:ext cx="1469927" cy="215444"/>
-          </a:xfrm>
-          <a:prstGeom prst="rect">
-            <a:avLst/>
-          </a:prstGeom>
-          <a:noFill/>
-        </p:spPr>
-        <p:txBody>
-          <a:bodyPr wrap="square" lIns="0" tIns="0" rIns="0" bIns="0" rtlCol="0">
-            <a:spAutoFit/>
-          </a:bodyPr>
-          <a:lstStyle>
-            <a:defPPr>
-              <a:defRPr lang="en-US"/>
-            </a:defPPr>
-            <a:lvl1pPr algn="r">
-              <a:defRPr sz="1400">
-                <a:solidFill>
-                  <a:srgbClr val="0070C0"/>
-                </a:solidFill>
-              </a:defRPr>
-            </a:lvl1pPr>
-          </a:lstStyle>
-          <a:p>
-            <a:r>
-              <a:rPr lang="en-US" dirty="0" err="1">
-                <a:solidFill>
-                  <a:srgbClr val="7030A0"/>
-                </a:solidFill>
-              </a:rPr>
-              <a:t>recordList</a:t>
-            </a:r>
-            <a:endParaRPr lang="en-US" dirty="0">
-              <a:solidFill>
-                <a:srgbClr val="7030A0"/>
-              </a:solidFill>
-            </a:endParaRPr>
-          </a:p>
-        </p:txBody>
-      </p:sp>
-      <p:cxnSp>
-        <p:nvCxnSpPr>
-          <p:cNvPr id="186" name="Straight Arrow Connector 185">
-            <a:extLst>
-              <a:ext uri="{FF2B5EF4-FFF2-40B4-BE49-F238E27FC236}">
-                <a16:creationId xmlns:a16="http://schemas.microsoft.com/office/drawing/2014/main" id="{3F0CA0B8-C04C-447F-BBE9-96BB625661E6}"/>
-              </a:ext>
-            </a:extLst>
-          </p:cNvPr>
-          <p:cNvCxnSpPr>
-            <a:cxnSpLocks/>
-          </p:cNvCxnSpPr>
-          <p:nvPr/>
-        </p:nvCxnSpPr>
-        <p:spPr>
-          <a:xfrm>
-            <a:off x="6230926" y="4875515"/>
-            <a:ext cx="4252358" cy="0"/>
-          </a:xfrm>
-          <a:prstGeom prst="straightConnector1">
-            <a:avLst/>
-          </a:prstGeom>
-          <a:ln w="19050">
-            <a:solidFill>
-              <a:srgbClr val="7030A0"/>
-            </a:solidFill>
-            <a:tailEnd type="arrow"/>
-          </a:ln>
-        </p:spPr>
-        <p:style>
-          <a:lnRef idx="1">
-            <a:schemeClr val="accent1"/>
-          </a:lnRef>
-          <a:fillRef idx="0">
-            <a:schemeClr val="accent1"/>
-          </a:fillRef>
-          <a:effectRef idx="0">
-            <a:schemeClr val="accent1"/>
-          </a:effectRef>
-          <a:fontRef idx="minor">
-            <a:schemeClr val="tx1"/>
-          </a:fontRef>
-        </p:style>
-      </p:cxnSp>
-      <p:sp>
-        <p:nvSpPr>
-          <p:cNvPr id="202" name="Rectangle 201">
-            <a:extLst>
-              <a:ext uri="{FF2B5EF4-FFF2-40B4-BE49-F238E27FC236}">
-                <a16:creationId xmlns:a16="http://schemas.microsoft.com/office/drawing/2014/main" id="{723B4775-55CA-4DC2-ABA7-04D07786DB80}"/>
-              </a:ext>
-            </a:extLst>
-          </p:cNvPr>
-          <p:cNvSpPr/>
-          <p:nvPr/>
-        </p:nvSpPr>
-        <p:spPr>
-          <a:xfrm>
-            <a:off x="11032356" y="5652546"/>
-            <a:ext cx="168896" cy="318493"/>
-          </a:xfrm>
-          <a:prstGeom prst="rect">
-            <a:avLst/>
-          </a:prstGeom>
-          <a:solidFill>
-            <a:srgbClr val="7030A0"/>
-          </a:solidFill>
-          <a:ln w="25400">
-            <a:solidFill>
-              <a:schemeClr val="accent4">
-                <a:lumMod val="60000"/>
-                <a:lumOff val="40000"/>
-              </a:schemeClr>
-            </a:solidFill>
-          </a:ln>
-          <a:effectLst/>
-        </p:spPr>
-        <p:style>
-          <a:lnRef idx="1">
-            <a:schemeClr val="accent3"/>
-          </a:lnRef>
-          <a:fillRef idx="2">
-            <a:schemeClr val="accent3"/>
-          </a:fillRef>
-          <a:effectRef idx="1">
-            <a:schemeClr val="accent3"/>
-          </a:effectRef>
-          <a:fontRef idx="minor">
-            <a:schemeClr val="dk1"/>
-          </a:fontRef>
-        </p:style>
-        <p:txBody>
-          <a:bodyPr rtlCol="0" anchor="ctr"/>
-          <a:lstStyle/>
-          <a:p>
-            <a:pPr algn="ctr"/>
-            <a:endParaRPr lang="en-SG" sz="1400"/>
-          </a:p>
-        </p:txBody>
-      </p:sp>
-      <p:cxnSp>
-        <p:nvCxnSpPr>
-          <p:cNvPr id="203" name="Connector: Curved 202">
-            <a:extLst>
-              <a:ext uri="{FF2B5EF4-FFF2-40B4-BE49-F238E27FC236}">
-                <a16:creationId xmlns:a16="http://schemas.microsoft.com/office/drawing/2014/main" id="{120986FB-7CD2-47B1-B328-9805BAAA6059}"/>
-              </a:ext>
-            </a:extLst>
-          </p:cNvPr>
-          <p:cNvCxnSpPr>
-            <a:cxnSpLocks/>
-          </p:cNvCxnSpPr>
-          <p:nvPr/>
-        </p:nvCxnSpPr>
-        <p:spPr>
-          <a:xfrm rot="16200000" flipH="1">
-            <a:off x="11084598" y="5139485"/>
-            <a:ext cx="148766" cy="73926"/>
-          </a:xfrm>
-          <a:prstGeom prst="curvedConnector4">
-            <a:avLst>
-              <a:gd name="adj1" fmla="val -15714"/>
-              <a:gd name="adj2" fmla="val 240699"/>
-            </a:avLst>
-          </a:prstGeom>
-          <a:ln>
-            <a:solidFill>
-              <a:srgbClr val="7030A0"/>
-            </a:solidFill>
-            <a:tailEnd type="triangle"/>
-          </a:ln>
-        </p:spPr>
-        <p:style>
-          <a:lnRef idx="1">
-            <a:schemeClr val="accent1"/>
-          </a:lnRef>
-          <a:fillRef idx="0">
-            <a:schemeClr val="accent1"/>
-          </a:fillRef>
-          <a:effectRef idx="0">
-            <a:schemeClr val="accent1"/>
-          </a:effectRef>
-          <a:fontRef idx="minor">
-            <a:schemeClr val="tx1"/>
-          </a:fontRef>
-        </p:style>
-      </p:cxnSp>
-      <p:sp>
-        <p:nvSpPr>
-          <p:cNvPr id="205" name="TextBox 204">
-            <a:extLst>
-              <a:ext uri="{FF2B5EF4-FFF2-40B4-BE49-F238E27FC236}">
-                <a16:creationId xmlns:a16="http://schemas.microsoft.com/office/drawing/2014/main" id="{EBA74A41-13E2-4B57-88CC-DEEAD2757F18}"/>
-              </a:ext>
-            </a:extLst>
-          </p:cNvPr>
-          <p:cNvSpPr txBox="1"/>
-          <p:nvPr/>
-        </p:nvSpPr>
-        <p:spPr>
-          <a:xfrm>
-            <a:off x="11217896" y="5035387"/>
-            <a:ext cx="1088926" cy="430887"/>
-          </a:xfrm>
-          <a:prstGeom prst="rect">
-            <a:avLst/>
-          </a:prstGeom>
-          <a:noFill/>
-        </p:spPr>
-        <p:txBody>
-          <a:bodyPr wrap="square" lIns="0" tIns="0" rIns="0" bIns="0" rtlCol="0">
-            <a:spAutoFit/>
-          </a:bodyPr>
-          <a:lstStyle>
-            <a:defPPr>
-              <a:defRPr lang="en-US"/>
-            </a:defPPr>
-            <a:lvl1pPr algn="r">
-              <a:defRPr sz="1400">
-                <a:solidFill>
-                  <a:srgbClr val="0070C0"/>
-                </a:solidFill>
-              </a:defRPr>
-            </a:lvl1pPr>
-          </a:lstStyle>
-          <a:p>
-            <a:r>
-              <a:rPr lang="en-US" dirty="0" err="1">
-                <a:solidFill>
-                  <a:srgbClr val="7030A0"/>
-                </a:solidFill>
-              </a:rPr>
-              <a:t>addRecordToMap</a:t>
-            </a:r>
-            <a:r>
-              <a:rPr lang="en-US" dirty="0">
-                <a:solidFill>
-                  <a:srgbClr val="7030A0"/>
-                </a:solidFill>
-              </a:rPr>
-              <a:t>(record)</a:t>
-            </a:r>
-          </a:p>
-        </p:txBody>
-      </p:sp>
-      <p:sp>
-        <p:nvSpPr>
-          <p:cNvPr id="206" name="TextBox 205">
-            <a:extLst>
-              <a:ext uri="{FF2B5EF4-FFF2-40B4-BE49-F238E27FC236}">
-                <a16:creationId xmlns:a16="http://schemas.microsoft.com/office/drawing/2014/main" id="{4CF47471-48C9-4F8C-A2AD-0E973D1234EA}"/>
-              </a:ext>
-            </a:extLst>
-          </p:cNvPr>
-          <p:cNvSpPr txBox="1"/>
-          <p:nvPr/>
-        </p:nvSpPr>
-        <p:spPr>
-          <a:xfrm>
-            <a:off x="11328868" y="5508793"/>
-            <a:ext cx="1088926" cy="215444"/>
-          </a:xfrm>
-          <a:prstGeom prst="rect">
-            <a:avLst/>
-          </a:prstGeom>
-          <a:noFill/>
-        </p:spPr>
-        <p:txBody>
-          <a:bodyPr wrap="square" lIns="0" tIns="0" rIns="0" bIns="0" rtlCol="0">
-            <a:spAutoFit/>
-          </a:bodyPr>
-          <a:lstStyle>
-            <a:defPPr>
-              <a:defRPr lang="en-US"/>
-            </a:defPPr>
-            <a:lvl1pPr algn="r">
-              <a:defRPr sz="1400">
-                <a:solidFill>
-                  <a:srgbClr val="0070C0"/>
-                </a:solidFill>
-              </a:defRPr>
-            </a:lvl1pPr>
-          </a:lstStyle>
-          <a:p>
-            <a:r>
-              <a:rPr lang="en-US" dirty="0" err="1">
-                <a:solidFill>
-                  <a:srgbClr val="7030A0"/>
-                </a:solidFill>
-              </a:rPr>
-              <a:t>updateTotals</a:t>
-            </a:r>
-            <a:r>
-              <a:rPr lang="en-US" dirty="0">
-                <a:solidFill>
-                  <a:srgbClr val="7030A0"/>
-                </a:solidFill>
-              </a:rPr>
-              <a:t>()</a:t>
-            </a:r>
-          </a:p>
-        </p:txBody>
-      </p:sp>
-      <p:cxnSp>
-        <p:nvCxnSpPr>
-          <p:cNvPr id="207" name="Connector: Curved 206">
-            <a:extLst>
-              <a:ext uri="{FF2B5EF4-FFF2-40B4-BE49-F238E27FC236}">
-                <a16:creationId xmlns:a16="http://schemas.microsoft.com/office/drawing/2014/main" id="{B2B71627-B799-4539-A3E0-C33820966DAD}"/>
-              </a:ext>
-            </a:extLst>
-          </p:cNvPr>
-          <p:cNvCxnSpPr>
-            <a:cxnSpLocks/>
-          </p:cNvCxnSpPr>
-          <p:nvPr/>
-        </p:nvCxnSpPr>
-        <p:spPr>
-          <a:xfrm rot="16200000" flipH="1">
-            <a:off x="11084598" y="5612891"/>
-            <a:ext cx="148766" cy="73926"/>
-          </a:xfrm>
-          <a:prstGeom prst="curvedConnector4">
-            <a:avLst>
-              <a:gd name="adj1" fmla="val -15714"/>
-              <a:gd name="adj2" fmla="val 240699"/>
-            </a:avLst>
-          </a:prstGeom>
-          <a:ln>
-            <a:solidFill>
-              <a:srgbClr val="7030A0"/>
-            </a:solidFill>
-            <a:tailEnd type="triangle"/>
-          </a:ln>
-        </p:spPr>
-        <p:style>
-          <a:lnRef idx="1">
-            <a:schemeClr val="accent1"/>
-          </a:lnRef>
-          <a:fillRef idx="0">
-            <a:schemeClr val="accent1"/>
-          </a:fillRef>
-          <a:effectRef idx="0">
-            <a:schemeClr val="accent1"/>
-          </a:effectRef>
-          <a:fontRef idx="minor">
-            <a:schemeClr val="tx1"/>
-          </a:fontRef>
-        </p:style>
-      </p:cxnSp>
-      <p:sp>
-        <p:nvSpPr>
-          <p:cNvPr id="213" name="TextBox 212">
-            <a:extLst>
-              <a:ext uri="{FF2B5EF4-FFF2-40B4-BE49-F238E27FC236}">
-                <a16:creationId xmlns:a16="http://schemas.microsoft.com/office/drawing/2014/main" id="{45A989BD-55A9-4091-B6AB-02C9215BDAB7}"/>
-              </a:ext>
-            </a:extLst>
-          </p:cNvPr>
-          <p:cNvSpPr txBox="1"/>
-          <p:nvPr/>
-        </p:nvSpPr>
-        <p:spPr>
-          <a:xfrm>
-            <a:off x="6970834" y="5761503"/>
-            <a:ext cx="1088926" cy="215444"/>
-          </a:xfrm>
-          <a:prstGeom prst="rect">
-            <a:avLst/>
-          </a:prstGeom>
-          <a:noFill/>
-        </p:spPr>
-        <p:txBody>
-          <a:bodyPr wrap="square" lIns="0" tIns="0" rIns="0" bIns="0" rtlCol="0">
-            <a:spAutoFit/>
-          </a:bodyPr>
-          <a:lstStyle>
-            <a:defPPr>
-              <a:defRPr lang="en-US"/>
-            </a:defPPr>
-            <a:lvl1pPr algn="r">
-              <a:defRPr sz="1400">
-                <a:solidFill>
-                  <a:srgbClr val="0070C0"/>
-                </a:solidFill>
-              </a:defRPr>
-            </a:lvl1pPr>
-          </a:lstStyle>
-          <a:p>
-            <a:r>
-              <a:rPr lang="en-US" dirty="0">
-                <a:solidFill>
-                  <a:srgbClr val="7030A0"/>
-                </a:solidFill>
-              </a:rPr>
-              <a:t>l</a:t>
-            </a:r>
-          </a:p>
-        </p:txBody>
-      </p:sp>
-      <p:sp>
-        <p:nvSpPr>
-          <p:cNvPr id="215" name="Rectangle 62">
-            <a:extLst>
-              <a:ext uri="{FF2B5EF4-FFF2-40B4-BE49-F238E27FC236}">
-                <a16:creationId xmlns:a16="http://schemas.microsoft.com/office/drawing/2014/main" id="{4718F0AE-91F9-4A14-BE65-3879749BE30A}"/>
-              </a:ext>
-            </a:extLst>
-          </p:cNvPr>
-          <p:cNvSpPr/>
-          <p:nvPr/>
-        </p:nvSpPr>
-        <p:spPr>
-          <a:xfrm>
-            <a:off x="12044766" y="6081017"/>
-            <a:ext cx="1200601" cy="548383"/>
-          </a:xfrm>
-          <a:prstGeom prst="rect">
-            <a:avLst/>
-          </a:prstGeom>
-          <a:solidFill>
-            <a:srgbClr val="7030A0"/>
-          </a:solidFill>
-          <a:ln w="19050">
-            <a:solidFill>
-              <a:srgbClr val="7030A0"/>
-            </a:solidFill>
-          </a:ln>
-          <a:effectLst/>
-        </p:spPr>
-        <p:style>
-          <a:lnRef idx="1">
-            <a:schemeClr val="accent2"/>
-          </a:lnRef>
-          <a:fillRef idx="2">
-            <a:schemeClr val="accent2"/>
-          </a:fillRef>
-          <a:effectRef idx="1">
-            <a:schemeClr val="accent2"/>
-          </a:effectRef>
-          <a:fontRef idx="minor">
-            <a:schemeClr val="dk1"/>
-          </a:fontRef>
-        </p:style>
-        <p:txBody>
-          <a:bodyPr rtlCol="0" anchor="ctr"/>
-          <a:lstStyle/>
-          <a:p>
-            <a:pPr algn="ctr"/>
-            <a:r>
-              <a:rPr lang="en-US" sz="1600" dirty="0">
-                <a:solidFill>
-                  <a:schemeClr val="bg1"/>
-                </a:solidFill>
-              </a:rPr>
-              <a:t>e:SummaryEntry</a:t>
-            </a:r>
-            <a:endParaRPr lang="en-SG" sz="1600" dirty="0">
-              <a:solidFill>
-                <a:schemeClr val="bg1"/>
-              </a:solidFill>
-            </a:endParaRPr>
-          </a:p>
-        </p:txBody>
-      </p:sp>
-      <p:sp>
-        <p:nvSpPr>
-          <p:cNvPr id="217" name="Rectangle 216">
-            <a:extLst>
-              <a:ext uri="{FF2B5EF4-FFF2-40B4-BE49-F238E27FC236}">
-                <a16:creationId xmlns:a16="http://schemas.microsoft.com/office/drawing/2014/main" id="{95924470-C9D5-4337-9B2A-8996B19894D8}"/>
-              </a:ext>
-            </a:extLst>
-          </p:cNvPr>
-          <p:cNvSpPr/>
-          <p:nvPr/>
-        </p:nvSpPr>
-        <p:spPr>
-          <a:xfrm>
-            <a:off x="10940300" y="6236347"/>
-            <a:ext cx="168896" cy="621653"/>
-          </a:xfrm>
-          <a:prstGeom prst="rect">
-            <a:avLst/>
-          </a:prstGeom>
-          <a:solidFill>
-            <a:srgbClr val="7030A0"/>
-          </a:solidFill>
-          <a:ln>
-            <a:solidFill>
-              <a:srgbClr val="7030A0"/>
-            </a:solidFill>
-          </a:ln>
-          <a:effectLst/>
-        </p:spPr>
-        <p:style>
-          <a:lnRef idx="1">
-            <a:schemeClr val="accent3"/>
-          </a:lnRef>
-          <a:fillRef idx="2">
-            <a:schemeClr val="accent3"/>
-          </a:fillRef>
-          <a:effectRef idx="1">
-            <a:schemeClr val="accent3"/>
-          </a:effectRef>
-          <a:fontRef idx="minor">
-            <a:schemeClr val="dk1"/>
-          </a:fontRef>
-        </p:style>
-        <p:txBody>
-          <a:bodyPr rtlCol="0" anchor="ctr"/>
-          <a:lstStyle/>
-          <a:p>
-            <a:pPr algn="ctr"/>
-            <a:endParaRPr lang="en-SG" sz="1400"/>
-          </a:p>
-        </p:txBody>
-      </p:sp>
-      <p:cxnSp>
-        <p:nvCxnSpPr>
-          <p:cNvPr id="218" name="Straight Arrow Connector 217">
-            <a:extLst>
-              <a:ext uri="{FF2B5EF4-FFF2-40B4-BE49-F238E27FC236}">
-                <a16:creationId xmlns:a16="http://schemas.microsoft.com/office/drawing/2014/main" id="{0556F7AA-CD4E-4A11-A4B3-FBA896878AD1}"/>
-              </a:ext>
-            </a:extLst>
-          </p:cNvPr>
-          <p:cNvCxnSpPr>
-            <a:cxnSpLocks/>
-          </p:cNvCxnSpPr>
-          <p:nvPr/>
-        </p:nvCxnSpPr>
-        <p:spPr>
-          <a:xfrm>
-            <a:off x="6252666" y="6245706"/>
-            <a:ext cx="4687634" cy="0"/>
-          </a:xfrm>
-          <a:prstGeom prst="straightConnector1">
-            <a:avLst/>
-          </a:prstGeom>
-          <a:ln w="19050">
-            <a:solidFill>
-              <a:srgbClr val="7030A0"/>
-            </a:solidFill>
-            <a:tailEnd type="arrow"/>
-          </a:ln>
-        </p:spPr>
-        <p:style>
-          <a:lnRef idx="1">
-            <a:schemeClr val="accent1"/>
-          </a:lnRef>
-          <a:fillRef idx="0">
-            <a:schemeClr val="accent1"/>
-          </a:fillRef>
-          <a:effectRef idx="0">
-            <a:schemeClr val="accent1"/>
-          </a:effectRef>
-          <a:fontRef idx="minor">
-            <a:schemeClr val="tx1"/>
-          </a:fontRef>
-        </p:style>
-      </p:cxnSp>
-      <p:cxnSp>
-        <p:nvCxnSpPr>
-          <p:cNvPr id="224" name="Straight Arrow Connector 223">
-            <a:extLst>
-              <a:ext uri="{FF2B5EF4-FFF2-40B4-BE49-F238E27FC236}">
-                <a16:creationId xmlns:a16="http://schemas.microsoft.com/office/drawing/2014/main" id="{A39FEBF3-F634-4073-AD1A-93762826BD1D}"/>
-              </a:ext>
-            </a:extLst>
-          </p:cNvPr>
-          <p:cNvCxnSpPr>
-            <a:cxnSpLocks/>
-          </p:cNvCxnSpPr>
-          <p:nvPr/>
-        </p:nvCxnSpPr>
-        <p:spPr>
-          <a:xfrm>
-            <a:off x="11116804" y="6398106"/>
-            <a:ext cx="927962" cy="0"/>
-          </a:xfrm>
-          <a:prstGeom prst="straightConnector1">
-            <a:avLst/>
-          </a:prstGeom>
-          <a:ln w="19050">
-            <a:solidFill>
-              <a:srgbClr val="7030A0"/>
-            </a:solidFill>
-            <a:tailEnd type="arrow"/>
-          </a:ln>
-        </p:spPr>
-        <p:style>
-          <a:lnRef idx="1">
-            <a:schemeClr val="accent1"/>
-          </a:lnRef>
-          <a:fillRef idx="0">
-            <a:schemeClr val="accent1"/>
-          </a:fillRef>
-          <a:effectRef idx="0">
-            <a:schemeClr val="accent1"/>
-          </a:effectRef>
-          <a:fontRef idx="minor">
-            <a:schemeClr val="tx1"/>
-          </a:fontRef>
-        </p:style>
-      </p:cxnSp>
-      <p:cxnSp>
-        <p:nvCxnSpPr>
-          <p:cNvPr id="229" name="Straight Arrow Connector 228">
-            <a:extLst>
-              <a:ext uri="{FF2B5EF4-FFF2-40B4-BE49-F238E27FC236}">
-                <a16:creationId xmlns:a16="http://schemas.microsoft.com/office/drawing/2014/main" id="{0C2060A9-C4B3-4159-A009-CAB93AA85EEE}"/>
-              </a:ext>
-            </a:extLst>
-          </p:cNvPr>
-          <p:cNvCxnSpPr>
-            <a:cxnSpLocks/>
-          </p:cNvCxnSpPr>
-          <p:nvPr/>
-        </p:nvCxnSpPr>
-        <p:spPr>
-          <a:xfrm>
-            <a:off x="11116804" y="6772656"/>
-            <a:ext cx="1435289" cy="0"/>
-          </a:xfrm>
-          <a:prstGeom prst="straightConnector1">
-            <a:avLst/>
-          </a:prstGeom>
-          <a:ln w="19050">
-            <a:solidFill>
-              <a:srgbClr val="7030A0"/>
-            </a:solidFill>
-            <a:prstDash val="sysDash"/>
-            <a:headEnd type="arrow" w="med" len="med"/>
-            <a:tailEnd type="none" w="med" len="med"/>
-          </a:ln>
-        </p:spPr>
-        <p:style>
-          <a:lnRef idx="1">
-            <a:schemeClr val="accent1"/>
-          </a:lnRef>
-          <a:fillRef idx="0">
-            <a:schemeClr val="accent1"/>
-          </a:fillRef>
-          <a:effectRef idx="0">
-            <a:schemeClr val="accent1"/>
-          </a:effectRef>
-          <a:fontRef idx="minor">
-            <a:schemeClr val="tx1"/>
-          </a:fontRef>
-        </p:style>
-      </p:cxnSp>
-      <p:sp>
-        <p:nvSpPr>
-          <p:cNvPr id="231" name="TextBox 230">
-            <a:extLst>
-              <a:ext uri="{FF2B5EF4-FFF2-40B4-BE49-F238E27FC236}">
-                <a16:creationId xmlns:a16="http://schemas.microsoft.com/office/drawing/2014/main" id="{ADA7A5D6-B0F7-4C2A-A2D0-C5608997F960}"/>
-              </a:ext>
-            </a:extLst>
-          </p:cNvPr>
-          <p:cNvSpPr txBox="1"/>
-          <p:nvPr/>
-        </p:nvSpPr>
-        <p:spPr>
-          <a:xfrm>
-            <a:off x="11554595" y="6545942"/>
-            <a:ext cx="191120" cy="215444"/>
-          </a:xfrm>
-          <a:prstGeom prst="rect">
-            <a:avLst/>
-          </a:prstGeom>
-          <a:noFill/>
-        </p:spPr>
-        <p:txBody>
-          <a:bodyPr wrap="square" lIns="0" tIns="0" rIns="0" bIns="0" rtlCol="0">
-            <a:spAutoFit/>
-          </a:bodyPr>
-          <a:lstStyle>
-            <a:defPPr>
-              <a:defRPr lang="en-US"/>
-            </a:defPPr>
-            <a:lvl1pPr algn="r">
-              <a:defRPr sz="1400">
-                <a:solidFill>
-                  <a:srgbClr val="0070C0"/>
-                </a:solidFill>
-              </a:defRPr>
-            </a:lvl1pPr>
-          </a:lstStyle>
-          <a:p>
-            <a:r>
-              <a:rPr lang="en-US" dirty="0">
-                <a:solidFill>
-                  <a:srgbClr val="7030A0"/>
-                </a:solidFill>
-              </a:rPr>
-              <a:t>e</a:t>
-            </a:r>
-          </a:p>
-        </p:txBody>
-      </p:sp>
-      <p:cxnSp>
-        <p:nvCxnSpPr>
-          <p:cNvPr id="232" name="Straight Arrow Connector 231">
-            <a:extLst>
-              <a:ext uri="{FF2B5EF4-FFF2-40B4-BE49-F238E27FC236}">
-                <a16:creationId xmlns:a16="http://schemas.microsoft.com/office/drawing/2014/main" id="{7859C3F7-6CFA-429D-98C6-24A238D9D8E6}"/>
-              </a:ext>
-            </a:extLst>
-          </p:cNvPr>
-          <p:cNvCxnSpPr>
-            <a:cxnSpLocks/>
-          </p:cNvCxnSpPr>
-          <p:nvPr/>
-        </p:nvCxnSpPr>
-        <p:spPr>
-          <a:xfrm>
-            <a:off x="6248400" y="6858000"/>
-            <a:ext cx="4783956" cy="0"/>
-          </a:xfrm>
-          <a:prstGeom prst="straightConnector1">
-            <a:avLst/>
-          </a:prstGeom>
-          <a:ln w="19050">
-            <a:solidFill>
-              <a:srgbClr val="7030A0"/>
-            </a:solidFill>
-            <a:prstDash val="sysDash"/>
-            <a:headEnd type="arrow" w="med" len="med"/>
-            <a:tailEnd type="none" w="med" len="med"/>
-          </a:ln>
-        </p:spPr>
-        <p:style>
-          <a:lnRef idx="1">
-            <a:schemeClr val="accent1"/>
-          </a:lnRef>
-          <a:fillRef idx="0">
-            <a:schemeClr val="accent1"/>
-          </a:fillRef>
-          <a:effectRef idx="0">
-            <a:schemeClr val="accent1"/>
-          </a:effectRef>
-          <a:fontRef idx="minor">
-            <a:schemeClr val="tx1"/>
-          </a:fontRef>
-        </p:style>
-      </p:cxnSp>
-      <p:sp>
-        <p:nvSpPr>
-          <p:cNvPr id="2" name="Rectangle 62"/>
-          <p:cNvSpPr/>
-          <p:nvPr/>
-        </p:nvSpPr>
-        <p:spPr>
-          <a:xfrm>
-            <a:off x="136655" y="417870"/>
-            <a:ext cx="1455629" cy="346760"/>
-          </a:xfrm>
-          <a:prstGeom prst="rect">
-            <a:avLst/>
-          </a:prstGeom>
-          <a:solidFill>
-            <a:srgbClr val="0070C0"/>
-          </a:solidFill>
-          <a:ln w="19050">
-            <a:solidFill>
-              <a:srgbClr val="0070C0"/>
-            </a:solidFill>
-          </a:ln>
-          <a:effectLst/>
-        </p:spPr>
-        <p:style>
-          <a:lnRef idx="1">
-            <a:schemeClr val="accent2"/>
-          </a:lnRef>
-          <a:fillRef idx="2">
-            <a:schemeClr val="accent2"/>
-          </a:fillRef>
-          <a:effectRef idx="1">
-            <a:schemeClr val="accent2"/>
-          </a:effectRef>
-          <a:fontRef idx="minor">
-            <a:schemeClr val="dk1"/>
-          </a:fontRef>
-        </p:style>
-        <p:txBody>
-          <a:bodyPr rtlCol="0" anchor="ctr"/>
-          <a:lstStyle/>
-          <a:p>
-            <a:pPr algn="ctr"/>
-            <a:r>
-              <a:rPr lang="en-US" sz="1600" dirty="0">
-                <a:solidFill>
-                  <a:schemeClr val="bg1"/>
-                </a:solidFill>
-              </a:rPr>
-              <a:t>:</a:t>
-            </a:r>
-            <a:r>
-              <a:rPr lang="en-US" sz="1600" dirty="0" err="1">
-                <a:solidFill>
-                  <a:schemeClr val="bg1"/>
-                </a:solidFill>
-              </a:rPr>
-              <a:t>LogicManager</a:t>
-            </a:r>
-            <a:endParaRPr lang="en-SG" sz="1600" dirty="0">
-              <a:solidFill>
-                <a:schemeClr val="bg1"/>
-              </a:solidFill>
-            </a:endParaRPr>
-          </a:p>
-        </p:txBody>
-      </p:sp>
+                <a:prstDash val="sysDash"/>
+                <a:headEnd type="arrow" w="med" len="med"/>
+                <a:tailEnd type="none" w="med" len="med"/>
+              </a:ln>
+            </p:spPr>
+            <p:style>
+              <a:lnRef idx="1">
+                <a:schemeClr val="accent1"/>
+              </a:lnRef>
+              <a:fillRef idx="0">
+                <a:schemeClr val="accent1"/>
+              </a:fillRef>
+              <a:effectRef idx="0">
+                <a:schemeClr val="accent1"/>
+              </a:effectRef>
+              <a:fontRef idx="minor">
+                <a:schemeClr val="tx1"/>
+              </a:fontRef>
+            </p:style>
+          </p:cxnSp>
+        </p:grpSp>
+        <p:sp>
+          <p:nvSpPr>
+            <p:cNvPr id="199" name="TextBox 198">
+              <a:extLst>
+                <a:ext uri="{FF2B5EF4-FFF2-40B4-BE49-F238E27FC236}">
+                  <a16:creationId xmlns:a16="http://schemas.microsoft.com/office/drawing/2014/main" id="{E7A92580-FD98-4762-A1A2-15B17DD5AD46}"/>
+                </a:ext>
+              </a:extLst>
+            </p:cNvPr>
+            <p:cNvSpPr txBox="1"/>
+            <p:nvPr/>
+          </p:nvSpPr>
+          <p:spPr>
+            <a:xfrm>
+              <a:off x="6286565" y="7739836"/>
+              <a:ext cx="258404" cy="261610"/>
+            </a:xfrm>
+            <a:prstGeom prst="rect">
+              <a:avLst/>
+            </a:prstGeom>
+            <a:noFill/>
+          </p:spPr>
+          <p:txBody>
+            <a:bodyPr wrap="none" rtlCol="0">
+              <a:spAutoFit/>
+            </a:bodyPr>
+            <a:lstStyle/>
+            <a:p>
+              <a:r>
+                <a:rPr lang="en-SG" sz="1100" dirty="0">
+                  <a:solidFill>
+                    <a:srgbClr val="002060"/>
+                  </a:solidFill>
+                </a:rPr>
+                <a:t>X</a:t>
+              </a:r>
+            </a:p>
+          </p:txBody>
+        </p:sp>
+        <p:sp>
+          <p:nvSpPr>
+            <p:cNvPr id="200" name="TextBox 199">
+              <a:extLst>
+                <a:ext uri="{FF2B5EF4-FFF2-40B4-BE49-F238E27FC236}">
+                  <a16:creationId xmlns:a16="http://schemas.microsoft.com/office/drawing/2014/main" id="{DDB916EA-2AF3-483F-86BD-4B8086F79B18}"/>
+                </a:ext>
+              </a:extLst>
+            </p:cNvPr>
+            <p:cNvSpPr txBox="1"/>
+            <p:nvPr/>
+          </p:nvSpPr>
+          <p:spPr>
+            <a:xfrm>
+              <a:off x="3994515" y="4688657"/>
+              <a:ext cx="258404" cy="261610"/>
+            </a:xfrm>
+            <a:prstGeom prst="rect">
+              <a:avLst/>
+            </a:prstGeom>
+            <a:noFill/>
+          </p:spPr>
+          <p:txBody>
+            <a:bodyPr wrap="none" rtlCol="0">
+              <a:spAutoFit/>
+            </a:bodyPr>
+            <a:lstStyle/>
+            <a:p>
+              <a:r>
+                <a:rPr lang="en-SG" sz="1100" dirty="0">
+                  <a:solidFill>
+                    <a:srgbClr val="002060"/>
+                  </a:solidFill>
+                </a:rPr>
+                <a:t>X</a:t>
+              </a:r>
+            </a:p>
+          </p:txBody>
+        </p:sp>
+      </p:grpSp>
     </p:spTree>
     <p:extLst>
       <p:ext uri="{BB962C8B-B14F-4D97-AF65-F5344CB8AC3E}">

--- a/docs/diagrams/SummaryByDateSequenceDiagram.pptx
+++ b/docs/diagrams/SummaryByDateSequenceDiagram.pptx
@@ -208,7 +208,7 @@
           <a:p>
             <a:fld id="{F5CC4B3F-88C1-4FFA-B1B6-F41C21DC6924}" type="datetimeFigureOut">
               <a:rPr lang="en-US" smtClean="0"/>
-              <a:t>11/6/2018</a:t>
+              <a:t>11/12/2018</a:t>
             </a:fld>
             <a:endParaRPr lang="en-US"/>
           </a:p>
@@ -743,7 +743,7 @@
           <a:p>
             <a:fld id="{78C97017-6FC3-485B-9764-EAC9E56C1D49}" type="datetimeFigureOut">
               <a:rPr lang="en-US" smtClean="0"/>
-              <a:t>11/6/2018</a:t>
+              <a:t>11/12/2018</a:t>
             </a:fld>
             <a:endParaRPr lang="en-US"/>
           </a:p>
@@ -911,7 +911,7 @@
           <a:p>
             <a:fld id="{78C97017-6FC3-485B-9764-EAC9E56C1D49}" type="datetimeFigureOut">
               <a:rPr lang="en-US" smtClean="0"/>
-              <a:t>11/6/2018</a:t>
+              <a:t>11/12/2018</a:t>
             </a:fld>
             <a:endParaRPr lang="en-US"/>
           </a:p>
@@ -1089,7 +1089,7 @@
           <a:p>
             <a:fld id="{78C97017-6FC3-485B-9764-EAC9E56C1D49}" type="datetimeFigureOut">
               <a:rPr lang="en-US" smtClean="0"/>
-              <a:t>11/6/2018</a:t>
+              <a:t>11/12/2018</a:t>
             </a:fld>
             <a:endParaRPr lang="en-US"/>
           </a:p>
@@ -1257,7 +1257,7 @@
           <a:p>
             <a:fld id="{78C97017-6FC3-485B-9764-EAC9E56C1D49}" type="datetimeFigureOut">
               <a:rPr lang="en-US" smtClean="0"/>
-              <a:t>11/6/2018</a:t>
+              <a:t>11/12/2018</a:t>
             </a:fld>
             <a:endParaRPr lang="en-US"/>
           </a:p>
@@ -1502,7 +1502,7 @@
           <a:p>
             <a:fld id="{78C97017-6FC3-485B-9764-EAC9E56C1D49}" type="datetimeFigureOut">
               <a:rPr lang="en-US" smtClean="0"/>
-              <a:t>11/6/2018</a:t>
+              <a:t>11/12/2018</a:t>
             </a:fld>
             <a:endParaRPr lang="en-US"/>
           </a:p>
@@ -1787,7 +1787,7 @@
           <a:p>
             <a:fld id="{78C97017-6FC3-485B-9764-EAC9E56C1D49}" type="datetimeFigureOut">
               <a:rPr lang="en-US" smtClean="0"/>
-              <a:t>11/6/2018</a:t>
+              <a:t>11/12/2018</a:t>
             </a:fld>
             <a:endParaRPr lang="en-US"/>
           </a:p>
@@ -2206,7 +2206,7 @@
           <a:p>
             <a:fld id="{78C97017-6FC3-485B-9764-EAC9E56C1D49}" type="datetimeFigureOut">
               <a:rPr lang="en-US" smtClean="0"/>
-              <a:t>11/6/2018</a:t>
+              <a:t>11/12/2018</a:t>
             </a:fld>
             <a:endParaRPr lang="en-US"/>
           </a:p>
@@ -2323,7 +2323,7 @@
           <a:p>
             <a:fld id="{78C97017-6FC3-485B-9764-EAC9E56C1D49}" type="datetimeFigureOut">
               <a:rPr lang="en-US" smtClean="0"/>
-              <a:t>11/6/2018</a:t>
+              <a:t>11/12/2018</a:t>
             </a:fld>
             <a:endParaRPr lang="en-US"/>
           </a:p>
@@ -2418,7 +2418,7 @@
           <a:p>
             <a:fld id="{78C97017-6FC3-485B-9764-EAC9E56C1D49}" type="datetimeFigureOut">
               <a:rPr lang="en-US" smtClean="0"/>
-              <a:t>11/6/2018</a:t>
+              <a:t>11/12/2018</a:t>
             </a:fld>
             <a:endParaRPr lang="en-US"/>
           </a:p>
@@ -2693,7 +2693,7 @@
           <a:p>
             <a:fld id="{78C97017-6FC3-485B-9764-EAC9E56C1D49}" type="datetimeFigureOut">
               <a:rPr lang="en-US" smtClean="0"/>
-              <a:t>11/6/2018</a:t>
+              <a:t>11/12/2018</a:t>
             </a:fld>
             <a:endParaRPr lang="en-US"/>
           </a:p>
@@ -2945,7 +2945,7 @@
           <a:p>
             <a:fld id="{78C97017-6FC3-485B-9764-EAC9E56C1D49}" type="datetimeFigureOut">
               <a:rPr lang="en-US" smtClean="0"/>
-              <a:t>11/6/2018</a:t>
+              <a:t>11/12/2018</a:t>
             </a:fld>
             <a:endParaRPr lang="en-US"/>
           </a:p>
@@ -3156,7 +3156,7 @@
           <a:p>
             <a:fld id="{78C97017-6FC3-485B-9764-EAC9E56C1D49}" type="datetimeFigureOut">
               <a:rPr lang="en-US" smtClean="0"/>
-              <a:t>11/6/2018</a:t>
+              <a:t>11/12/2018</a:t>
             </a:fld>
             <a:endParaRPr lang="en-US"/>
           </a:p>
@@ -3545,8 +3545,8 @@
         </p:nvSpPr>
         <p:spPr>
           <a:xfrm>
-            <a:off x="10422766" y="-1562017"/>
-            <a:ext cx="4817234" cy="9870482"/>
+            <a:off x="10422766" y="-6476994"/>
+            <a:ext cx="4817234" cy="14785459"/>
           </a:xfrm>
           <a:prstGeom prst="roundRect">
             <a:avLst>
@@ -3612,8 +3612,8 @@
         </p:nvSpPr>
         <p:spPr>
           <a:xfrm>
-            <a:off x="-2346448" y="-1562017"/>
-            <a:ext cx="12792491" cy="9870482"/>
+            <a:off x="-2286634" y="-6476994"/>
+            <a:ext cx="12792491" cy="14785459"/>
           </a:xfrm>
           <a:prstGeom prst="roundRect">
             <a:avLst>
@@ -3679,10 +3679,10 @@
         </p:nvGrpSpPr>
         <p:grpSpPr>
           <a:xfrm>
-            <a:off x="-2209800" y="-1245165"/>
-            <a:ext cx="17006769" cy="9348330"/>
-            <a:chOff x="-2057400" y="-1245165"/>
-            <a:chExt cx="17006769" cy="9348330"/>
+            <a:off x="-2240522" y="-6019800"/>
+            <a:ext cx="17037491" cy="14122965"/>
+            <a:chOff x="-2088122" y="-1245165"/>
+            <a:chExt cx="17037491" cy="9348330"/>
           </a:xfrm>
         </p:grpSpPr>
         <p:grpSp>
@@ -3699,10 +3699,10 @@
           </p:nvGrpSpPr>
           <p:grpSpPr>
             <a:xfrm>
-              <a:off x="-2057400" y="-1245165"/>
-              <a:ext cx="17006769" cy="9348330"/>
-              <a:chOff x="-4205169" y="-2185530"/>
-              <a:chExt cx="17006769" cy="9348330"/>
+              <a:off x="-2088122" y="-1245165"/>
+              <a:ext cx="17037491" cy="9348330"/>
+              <a:chOff x="-4235891" y="-2185530"/>
+              <a:chExt cx="17037491" cy="9348330"/>
             </a:xfrm>
           </p:grpSpPr>
           <p:cxnSp>
@@ -3989,7 +3989,7 @@
             </p:nvSpPr>
             <p:spPr>
               <a:xfrm>
-                <a:off x="4191000" y="335367"/>
+                <a:off x="3993103" y="335367"/>
                 <a:ext cx="152400" cy="541527"/>
               </a:xfrm>
               <a:prstGeom prst="rect">
@@ -4221,8 +4221,8 @@
             </p:nvSpPr>
             <p:spPr>
               <a:xfrm>
-                <a:off x="-3749989" y="-1738876"/>
-                <a:ext cx="1424846" cy="646331"/>
+                <a:off x="-4235891" y="-1770545"/>
+                <a:ext cx="1910748" cy="550057"/>
               </a:xfrm>
               <a:prstGeom prst="rect">
                 <a:avLst/>
@@ -4237,7 +4237,7 @@
               <a:p>
                 <a:pPr algn="r"/>
                 <a:r>
-                  <a:rPr lang="en-US" sz="1400" dirty="0">
+                  <a:rPr lang="en-US" dirty="0">
                     <a:solidFill>
                       <a:srgbClr val="0070C0"/>
                     </a:solidFill>
@@ -4525,8 +4525,8 @@
             </p:nvSpPr>
             <p:spPr>
               <a:xfrm>
-                <a:off x="-2105121" y="-1092545"/>
-                <a:ext cx="1424846" cy="861774"/>
+                <a:off x="-2105121" y="-1124214"/>
+                <a:ext cx="1498298" cy="733409"/>
               </a:xfrm>
               <a:prstGeom prst="rect">
                 <a:avLst/>
@@ -4541,14 +4541,14 @@
               <a:p>
                 <a:pPr algn="r"/>
                 <a:r>
-                  <a:rPr lang="en-US" sz="1400" dirty="0" err="1">
+                  <a:rPr lang="en-US" dirty="0" err="1">
                     <a:solidFill>
                       <a:srgbClr val="0070C0"/>
                     </a:solidFill>
                   </a:rPr>
                   <a:t>parseCommand</a:t>
                 </a:r>
-                <a:endParaRPr lang="en-US" sz="1400" dirty="0">
+                <a:endParaRPr lang="en-US" dirty="0">
                   <a:solidFill>
                     <a:srgbClr val="0070C0"/>
                   </a:solidFill>
@@ -4557,7 +4557,7 @@
               <a:p>
                 <a:pPr algn="r"/>
                 <a:r>
-                  <a:rPr lang="en-US" sz="1400" dirty="0">
+                  <a:rPr lang="en-US" dirty="0">
                     <a:solidFill>
                       <a:srgbClr val="0070C0"/>
                     </a:solidFill>
@@ -4568,7 +4568,7 @@
               <a:p>
                 <a:pPr algn="r"/>
                 <a:r>
-                  <a:rPr lang="en-US" sz="1400" dirty="0">
+                  <a:rPr lang="en-US" dirty="0">
                     <a:solidFill>
                       <a:srgbClr val="0070C0"/>
                     </a:solidFill>
@@ -4592,8 +4592,8 @@
             </p:nvSpPr>
             <p:spPr>
               <a:xfrm>
-                <a:off x="1295400" y="-2133600"/>
-                <a:ext cx="1455629" cy="1092985"/>
+                <a:off x="1107030" y="-1684246"/>
+                <a:ext cx="1849319" cy="643630"/>
               </a:xfrm>
               <a:prstGeom prst="rect">
                 <a:avLst/>
@@ -4718,8 +4718,8 @@
             </p:nvSpPr>
             <p:spPr>
               <a:xfrm>
-                <a:off x="-571310" y="-807511"/>
-                <a:ext cx="1603614" cy="646331"/>
+                <a:off x="-83383" y="-809394"/>
+                <a:ext cx="1603614" cy="550057"/>
               </a:xfrm>
               <a:prstGeom prst="rect">
                 <a:avLst/>
@@ -4734,7 +4734,7 @@
               <a:p>
                 <a:pPr algn="r"/>
                 <a:r>
-                  <a:rPr lang="en-US" sz="1400" dirty="0">
+                  <a:rPr lang="en-US" dirty="0">
                     <a:solidFill>
                       <a:srgbClr val="0070C0"/>
                     </a:solidFill>
@@ -4745,7 +4745,7 @@
               <a:p>
                 <a:pPr algn="r"/>
                 <a:r>
-                  <a:rPr lang="en-US" sz="1400" dirty="0">
+                  <a:rPr lang="en-US" dirty="0">
                     <a:solidFill>
                       <a:srgbClr val="0070C0"/>
                     </a:solidFill>
@@ -4927,7 +4927,7 @@
             <p:spPr>
               <a:xfrm>
                 <a:off x="2056510" y="306811"/>
-                <a:ext cx="1502009" cy="0"/>
+                <a:ext cx="1304112" cy="0"/>
               </a:xfrm>
               <a:prstGeom prst="straightConnector1">
                 <a:avLst/>
@@ -5012,8 +5012,8 @@
             </p:nvSpPr>
             <p:spPr>
               <a:xfrm>
-                <a:off x="3558519" y="52951"/>
-                <a:ext cx="1502009" cy="541530"/>
+                <a:off x="3360622" y="176087"/>
+                <a:ext cx="1502009" cy="418394"/>
               </a:xfrm>
               <a:prstGeom prst="rect">
                 <a:avLst/>
@@ -5088,8 +5088,8 @@
             </p:nvSpPr>
             <p:spPr>
               <a:xfrm>
-                <a:off x="1794189" y="8480"/>
-                <a:ext cx="1603614" cy="215444"/>
+                <a:off x="1819413" y="-42810"/>
+                <a:ext cx="1906657" cy="183352"/>
               </a:xfrm>
               <a:prstGeom prst="rect">
                 <a:avLst/>
@@ -5104,7 +5104,7 @@
               <a:p>
                 <a:pPr algn="r"/>
                 <a:r>
-                  <a:rPr lang="en-US" sz="1400" dirty="0">
+                  <a:rPr lang="en-US" dirty="0">
                     <a:solidFill>
                       <a:srgbClr val="0070C0"/>
                     </a:solidFill>
@@ -5566,8 +5566,8 @@
             </p:nvSpPr>
             <p:spPr>
               <a:xfrm>
-                <a:off x="1828793" y="334108"/>
-                <a:ext cx="1603614" cy="215444"/>
+                <a:off x="2069044" y="306811"/>
+                <a:ext cx="1206241" cy="366705"/>
               </a:xfrm>
               <a:prstGeom prst="rect">
                 <a:avLst/>
@@ -5582,7 +5582,7 @@
               <a:p>
                 <a:pPr algn="r"/>
                 <a:r>
-                  <a:rPr lang="en-US" sz="1400" dirty="0" err="1">
+                  <a:rPr lang="en-US" dirty="0" err="1">
                     <a:solidFill>
                       <a:srgbClr val="0070C0"/>
                     </a:solidFill>
@@ -5590,7 +5590,7 @@
                   <a:t>SummaryByDate</a:t>
                 </a:r>
                 <a:r>
-                  <a:rPr lang="en-US" sz="1400" dirty="0">
+                  <a:rPr lang="en-US" dirty="0">
                     <a:solidFill>
                       <a:srgbClr val="0070C0"/>
                     </a:solidFill>
@@ -5614,8 +5614,8 @@
             </p:nvSpPr>
             <p:spPr>
               <a:xfrm>
-                <a:off x="2233984" y="1544304"/>
-                <a:ext cx="1603614" cy="215444"/>
+                <a:off x="2290591" y="1310537"/>
+                <a:ext cx="1976609" cy="183352"/>
               </a:xfrm>
               <a:prstGeom prst="rect">
                 <a:avLst/>
@@ -5630,7 +5630,7 @@
               <a:p>
                 <a:pPr algn="r"/>
                 <a:r>
-                  <a:rPr lang="en-US" sz="1400" dirty="0" err="1">
+                  <a:rPr lang="en-US" dirty="0" err="1">
                     <a:solidFill>
                       <a:srgbClr val="0070C0"/>
                     </a:solidFill>
@@ -5638,7 +5638,7 @@
                   <a:t>SummaryByMonth</a:t>
                 </a:r>
                 <a:r>
-                  <a:rPr lang="en-US" sz="1400" dirty="0">
+                  <a:rPr lang="en-US" dirty="0">
                     <a:solidFill>
                       <a:srgbClr val="0070C0"/>
                     </a:solidFill>
@@ -5662,8 +5662,8 @@
             </p:nvSpPr>
             <p:spPr>
               <a:xfrm>
-                <a:off x="2166431" y="1242488"/>
-                <a:ext cx="1603614" cy="215444"/>
+                <a:off x="1960904" y="1119641"/>
+                <a:ext cx="2018514" cy="183352"/>
               </a:xfrm>
               <a:prstGeom prst="rect">
                 <a:avLst/>
@@ -5678,7 +5678,7 @@
               <a:p>
                 <a:pPr algn="r"/>
                 <a:r>
-                  <a:rPr lang="en-US" sz="1400" dirty="0">
+                  <a:rPr lang="en-US" dirty="0">
                     <a:solidFill>
                       <a:srgbClr val="0070C0"/>
                     </a:solidFill>
@@ -5702,8 +5702,8 @@
             </p:nvSpPr>
             <p:spPr>
               <a:xfrm>
-                <a:off x="2590445" y="2641502"/>
-                <a:ext cx="1826192" cy="215444"/>
+                <a:off x="4252216" y="2366886"/>
+                <a:ext cx="2225028" cy="183352"/>
               </a:xfrm>
               <a:prstGeom prst="rect">
                 <a:avLst/>
@@ -5718,7 +5718,7 @@
               <a:p>
                 <a:pPr algn="r"/>
                 <a:r>
-                  <a:rPr lang="en-US" sz="1400" dirty="0" err="1">
+                  <a:rPr lang="en-US" dirty="0" err="1">
                     <a:solidFill>
                       <a:srgbClr val="0070C0"/>
                     </a:solidFill>
@@ -5726,7 +5726,7 @@
                   <a:t>SummaryByCategory</a:t>
                 </a:r>
                 <a:r>
-                  <a:rPr lang="en-US" sz="1400" dirty="0">
+                  <a:rPr lang="en-US" dirty="0">
                     <a:solidFill>
                       <a:srgbClr val="0070C0"/>
                     </a:solidFill>
@@ -5750,8 +5750,8 @@
             </p:nvSpPr>
             <p:spPr>
               <a:xfrm>
-                <a:off x="2300191" y="2329605"/>
-                <a:ext cx="1603614" cy="215444"/>
+                <a:off x="1732743" y="2255091"/>
+                <a:ext cx="2389474" cy="183352"/>
               </a:xfrm>
               <a:prstGeom prst="rect">
                 <a:avLst/>
@@ -5766,7 +5766,7 @@
               <a:p>
                 <a:pPr algn="r"/>
                 <a:r>
-                  <a:rPr lang="en-US" sz="1400" dirty="0">
+                  <a:rPr lang="en-US" dirty="0">
                     <a:solidFill>
                       <a:srgbClr val="0070C0"/>
                     </a:solidFill>
@@ -5790,8 +5790,8 @@
             </p:nvSpPr>
             <p:spPr>
               <a:xfrm>
-                <a:off x="2109882" y="643814"/>
-                <a:ext cx="1603614" cy="215444"/>
+                <a:off x="2048297" y="705061"/>
+                <a:ext cx="1603614" cy="183352"/>
               </a:xfrm>
               <a:prstGeom prst="rect">
                 <a:avLst/>
@@ -5806,14 +5806,14 @@
               <a:p>
                 <a:pPr algn="r"/>
                 <a:r>
-                  <a:rPr lang="en-US" sz="1400" dirty="0" err="1">
+                  <a:rPr lang="en-US" dirty="0" err="1">
                     <a:solidFill>
                       <a:srgbClr val="0070C0"/>
                     </a:solidFill>
                   </a:rPr>
                   <a:t>sbd</a:t>
                 </a:r>
-                <a:endParaRPr lang="en-US" sz="1400" dirty="0">
+                <a:endParaRPr lang="en-US" dirty="0">
                   <a:solidFill>
                     <a:srgbClr val="0070C0"/>
                   </a:solidFill>
@@ -5835,8 +5835,8 @@
             </p:nvSpPr>
             <p:spPr>
               <a:xfrm>
-                <a:off x="2564912" y="1837081"/>
-                <a:ext cx="1603614" cy="215444"/>
+                <a:off x="3228951" y="1834190"/>
+                <a:ext cx="1603614" cy="183352"/>
               </a:xfrm>
               <a:prstGeom prst="rect">
                 <a:avLst/>
@@ -5851,14 +5851,14 @@
               <a:p>
                 <a:pPr algn="r"/>
                 <a:r>
-                  <a:rPr lang="en-US" sz="1400" dirty="0" err="1">
+                  <a:rPr lang="en-US" dirty="0" err="1">
                     <a:solidFill>
                       <a:srgbClr val="0070C0"/>
                     </a:solidFill>
                   </a:rPr>
                   <a:t>sbm</a:t>
                 </a:r>
-                <a:endParaRPr lang="en-US" sz="1400" dirty="0">
+                <a:endParaRPr lang="en-US" dirty="0">
                   <a:solidFill>
                     <a:srgbClr val="0070C0"/>
                   </a:solidFill>
@@ -5880,8 +5880,8 @@
             </p:nvSpPr>
             <p:spPr>
               <a:xfrm>
-                <a:off x="3155698" y="2917472"/>
-                <a:ext cx="1603614" cy="215444"/>
+                <a:off x="3155698" y="2885803"/>
+                <a:ext cx="1603614" cy="183352"/>
               </a:xfrm>
               <a:prstGeom prst="rect">
                 <a:avLst/>
@@ -5896,14 +5896,14 @@
               <a:p>
                 <a:pPr algn="r"/>
                 <a:r>
-                  <a:rPr lang="en-US" sz="1400" dirty="0" err="1">
+                  <a:rPr lang="en-US" dirty="0" err="1">
                     <a:solidFill>
                       <a:srgbClr val="0070C0"/>
                     </a:solidFill>
                   </a:rPr>
                   <a:t>sbc</a:t>
                 </a:r>
-                <a:endParaRPr lang="en-US" sz="1400" dirty="0">
+                <a:endParaRPr lang="en-US" dirty="0">
                   <a:solidFill>
                     <a:srgbClr val="0070C0"/>
                   </a:solidFill>
@@ -5971,8 +5971,8 @@
             </p:nvSpPr>
             <p:spPr>
               <a:xfrm>
-                <a:off x="-879568" y="3277481"/>
-                <a:ext cx="1603614" cy="215444"/>
+                <a:off x="-877880" y="3335892"/>
+                <a:ext cx="1603614" cy="183352"/>
               </a:xfrm>
               <a:prstGeom prst="rect">
                 <a:avLst/>
@@ -5987,14 +5987,14 @@
               <a:p>
                 <a:pPr algn="r"/>
                 <a:r>
-                  <a:rPr lang="en-US" sz="1400" dirty="0" err="1">
+                  <a:rPr lang="en-US" dirty="0" err="1">
                     <a:solidFill>
                       <a:srgbClr val="0070C0"/>
                     </a:solidFill>
                   </a:rPr>
                   <a:t>sbd</a:t>
                 </a:r>
-                <a:endParaRPr lang="en-US" sz="1400" dirty="0">
+                <a:endParaRPr lang="en-US" dirty="0">
                   <a:solidFill>
                     <a:srgbClr val="0070C0"/>
                   </a:solidFill>
@@ -6062,8 +6062,8 @@
             </p:nvSpPr>
             <p:spPr>
               <a:xfrm>
-                <a:off x="-2427446" y="3384145"/>
-                <a:ext cx="1603614" cy="215444"/>
+                <a:off x="-2427513" y="3467187"/>
+                <a:ext cx="1603614" cy="183352"/>
               </a:xfrm>
               <a:prstGeom prst="rect">
                 <a:avLst/>
@@ -6078,14 +6078,14 @@
               <a:p>
                 <a:pPr algn="r"/>
                 <a:r>
-                  <a:rPr lang="en-US" sz="1400" dirty="0" err="1">
+                  <a:rPr lang="en-US" dirty="0" err="1">
                     <a:solidFill>
                       <a:srgbClr val="0070C0"/>
                     </a:solidFill>
                   </a:rPr>
                   <a:t>sbd</a:t>
                 </a:r>
-                <a:endParaRPr lang="en-US" sz="1400" dirty="0">
+                <a:endParaRPr lang="en-US" dirty="0">
                   <a:solidFill>
                     <a:srgbClr val="0070C0"/>
                   </a:solidFill>
@@ -6204,8 +6204,8 @@
             </p:nvSpPr>
             <p:spPr>
               <a:xfrm>
-                <a:off x="-308214" y="3771375"/>
-                <a:ext cx="1603614" cy="215444"/>
+                <a:off x="-308214" y="3739706"/>
+                <a:ext cx="1603614" cy="183352"/>
               </a:xfrm>
               <a:prstGeom prst="rect">
                 <a:avLst/>
@@ -6220,7 +6220,7 @@
               <a:p>
                 <a:pPr algn="r"/>
                 <a:r>
-                  <a:rPr lang="en-US" sz="1400" dirty="0" err="1">
+                  <a:rPr lang="en-US" dirty="0" err="1">
                     <a:solidFill>
                       <a:srgbClr val="0070C0"/>
                     </a:solidFill>
@@ -6228,7 +6228,7 @@
                   <a:t>sbd.execute</a:t>
                 </a:r>
                 <a:r>
-                  <a:rPr lang="en-US" sz="1400" dirty="0">
+                  <a:rPr lang="en-US" dirty="0">
                     <a:solidFill>
                       <a:srgbClr val="0070C0"/>
                     </a:solidFill>
@@ -6774,8 +6774,8 @@
             </p:nvSpPr>
             <p:spPr>
               <a:xfrm>
-                <a:off x="4911484" y="4038600"/>
-                <a:ext cx="2784716" cy="215444"/>
+                <a:off x="4911484" y="4006931"/>
+                <a:ext cx="2784716" cy="183352"/>
               </a:xfrm>
               <a:prstGeom prst="rect">
                 <a:avLst/>
@@ -6790,7 +6790,7 @@
               <a:p>
                 <a:pPr algn="r"/>
                 <a:r>
-                  <a:rPr lang="en-US" sz="1400" dirty="0" err="1">
+                  <a:rPr lang="en-US" dirty="0" err="1">
                     <a:solidFill>
                       <a:srgbClr val="0070C0"/>
                     </a:solidFill>
@@ -6798,7 +6798,7 @@
                   <a:t>updateFilteredRecordList</a:t>
                 </a:r>
                 <a:r>
-                  <a:rPr lang="en-US" sz="1400" dirty="0">
+                  <a:rPr lang="en-US" dirty="0">
                     <a:solidFill>
                       <a:srgbClr val="0070C0"/>
                     </a:solidFill>
@@ -6822,8 +6822,8 @@
             </p:nvSpPr>
             <p:spPr>
               <a:xfrm>
-                <a:off x="4854494" y="4487850"/>
-                <a:ext cx="2784716" cy="215444"/>
+                <a:off x="4897861" y="4487850"/>
+                <a:ext cx="2784716" cy="183352"/>
               </a:xfrm>
               <a:prstGeom prst="rect">
                 <a:avLst/>
@@ -6838,7 +6838,7 @@
               <a:p>
                 <a:pPr algn="r"/>
                 <a:r>
-                  <a:rPr lang="en-US" sz="1400" dirty="0" err="1">
+                  <a:rPr lang="en-US" dirty="0" err="1">
                     <a:solidFill>
                       <a:srgbClr val="0070C0"/>
                     </a:solidFill>
@@ -6846,7 +6846,7 @@
                   <a:t>getFilteredRecordList</a:t>
                 </a:r>
                 <a:r>
-                  <a:rPr lang="en-US" sz="1400" dirty="0">
+                  <a:rPr lang="en-US" dirty="0">
                     <a:solidFill>
                       <a:srgbClr val="0070C0"/>
                     </a:solidFill>
@@ -6871,7 +6871,7 @@
             <p:spPr>
               <a:xfrm>
                 <a:off x="6246852" y="4709024"/>
-                <a:ext cx="1018775" cy="184666"/>
+                <a:ext cx="1018775" cy="162980"/>
               </a:xfrm>
               <a:prstGeom prst="rect">
                 <a:avLst/>
@@ -6899,7 +6899,7 @@
               </a:lstStyle>
               <a:p>
                 <a:r>
-                  <a:rPr lang="en-US" sz="1200" dirty="0" err="1">
+                  <a:rPr lang="en-US" sz="1600" dirty="0" err="1">
                     <a:solidFill>
                       <a:schemeClr val="accent4">
                         <a:lumMod val="75000"/>
@@ -6908,7 +6908,7 @@
                   </a:rPr>
                   <a:t>filteredList</a:t>
                 </a:r>
-                <a:endParaRPr lang="en-US" sz="1200" dirty="0">
+                <a:endParaRPr lang="en-US" sz="1600" dirty="0">
                   <a:solidFill>
                     <a:schemeClr val="accent4">
                       <a:lumMod val="75000"/>
@@ -6978,7 +6978,7 @@
             <p:spPr>
               <a:xfrm>
                 <a:off x="4880397" y="5040020"/>
-                <a:ext cx="2784716" cy="215444"/>
+                <a:ext cx="2784716" cy="183352"/>
               </a:xfrm>
               <a:prstGeom prst="rect">
                 <a:avLst/>
@@ -6993,7 +6993,7 @@
               <a:p>
                 <a:pPr algn="r"/>
                 <a:r>
-                  <a:rPr lang="en-US" sz="1400" dirty="0" err="1">
+                  <a:rPr lang="en-US" dirty="0" err="1">
                     <a:solidFill>
                       <a:srgbClr val="0070C0"/>
                     </a:solidFill>
@@ -7001,7 +7001,7 @@
                   <a:t>SummaryByDate</a:t>
                 </a:r>
                 <a:r>
-                  <a:rPr lang="en-US" sz="1400" dirty="0">
+                  <a:rPr lang="en-US" dirty="0">
                     <a:solidFill>
                       <a:srgbClr val="0070C0"/>
                     </a:solidFill>
@@ -7009,7 +7009,7 @@
                   <a:t>(</a:t>
                 </a:r>
                 <a:r>
-                  <a:rPr lang="en-US" sz="1400" dirty="0" err="1">
+                  <a:rPr lang="en-US" dirty="0" err="1">
                     <a:solidFill>
                       <a:srgbClr val="0070C0"/>
                     </a:solidFill>
@@ -7017,7 +7017,7 @@
                   <a:t>filteredList</a:t>
                 </a:r>
                 <a:r>
-                  <a:rPr lang="en-US" sz="1400" dirty="0">
+                  <a:rPr lang="en-US" dirty="0">
                     <a:solidFill>
                       <a:srgbClr val="0070C0"/>
                     </a:solidFill>
@@ -7088,7 +7088,7 @@
             <p:spPr>
               <a:xfrm>
                 <a:off x="6452596" y="5652387"/>
-                <a:ext cx="1018775" cy="184666"/>
+                <a:ext cx="1373471" cy="162980"/>
               </a:xfrm>
               <a:prstGeom prst="rect">
                 <a:avLst/>
@@ -7116,7 +7116,7 @@
               </a:lstStyle>
               <a:p>
                 <a:r>
-                  <a:rPr lang="en-US" sz="1200" dirty="0" err="1">
+                  <a:rPr lang="en-US" sz="1600" dirty="0" err="1">
                     <a:solidFill>
                       <a:schemeClr val="accent4">
                         <a:lumMod val="75000"/>
@@ -7125,7 +7125,7 @@
                   </a:rPr>
                   <a:t>summaryList</a:t>
                 </a:r>
-                <a:endParaRPr lang="en-US" sz="1200" dirty="0">
+                <a:endParaRPr lang="en-US" sz="1600" dirty="0">
                   <a:solidFill>
                     <a:schemeClr val="accent4">
                       <a:lumMod val="75000"/>
@@ -7193,8 +7193,8 @@
             </p:nvSpPr>
             <p:spPr>
               <a:xfrm>
-                <a:off x="5277281" y="6122663"/>
-                <a:ext cx="3942911" cy="215444"/>
+                <a:off x="5296547" y="6045667"/>
+                <a:ext cx="3942911" cy="366705"/>
               </a:xfrm>
               <a:prstGeom prst="rect">
                 <a:avLst/>
@@ -7209,7 +7209,7 @@
               <a:p>
                 <a:pPr algn="r"/>
                 <a:r>
-                  <a:rPr lang="en-US" sz="1400" dirty="0">
+                  <a:rPr lang="en-US" dirty="0">
                     <a:solidFill>
                       <a:srgbClr val="0070C0"/>
                     </a:solidFill>
@@ -7217,7 +7217,7 @@
                   <a:t>post new </a:t>
                 </a:r>
                 <a:r>
-                  <a:rPr lang="en-US" sz="1400" dirty="0" err="1">
+                  <a:rPr lang="en-US" dirty="0" err="1">
                     <a:solidFill>
                       <a:srgbClr val="0070C0"/>
                     </a:solidFill>
@@ -7225,7 +7225,7 @@
                   <a:t>ShowSummaryTableEvent</a:t>
                 </a:r>
                 <a:r>
-                  <a:rPr lang="en-US" sz="1400" dirty="0">
+                  <a:rPr lang="en-US" dirty="0">
                     <a:solidFill>
                       <a:srgbClr val="0070C0"/>
                     </a:solidFill>
@@ -7233,7 +7233,7 @@
                   <a:t>(</a:t>
                 </a:r>
                 <a:r>
-                  <a:rPr lang="en-US" sz="1400" dirty="0" err="1">
+                  <a:rPr lang="en-US" dirty="0" err="1">
                     <a:solidFill>
                       <a:srgbClr val="0070C0"/>
                     </a:solidFill>
@@ -7241,7 +7241,7 @@
                   <a:t>summaryList</a:t>
                 </a:r>
                 <a:r>
-                  <a:rPr lang="en-US" sz="1400" dirty="0">
+                  <a:rPr lang="en-US" dirty="0">
                     <a:solidFill>
                       <a:srgbClr val="0070C0"/>
                     </a:solidFill>
@@ -7311,8 +7311,8 @@
             </p:nvSpPr>
             <p:spPr>
               <a:xfrm>
-                <a:off x="-249432" y="6322723"/>
-                <a:ext cx="1603614" cy="215444"/>
+                <a:off x="-206065" y="6322723"/>
+                <a:ext cx="1603614" cy="183352"/>
               </a:xfrm>
               <a:prstGeom prst="rect">
                 <a:avLst/>
@@ -7327,7 +7327,7 @@
               <a:p>
                 <a:pPr algn="r"/>
                 <a:r>
-                  <a:rPr lang="en-US" sz="1400" dirty="0">
+                  <a:rPr lang="en-US" dirty="0">
                     <a:solidFill>
                       <a:srgbClr val="0070C0"/>
                     </a:solidFill>
@@ -7352,7 +7352,7 @@
             <p:spPr>
               <a:xfrm>
                 <a:off x="-4205169" y="6543012"/>
-                <a:ext cx="1603614" cy="215444"/>
+                <a:ext cx="1603614" cy="183352"/>
               </a:xfrm>
               <a:prstGeom prst="rect">
                 <a:avLst/>
@@ -7367,7 +7367,7 @@
               <a:p>
                 <a:pPr algn="r"/>
                 <a:r>
-                  <a:rPr lang="en-US" sz="1400" dirty="0">
+                  <a:rPr lang="en-US" dirty="0">
                     <a:solidFill>
                       <a:srgbClr val="0070C0"/>
                     </a:solidFill>
